--- a/javaWorks/자료/java_ppt/3장-제어문(조건, 반복).pptx
+++ b/javaWorks/자료/java_ppt/3장-제어문(조건, 반복).pptx
@@ -5,7 +5,7 @@
     <p:sldMasterId id="2147483648" r:id="rId1"/>
   </p:sldMasterIdLst>
   <p:notesMasterIdLst>
-    <p:notesMasterId r:id="rId45"/>
+    <p:notesMasterId r:id="rId47"/>
   </p:notesMasterIdLst>
   <p:sldIdLst>
     <p:sldId id="256" r:id="rId2"/>
@@ -23,34 +23,36 @@
     <p:sldId id="317" r:id="rId14"/>
     <p:sldId id="357" r:id="rId15"/>
     <p:sldId id="358" r:id="rId16"/>
-    <p:sldId id="298" r:id="rId17"/>
-    <p:sldId id="299" r:id="rId18"/>
-    <p:sldId id="327" r:id="rId19"/>
-    <p:sldId id="360" r:id="rId20"/>
-    <p:sldId id="333" r:id="rId21"/>
-    <p:sldId id="361" r:id="rId22"/>
-    <p:sldId id="301" r:id="rId23"/>
-    <p:sldId id="353" r:id="rId24"/>
-    <p:sldId id="354" r:id="rId25"/>
-    <p:sldId id="342" r:id="rId26"/>
-    <p:sldId id="343" r:id="rId27"/>
-    <p:sldId id="344" r:id="rId28"/>
-    <p:sldId id="345" r:id="rId29"/>
-    <p:sldId id="302" r:id="rId30"/>
-    <p:sldId id="308" r:id="rId31"/>
-    <p:sldId id="322" r:id="rId32"/>
-    <p:sldId id="323" r:id="rId33"/>
-    <p:sldId id="328" r:id="rId34"/>
-    <p:sldId id="304" r:id="rId35"/>
-    <p:sldId id="334" r:id="rId36"/>
-    <p:sldId id="352" r:id="rId37"/>
-    <p:sldId id="307" r:id="rId38"/>
-    <p:sldId id="359" r:id="rId39"/>
-    <p:sldId id="305" r:id="rId40"/>
-    <p:sldId id="330" r:id="rId41"/>
-    <p:sldId id="356" r:id="rId42"/>
-    <p:sldId id="341" r:id="rId43"/>
-    <p:sldId id="349" r:id="rId44"/>
+    <p:sldId id="365" r:id="rId17"/>
+    <p:sldId id="298" r:id="rId18"/>
+    <p:sldId id="299" r:id="rId19"/>
+    <p:sldId id="327" r:id="rId20"/>
+    <p:sldId id="360" r:id="rId21"/>
+    <p:sldId id="333" r:id="rId22"/>
+    <p:sldId id="366" r:id="rId23"/>
+    <p:sldId id="361" r:id="rId24"/>
+    <p:sldId id="301" r:id="rId25"/>
+    <p:sldId id="353" r:id="rId26"/>
+    <p:sldId id="354" r:id="rId27"/>
+    <p:sldId id="342" r:id="rId28"/>
+    <p:sldId id="343" r:id="rId29"/>
+    <p:sldId id="344" r:id="rId30"/>
+    <p:sldId id="345" r:id="rId31"/>
+    <p:sldId id="302" r:id="rId32"/>
+    <p:sldId id="308" r:id="rId33"/>
+    <p:sldId id="322" r:id="rId34"/>
+    <p:sldId id="323" r:id="rId35"/>
+    <p:sldId id="328" r:id="rId36"/>
+    <p:sldId id="304" r:id="rId37"/>
+    <p:sldId id="334" r:id="rId38"/>
+    <p:sldId id="352" r:id="rId39"/>
+    <p:sldId id="307" r:id="rId40"/>
+    <p:sldId id="359" r:id="rId41"/>
+    <p:sldId id="305" r:id="rId42"/>
+    <p:sldId id="330" r:id="rId43"/>
+    <p:sldId id="356" r:id="rId44"/>
+    <p:sldId id="341" r:id="rId45"/>
+    <p:sldId id="349" r:id="rId46"/>
   </p:sldIdLst>
   <p:sldSz cx="9906000" cy="6858000" type="A4"/>
   <p:notesSz cx="6858000" cy="9144000"/>
@@ -151,7 +153,7 @@
   </p:defaultTextStyle>
   <p:extLst>
     <p:ext uri="{EFAFB233-063F-42B5-8137-9DF3F51BA10A}">
-      <p15:sldGuideLst xmlns:p15="http://schemas.microsoft.com/office/powerpoint/2012/main" xmlns="">
+      <p15:sldGuideLst xmlns:p15="http://schemas.microsoft.com/office/powerpoint/2012/main">
         <p15:guide id="1" orient="horz" pos="2160">
           <p15:clr>
             <a:srgbClr val="A4A3A4"/>
@@ -250,7 +252,7 @@
           <a:p>
             <a:fld id="{7665CDAC-D627-4E87-877A-1B781DD4CADC}" type="datetimeFigureOut">
               <a:rPr lang="ko-KR" altLang="en-US" smtClean="0"/>
-              <a:t>2022-06-25</a:t>
+              <a:t>2023-05-16</a:t>
             </a:fld>
             <a:endParaRPr lang="ko-KR" altLang="en-US"/>
           </a:p>
@@ -788,7 +790,7 @@
           <a:p>
             <a:fld id="{F4AC81B4-D91A-4578-85B3-829E63FCFE17}" type="datetime1">
               <a:rPr lang="ko-KR" altLang="en-US" smtClean="0"/>
-              <a:t>2022-06-25</a:t>
+              <a:t>2023-05-16</a:t>
             </a:fld>
             <a:endParaRPr lang="ko-KR" altLang="en-US"/>
           </a:p>
@@ -1163,7 +1165,7 @@
           <a:p>
             <a:fld id="{F5B77542-37E5-48F2-BAE7-80CC6B0EB6A3}" type="datetime1">
               <a:rPr lang="ko-KR" altLang="en-US" smtClean="0"/>
-              <a:t>2022-06-25</a:t>
+              <a:t>2023-05-16</a:t>
             </a:fld>
             <a:endParaRPr lang="ko-KR" altLang="en-US"/>
           </a:p>
@@ -1343,7 +1345,7 @@
           <a:p>
             <a:fld id="{227CF174-B5AC-4A98-B673-0BE8126D3F27}" type="datetime1">
               <a:rPr lang="ko-KR" altLang="en-US" smtClean="0"/>
-              <a:t>2022-06-25</a:t>
+              <a:t>2023-05-16</a:t>
             </a:fld>
             <a:endParaRPr lang="ko-KR" altLang="en-US"/>
           </a:p>
@@ -1517,7 +1519,7 @@
           <a:p>
             <a:fld id="{E20FDEC8-1339-42E8-9704-2977280C2FD3}" type="datetime1">
               <a:rPr lang="ko-KR" altLang="en-US" smtClean="0"/>
-              <a:t>2022-06-25</a:t>
+              <a:t>2023-05-16</a:t>
             </a:fld>
             <a:endParaRPr lang="ko-KR" altLang="en-US"/>
           </a:p>
@@ -1763,7 +1765,7 @@
           <a:p>
             <a:fld id="{4D18DC76-A282-4817-B790-197F054E1215}" type="datetime1">
               <a:rPr lang="ko-KR" altLang="en-US" smtClean="0"/>
-              <a:t>2022-06-25</a:t>
+              <a:t>2023-05-16</a:t>
             </a:fld>
             <a:endParaRPr lang="ko-KR" altLang="en-US"/>
           </a:p>
@@ -2051,7 +2053,7 @@
           <a:p>
             <a:fld id="{6680AA6C-13D8-43E4-90F0-E6C88A2B9F16}" type="datetime1">
               <a:rPr lang="ko-KR" altLang="en-US" smtClean="0"/>
-              <a:t>2022-06-25</a:t>
+              <a:t>2023-05-16</a:t>
             </a:fld>
             <a:endParaRPr lang="ko-KR" altLang="en-US"/>
           </a:p>
@@ -2473,7 +2475,7 @@
           <a:p>
             <a:fld id="{3EF5B03B-20CC-436E-8601-C933C6C1F4A6}" type="datetime1">
               <a:rPr lang="ko-KR" altLang="en-US" smtClean="0"/>
-              <a:t>2022-06-25</a:t>
+              <a:t>2023-05-16</a:t>
             </a:fld>
             <a:endParaRPr lang="ko-KR" altLang="en-US"/>
           </a:p>
@@ -2591,7 +2593,7 @@
           <a:p>
             <a:fld id="{87B5A15D-8B08-482F-AB47-E416EC355EB6}" type="datetime1">
               <a:rPr lang="ko-KR" altLang="en-US" smtClean="0"/>
-              <a:t>2022-06-25</a:t>
+              <a:t>2023-05-16</a:t>
             </a:fld>
             <a:endParaRPr lang="ko-KR" altLang="en-US"/>
           </a:p>
@@ -2686,7 +2688,7 @@
           <a:p>
             <a:fld id="{A877D7F8-7B64-44F8-A411-CBD22F28CBFF}" type="datetime1">
               <a:rPr lang="ko-KR" altLang="en-US" smtClean="0"/>
-              <a:t>2022-06-25</a:t>
+              <a:t>2023-05-16</a:t>
             </a:fld>
             <a:endParaRPr lang="ko-KR" altLang="en-US"/>
           </a:p>
@@ -2963,7 +2965,7 @@
           <a:p>
             <a:fld id="{E12DBD9B-2BB6-4D1F-BCB4-1E48829C93C3}" type="datetime1">
               <a:rPr lang="ko-KR" altLang="en-US" smtClean="0"/>
-              <a:t>2022-06-25</a:t>
+              <a:t>2023-05-16</a:t>
             </a:fld>
             <a:endParaRPr lang="ko-KR" altLang="en-US"/>
           </a:p>
@@ -3216,7 +3218,7 @@
           <a:p>
             <a:fld id="{17564C48-0CD7-40EB-BE64-BBF4DB8C56AF}" type="datetime1">
               <a:rPr lang="ko-KR" altLang="en-US" smtClean="0"/>
-              <a:t>2022-06-25</a:t>
+              <a:t>2023-05-16</a:t>
             </a:fld>
             <a:endParaRPr lang="ko-KR" altLang="en-US"/>
           </a:p>
@@ -3396,7 +3398,7 @@
           <a:p>
             <a:fld id="{C116BCB4-B68B-4638-8167-F4BDC0A30DA1}" type="datetime1">
               <a:rPr lang="ko-KR" altLang="en-US" smtClean="0"/>
-              <a:t>2022-06-25</a:t>
+              <a:t>2023-05-16</a:t>
             </a:fld>
             <a:endParaRPr lang="ko-KR" altLang="en-US"/>
           </a:p>
@@ -4284,7 +4286,7 @@
           <p:cNvPr id="7" name="내용 개체 틀 2">
             <a:extLst>
               <a:ext uri="{FF2B5EF4-FFF2-40B4-BE49-F238E27FC236}">
-                <a16:creationId xmlns:a16="http://schemas.microsoft.com/office/drawing/2014/main" xmlns="" id="{98AF3A4E-7D90-4241-89FE-799D6F9D5A94}"/>
+                <a16:creationId xmlns:a16="http://schemas.microsoft.com/office/drawing/2014/main" id="{98AF3A4E-7D90-4241-89FE-799D6F9D5A94}"/>
               </a:ext>
             </a:extLst>
           </p:cNvPr>
@@ -4762,7 +4764,7 @@
           <p:cNvPr id="7" name="내용 개체 틀 2">
             <a:extLst>
               <a:ext uri="{FF2B5EF4-FFF2-40B4-BE49-F238E27FC236}">
-                <a16:creationId xmlns:a16="http://schemas.microsoft.com/office/drawing/2014/main" xmlns="" id="{98AF3A4E-7D90-4241-89FE-799D6F9D5A94}"/>
+                <a16:creationId xmlns:a16="http://schemas.microsoft.com/office/drawing/2014/main" id="{98AF3A4E-7D90-4241-89FE-799D6F9D5A94}"/>
               </a:ext>
             </a:extLst>
           </p:cNvPr>
@@ -5159,7 +5161,7 @@
           <p:cNvPr id="7" name="내용 개체 틀 2">
             <a:extLst>
               <a:ext uri="{FF2B5EF4-FFF2-40B4-BE49-F238E27FC236}">
-                <a16:creationId xmlns:a16="http://schemas.microsoft.com/office/drawing/2014/main" xmlns="" id="{98AF3A4E-7D90-4241-89FE-799D6F9D5A94}"/>
+                <a16:creationId xmlns:a16="http://schemas.microsoft.com/office/drawing/2014/main" id="{98AF3A4E-7D90-4241-89FE-799D6F9D5A94}"/>
               </a:ext>
             </a:extLst>
           </p:cNvPr>
@@ -6068,7 +6070,7 @@
       </p:sp>
       <p:pic>
         <p:nvPicPr>
-          <p:cNvPr id="4" name="그림 3"/>
+          <p:cNvPr id="7" name="그림 6"/>
           <p:cNvPicPr>
             <a:picLocks noChangeAspect="1"/>
           </p:cNvPicPr>
@@ -6088,45 +6090,8 @@
         </p:blipFill>
         <p:spPr>
           <a:xfrm>
-            <a:off x="776536" y="1819266"/>
-            <a:ext cx="4995426" cy="3816424"/>
-          </a:xfrm>
-          <a:prstGeom prst="rect">
-            <a:avLst/>
-          </a:prstGeom>
-          <a:ln>
-            <a:solidFill>
-              <a:schemeClr val="bg1">
-                <a:lumMod val="85000"/>
-              </a:schemeClr>
-            </a:solidFill>
-          </a:ln>
-        </p:spPr>
-      </p:pic>
-      <p:pic>
-        <p:nvPicPr>
-          <p:cNvPr id="7" name="그림 6"/>
-          <p:cNvPicPr>
-            <a:picLocks noChangeAspect="1"/>
-          </p:cNvPicPr>
-          <p:nvPr/>
-        </p:nvPicPr>
-        <p:blipFill>
-          <a:blip r:embed="rId3">
-            <a:extLst>
-              <a:ext uri="{28A0092B-C50C-407E-A947-70E740481C1C}">
-                <a14:useLocalDpi xmlns:a14="http://schemas.microsoft.com/office/drawing/2010/main" val="0"/>
-              </a:ext>
-            </a:extLst>
-          </a:blip>
-          <a:stretch>
-            <a:fillRect/>
-          </a:stretch>
-        </p:blipFill>
-        <p:spPr>
-          <a:xfrm>
-            <a:off x="5169024" y="1268760"/>
-            <a:ext cx="4320480" cy="3984966"/>
+            <a:off x="1856656" y="1196752"/>
+            <a:ext cx="5074596" cy="4680520"/>
           </a:xfrm>
           <a:prstGeom prst="rect">
             <a:avLst/>
@@ -6197,20 +6162,12 @@
               <a:t> </a:t>
             </a:r>
             <a:r>
-              <a:rPr lang="ko-KR" altLang="en-US" dirty="0" err="1" smtClean="0"/>
-              <a:t>반복문</a:t>
-            </a:r>
-            <a:r>
-              <a:rPr lang="en-US" altLang="ko-KR" dirty="0" smtClean="0"/>
-              <a:t>(while</a:t>
+              <a:rPr lang="en-US" altLang="ko-KR" dirty="0"/>
+              <a:t> </a:t>
             </a:r>
             <a:r>
               <a:rPr lang="ko-KR" altLang="en-US" dirty="0" smtClean="0"/>
-              <a:t>문</a:t>
-            </a:r>
-            <a:r>
-              <a:rPr lang="en-US" altLang="ko-KR" dirty="0" smtClean="0"/>
-              <a:t>)</a:t>
+              <a:t>실습 예제</a:t>
             </a:r>
             <a:endParaRPr lang="ko-KR" altLang="en-US" dirty="0"/>
           </a:p>
@@ -6239,12 +6196,148 @@
           </a:p>
         </p:txBody>
       </p:sp>
+      <p:pic>
+        <p:nvPicPr>
+          <p:cNvPr id="4" name="그림 3"/>
+          <p:cNvPicPr>
+            <a:picLocks noChangeAspect="1"/>
+          </p:cNvPicPr>
+          <p:nvPr/>
+        </p:nvPicPr>
+        <p:blipFill>
+          <a:blip r:embed="rId2">
+            <a:extLst>
+              <a:ext uri="{28A0092B-C50C-407E-A947-70E740481C1C}">
+                <a14:useLocalDpi xmlns:a14="http://schemas.microsoft.com/office/drawing/2010/main" val="0"/>
+              </a:ext>
+            </a:extLst>
+          </a:blip>
+          <a:stretch>
+            <a:fillRect/>
+          </a:stretch>
+        </p:blipFill>
+        <p:spPr>
+          <a:xfrm>
+            <a:off x="1784648" y="1268760"/>
+            <a:ext cx="5843706" cy="4464496"/>
+          </a:xfrm>
+          <a:prstGeom prst="rect">
+            <a:avLst/>
+          </a:prstGeom>
+          <a:ln>
+            <a:solidFill>
+              <a:schemeClr val="bg1">
+                <a:lumMod val="85000"/>
+              </a:schemeClr>
+            </a:solidFill>
+          </a:ln>
+        </p:spPr>
+      </p:pic>
+    </p:spTree>
+    <p:extLst>
+      <p:ext uri="{BB962C8B-B14F-4D97-AF65-F5344CB8AC3E}">
+        <p14:creationId xmlns:p14="http://schemas.microsoft.com/office/powerpoint/2010/main" val="1358924965"/>
+      </p:ext>
+    </p:extLst>
+  </p:cSld>
+  <p:clrMapOvr>
+    <a:masterClrMapping/>
+  </p:clrMapOvr>
+  <p:timing>
+    <p:tnLst>
+      <p:par>
+        <p:cTn id="1" dur="indefinite" restart="never" nodeType="tmRoot"/>
+      </p:par>
+    </p:tnLst>
+  </p:timing>
+</p:sld>
+</file>
+
+<file path=ppt/slides/slide17.xml><?xml version="1.0" encoding="utf-8"?>
+<p:sld xmlns:a="http://schemas.openxmlformats.org/drawingml/2006/main" xmlns:r="http://schemas.openxmlformats.org/officeDocument/2006/relationships" xmlns:p="http://schemas.openxmlformats.org/presentationml/2006/main">
+  <p:cSld>
+    <p:spTree>
+      <p:nvGrpSpPr>
+        <p:cNvPr id="1" name=""/>
+        <p:cNvGrpSpPr/>
+        <p:nvPr/>
+      </p:nvGrpSpPr>
+      <p:grpSpPr>
+        <a:xfrm>
+          <a:off x="0" y="0"/>
+          <a:ext cx="0" cy="0"/>
+          <a:chOff x="0" y="0"/>
+          <a:chExt cx="0" cy="0"/>
+        </a:xfrm>
+      </p:grpSpPr>
+      <p:sp>
+        <p:nvSpPr>
+          <p:cNvPr id="6" name="제목 5"/>
+          <p:cNvSpPr>
+            <a:spLocks noGrp="1"/>
+          </p:cNvSpPr>
+          <p:nvPr>
+            <p:ph type="title"/>
+          </p:nvPr>
+        </p:nvSpPr>
+        <p:spPr/>
+        <p:txBody>
+          <a:bodyPr/>
+          <a:lstStyle/>
+          <a:p>
+            <a:r>
+              <a:rPr lang="en-US" altLang="ko-KR" dirty="0" smtClean="0"/>
+              <a:t> </a:t>
+            </a:r>
+            <a:r>
+              <a:rPr lang="ko-KR" altLang="en-US" dirty="0" err="1" smtClean="0"/>
+              <a:t>반복문</a:t>
+            </a:r>
+            <a:r>
+              <a:rPr lang="en-US" altLang="ko-KR" dirty="0" smtClean="0"/>
+              <a:t>(while</a:t>
+            </a:r>
+            <a:r>
+              <a:rPr lang="ko-KR" altLang="en-US" dirty="0" smtClean="0"/>
+              <a:t>문</a:t>
+            </a:r>
+            <a:r>
+              <a:rPr lang="en-US" altLang="ko-KR" dirty="0" smtClean="0"/>
+              <a:t>)</a:t>
+            </a:r>
+            <a:endParaRPr lang="ko-KR" altLang="en-US" dirty="0"/>
+          </a:p>
+        </p:txBody>
+      </p:sp>
+      <p:sp>
+        <p:nvSpPr>
+          <p:cNvPr id="5" name="슬라이드 번호 개체 틀 4"/>
+          <p:cNvSpPr>
+            <a:spLocks noGrp="1"/>
+          </p:cNvSpPr>
+          <p:nvPr>
+            <p:ph type="sldNum" sz="quarter" idx="12"/>
+          </p:nvPr>
+        </p:nvSpPr>
+        <p:spPr/>
+        <p:txBody>
+          <a:bodyPr/>
+          <a:lstStyle/>
+          <a:p>
+            <a:fld id="{1BDE3FE7-3AEA-4B05-AC5A-802D1816ACF0}" type="slidenum">
+              <a:rPr lang="ko-KR" altLang="en-US" smtClean="0"/>
+              <a:t>17</a:t>
+            </a:fld>
+            <a:endParaRPr lang="ko-KR" altLang="en-US"/>
+          </a:p>
+        </p:txBody>
+      </p:sp>
       <p:sp>
         <p:nvSpPr>
           <p:cNvPr id="7" name="내용 개체 틀 2">
             <a:extLst>
               <a:ext uri="{FF2B5EF4-FFF2-40B4-BE49-F238E27FC236}">
-                <a16:creationId xmlns:a16="http://schemas.microsoft.com/office/drawing/2014/main" xmlns="" id="{98AF3A4E-7D90-4241-89FE-799D6F9D5A94}"/>
+                <a16:creationId xmlns:a16="http://schemas.microsoft.com/office/drawing/2014/main" id="{98AF3A4E-7D90-4241-89FE-799D6F9D5A94}"/>
               </a:ext>
             </a:extLst>
           </p:cNvPr>
@@ -7367,7 +7460,7 @@
 </p:sld>
 </file>
 
-<file path=ppt/slides/slide17.xml><?xml version="1.0" encoding="utf-8"?>
+<file path=ppt/slides/slide18.xml><?xml version="1.0" encoding="utf-8"?>
 <p:sld xmlns:a="http://schemas.openxmlformats.org/drawingml/2006/main" xmlns:r="http://schemas.openxmlformats.org/officeDocument/2006/relationships" xmlns:p="http://schemas.openxmlformats.org/presentationml/2006/main">
   <p:cSld>
     <p:spTree>
@@ -7440,7 +7533,7 @@
           <a:p>
             <a:fld id="{1BDE3FE7-3AEA-4B05-AC5A-802D1816ACF0}" type="slidenum">
               <a:rPr lang="ko-KR" altLang="en-US" smtClean="0"/>
-              <a:t>17</a:t>
+              <a:t>18</a:t>
             </a:fld>
             <a:endParaRPr lang="ko-KR" altLang="en-US"/>
           </a:p>
@@ -7451,7 +7544,7 @@
           <p:cNvPr id="7" name="내용 개체 틀 2">
             <a:extLst>
               <a:ext uri="{FF2B5EF4-FFF2-40B4-BE49-F238E27FC236}">
-                <a16:creationId xmlns:a16="http://schemas.microsoft.com/office/drawing/2014/main" xmlns="" id="{98AF3A4E-7D90-4241-89FE-799D6F9D5A94}"/>
+                <a16:creationId xmlns:a16="http://schemas.microsoft.com/office/drawing/2014/main" id="{98AF3A4E-7D90-4241-89FE-799D6F9D5A94}"/>
               </a:ext>
             </a:extLst>
           </p:cNvPr>
@@ -7977,7 +8070,7 @@
 </p:sld>
 </file>
 
-<file path=ppt/slides/slide18.xml><?xml version="1.0" encoding="utf-8"?>
+<file path=ppt/slides/slide19.xml><?xml version="1.0" encoding="utf-8"?>
 <p:sld xmlns:a="http://schemas.openxmlformats.org/drawingml/2006/main" xmlns:r="http://schemas.openxmlformats.org/officeDocument/2006/relationships" xmlns:p="http://schemas.openxmlformats.org/presentationml/2006/main">
   <p:cSld>
     <p:spTree>
@@ -8050,7 +8143,7 @@
           <a:p>
             <a:fld id="{1BDE3FE7-3AEA-4B05-AC5A-802D1816ACF0}" type="slidenum">
               <a:rPr lang="ko-KR" altLang="en-US" smtClean="0"/>
-              <a:t>18</a:t>
+              <a:t>19</a:t>
             </a:fld>
             <a:endParaRPr lang="ko-KR" altLang="en-US"/>
           </a:p>
@@ -8542,7 +8635,7 @@
           <p:cNvPr id="15" name="내용 개체 틀 2">
             <a:extLst>
               <a:ext uri="{FF2B5EF4-FFF2-40B4-BE49-F238E27FC236}">
-                <a16:creationId xmlns:a16="http://schemas.microsoft.com/office/drawing/2014/main" xmlns="" id="{98AF3A4E-7D90-4241-89FE-799D6F9D5A94}"/>
+                <a16:creationId xmlns:a16="http://schemas.microsoft.com/office/drawing/2014/main" id="{98AF3A4E-7D90-4241-89FE-799D6F9D5A94}"/>
               </a:ext>
             </a:extLst>
           </p:cNvPr>
@@ -8796,142 +8889,6 @@
     <p:extLst>
       <p:ext uri="{BB962C8B-B14F-4D97-AF65-F5344CB8AC3E}">
         <p14:creationId xmlns:p14="http://schemas.microsoft.com/office/powerpoint/2010/main" val="2520872235"/>
-      </p:ext>
-    </p:extLst>
-  </p:cSld>
-  <p:clrMapOvr>
-    <a:masterClrMapping/>
-  </p:clrMapOvr>
-  <p:timing>
-    <p:tnLst>
-      <p:par>
-        <p:cTn id="1" dur="indefinite" restart="never" nodeType="tmRoot"/>
-      </p:par>
-    </p:tnLst>
-  </p:timing>
-</p:sld>
-</file>
-
-<file path=ppt/slides/slide19.xml><?xml version="1.0" encoding="utf-8"?>
-<p:sld xmlns:a="http://schemas.openxmlformats.org/drawingml/2006/main" xmlns:r="http://schemas.openxmlformats.org/officeDocument/2006/relationships" xmlns:p="http://schemas.openxmlformats.org/presentationml/2006/main">
-  <p:cSld>
-    <p:spTree>
-      <p:nvGrpSpPr>
-        <p:cNvPr id="1" name=""/>
-        <p:cNvGrpSpPr/>
-        <p:nvPr/>
-      </p:nvGrpSpPr>
-      <p:grpSpPr>
-        <a:xfrm>
-          <a:off x="0" y="0"/>
-          <a:ext cx="0" cy="0"/>
-          <a:chOff x="0" y="0"/>
-          <a:chExt cx="0" cy="0"/>
-        </a:xfrm>
-      </p:grpSpPr>
-      <p:sp>
-        <p:nvSpPr>
-          <p:cNvPr id="6" name="제목 5"/>
-          <p:cNvSpPr>
-            <a:spLocks noGrp="1"/>
-          </p:cNvSpPr>
-          <p:nvPr>
-            <p:ph type="title"/>
-          </p:nvPr>
-        </p:nvSpPr>
-        <p:spPr/>
-        <p:txBody>
-          <a:bodyPr/>
-          <a:lstStyle/>
-          <a:p>
-            <a:r>
-              <a:rPr lang="en-US" altLang="ko-KR" dirty="0" smtClean="0"/>
-              <a:t> </a:t>
-            </a:r>
-            <a:r>
-              <a:rPr lang="ko-KR" altLang="en-US" dirty="0" err="1" smtClean="0"/>
-              <a:t>반복문</a:t>
-            </a:r>
-            <a:r>
-              <a:rPr lang="en-US" altLang="ko-KR" dirty="0" smtClean="0"/>
-              <a:t>(while</a:t>
-            </a:r>
-            <a:r>
-              <a:rPr lang="ko-KR" altLang="en-US" dirty="0" smtClean="0"/>
-              <a:t>문</a:t>
-            </a:r>
-            <a:r>
-              <a:rPr lang="en-US" altLang="ko-KR" dirty="0" smtClean="0"/>
-              <a:t>)</a:t>
-            </a:r>
-            <a:endParaRPr lang="ko-KR" altLang="en-US" dirty="0"/>
-          </a:p>
-        </p:txBody>
-      </p:sp>
-      <p:sp>
-        <p:nvSpPr>
-          <p:cNvPr id="5" name="슬라이드 번호 개체 틀 4"/>
-          <p:cNvSpPr>
-            <a:spLocks noGrp="1"/>
-          </p:cNvSpPr>
-          <p:nvPr>
-            <p:ph type="sldNum" sz="quarter" idx="12"/>
-          </p:nvPr>
-        </p:nvSpPr>
-        <p:spPr/>
-        <p:txBody>
-          <a:bodyPr/>
-          <a:lstStyle/>
-          <a:p>
-            <a:fld id="{1BDE3FE7-3AEA-4B05-AC5A-802D1816ACF0}" type="slidenum">
-              <a:rPr lang="ko-KR" altLang="en-US" smtClean="0"/>
-              <a:t>19</a:t>
-            </a:fld>
-            <a:endParaRPr lang="ko-KR" altLang="en-US"/>
-          </a:p>
-        </p:txBody>
-      </p:sp>
-      <p:pic>
-        <p:nvPicPr>
-          <p:cNvPr id="3" name="그림 2"/>
-          <p:cNvPicPr>
-            <a:picLocks noChangeAspect="1"/>
-          </p:cNvPicPr>
-          <p:nvPr/>
-        </p:nvPicPr>
-        <p:blipFill>
-          <a:blip r:embed="rId2">
-            <a:extLst>
-              <a:ext uri="{28A0092B-C50C-407E-A947-70E740481C1C}">
-                <a14:useLocalDpi xmlns:a14="http://schemas.microsoft.com/office/drawing/2010/main" val="0"/>
-              </a:ext>
-            </a:extLst>
-          </a:blip>
-          <a:stretch>
-            <a:fillRect/>
-          </a:stretch>
-        </p:blipFill>
-        <p:spPr>
-          <a:xfrm>
-            <a:off x="1640632" y="1196752"/>
-            <a:ext cx="6492803" cy="4816258"/>
-          </a:xfrm>
-          <a:prstGeom prst="rect">
-            <a:avLst/>
-          </a:prstGeom>
-          <a:ln>
-            <a:solidFill>
-              <a:schemeClr val="bg1">
-                <a:lumMod val="85000"/>
-              </a:schemeClr>
-            </a:solidFill>
-          </a:ln>
-        </p:spPr>
-      </p:pic>
-    </p:spTree>
-    <p:extLst>
-      <p:ext uri="{BB962C8B-B14F-4D97-AF65-F5344CB8AC3E}">
-        <p14:creationId xmlns:p14="http://schemas.microsoft.com/office/powerpoint/2010/main" val="925592402"/>
       </p:ext>
     </p:extLst>
   </p:cSld>
@@ -9032,7 +8989,7 @@
           <p:cNvPr id="7" name="내용 개체 틀 2">
             <a:extLst>
               <a:ext uri="{FF2B5EF4-FFF2-40B4-BE49-F238E27FC236}">
-                <a16:creationId xmlns:a16="http://schemas.microsoft.com/office/drawing/2014/main" xmlns="" id="{98AF3A4E-7D90-4241-89FE-799D6F9D5A94}"/>
+                <a16:creationId xmlns:a16="http://schemas.microsoft.com/office/drawing/2014/main" id="{98AF3A4E-7D90-4241-89FE-799D6F9D5A94}"/>
               </a:ext>
             </a:extLst>
           </p:cNvPr>
@@ -10112,19 +10069,23 @@
           <a:p>
             <a:r>
               <a:rPr lang="en-US" altLang="ko-KR" dirty="0" smtClean="0"/>
-              <a:t>  </a:t>
-            </a:r>
-            <a:r>
-              <a:rPr lang="ko-KR" altLang="en-US" dirty="0" smtClean="0"/>
-              <a:t>무한반복 </a:t>
+              <a:t> </a:t>
+            </a:r>
+            <a:r>
+              <a:rPr lang="ko-KR" altLang="en-US" dirty="0" err="1" smtClean="0"/>
+              <a:t>반복문</a:t>
             </a:r>
             <a:r>
               <a:rPr lang="en-US" altLang="ko-KR" dirty="0" smtClean="0"/>
-              <a:t>- break </a:t>
+              <a:t>(while</a:t>
             </a:r>
             <a:r>
               <a:rPr lang="ko-KR" altLang="en-US" dirty="0" smtClean="0"/>
               <a:t>문</a:t>
+            </a:r>
+            <a:r>
+              <a:rPr lang="en-US" altLang="ko-KR" dirty="0" smtClean="0"/>
+              <a:t>)</a:t>
             </a:r>
             <a:endParaRPr lang="ko-KR" altLang="en-US" dirty="0"/>
           </a:p>
@@ -10150,503 +10111,6 @@
               <a:t>20</a:t>
             </a:fld>
             <a:endParaRPr lang="ko-KR" altLang="en-US"/>
-          </a:p>
-        </p:txBody>
-      </p:sp>
-      <p:sp>
-        <p:nvSpPr>
-          <p:cNvPr id="7" name="내용 개체 틀 2">
-            <a:extLst>
-              <a:ext uri="{FF2B5EF4-FFF2-40B4-BE49-F238E27FC236}">
-                <a16:creationId xmlns:a16="http://schemas.microsoft.com/office/drawing/2014/main" xmlns="" id="{98AF3A4E-7D90-4241-89FE-799D6F9D5A94}"/>
-              </a:ext>
-            </a:extLst>
-          </p:cNvPr>
-          <p:cNvSpPr txBox="1">
-            <a:spLocks/>
-          </p:cNvSpPr>
-          <p:nvPr/>
-        </p:nvSpPr>
-        <p:spPr>
-          <a:xfrm>
-            <a:off x="704528" y="1196752"/>
-            <a:ext cx="4176464" cy="1728192"/>
-          </a:xfrm>
-          <a:prstGeom prst="rect">
-            <a:avLst/>
-          </a:prstGeom>
-        </p:spPr>
-        <p:txBody>
-          <a:bodyPr/>
-          <a:lstStyle>
-            <a:lvl1pPr marL="228600" indent="-228600" algn="l" defTabSz="914400" rtl="0" eaLnBrk="1" latinLnBrk="1" hangingPunct="1">
-              <a:lnSpc>
-                <a:spcPct val="90000"/>
-              </a:lnSpc>
-              <a:spcBef>
-                <a:spcPts val="1000"/>
-              </a:spcBef>
-              <a:buFont typeface="Arial" panose="020B0604020202020204" pitchFamily="34" charset="0"/>
-              <a:buChar char="•"/>
-              <a:defRPr sz="2800" kern="1200">
-                <a:solidFill>
-                  <a:schemeClr val="tx1"/>
-                </a:solidFill>
-                <a:latin typeface="+mn-lt"/>
-                <a:ea typeface="+mn-ea"/>
-                <a:cs typeface="+mn-cs"/>
-              </a:defRPr>
-            </a:lvl1pPr>
-            <a:lvl2pPr marL="685800" indent="-228600" algn="l" defTabSz="914400" rtl="0" eaLnBrk="1" latinLnBrk="1" hangingPunct="1">
-              <a:lnSpc>
-                <a:spcPct val="90000"/>
-              </a:lnSpc>
-              <a:spcBef>
-                <a:spcPts val="500"/>
-              </a:spcBef>
-              <a:buFont typeface="Arial" panose="020B0604020202020204" pitchFamily="34" charset="0"/>
-              <a:buChar char="•"/>
-              <a:defRPr sz="2400" kern="1200">
-                <a:solidFill>
-                  <a:schemeClr val="tx1"/>
-                </a:solidFill>
-                <a:latin typeface="+mn-lt"/>
-                <a:ea typeface="+mn-ea"/>
-                <a:cs typeface="+mn-cs"/>
-              </a:defRPr>
-            </a:lvl2pPr>
-            <a:lvl3pPr marL="1143000" indent="-228600" algn="l" defTabSz="914400" rtl="0" eaLnBrk="1" latinLnBrk="1" hangingPunct="1">
-              <a:lnSpc>
-                <a:spcPct val="90000"/>
-              </a:lnSpc>
-              <a:spcBef>
-                <a:spcPts val="500"/>
-              </a:spcBef>
-              <a:buFont typeface="Arial" panose="020B0604020202020204" pitchFamily="34" charset="0"/>
-              <a:buChar char="•"/>
-              <a:defRPr sz="2000" kern="1200">
-                <a:solidFill>
-                  <a:schemeClr val="tx1"/>
-                </a:solidFill>
-                <a:latin typeface="+mn-lt"/>
-                <a:ea typeface="+mn-ea"/>
-                <a:cs typeface="+mn-cs"/>
-              </a:defRPr>
-            </a:lvl3pPr>
-            <a:lvl4pPr marL="1600200" indent="-228600" algn="l" defTabSz="914400" rtl="0" eaLnBrk="1" latinLnBrk="1" hangingPunct="1">
-              <a:lnSpc>
-                <a:spcPct val="90000"/>
-              </a:lnSpc>
-              <a:spcBef>
-                <a:spcPts val="500"/>
-              </a:spcBef>
-              <a:buFont typeface="Arial" panose="020B0604020202020204" pitchFamily="34" charset="0"/>
-              <a:buChar char="•"/>
-              <a:defRPr sz="1800" kern="1200">
-                <a:solidFill>
-                  <a:schemeClr val="tx1"/>
-                </a:solidFill>
-                <a:latin typeface="+mn-lt"/>
-                <a:ea typeface="+mn-ea"/>
-                <a:cs typeface="+mn-cs"/>
-              </a:defRPr>
-            </a:lvl4pPr>
-            <a:lvl5pPr marL="2057400" indent="-228600" algn="l" defTabSz="914400" rtl="0" eaLnBrk="1" latinLnBrk="1" hangingPunct="1">
-              <a:lnSpc>
-                <a:spcPct val="90000"/>
-              </a:lnSpc>
-              <a:spcBef>
-                <a:spcPts val="500"/>
-              </a:spcBef>
-              <a:buFont typeface="Arial" panose="020B0604020202020204" pitchFamily="34" charset="0"/>
-              <a:buChar char="•"/>
-              <a:defRPr sz="1800" kern="1200">
-                <a:solidFill>
-                  <a:schemeClr val="tx1"/>
-                </a:solidFill>
-                <a:latin typeface="+mn-lt"/>
-                <a:ea typeface="+mn-ea"/>
-                <a:cs typeface="+mn-cs"/>
-              </a:defRPr>
-            </a:lvl5pPr>
-            <a:lvl6pPr marL="2514600" indent="-228600" algn="l" defTabSz="914400" rtl="0" eaLnBrk="1" latinLnBrk="1" hangingPunct="1">
-              <a:lnSpc>
-                <a:spcPct val="90000"/>
-              </a:lnSpc>
-              <a:spcBef>
-                <a:spcPts val="500"/>
-              </a:spcBef>
-              <a:buFont typeface="Arial" panose="020B0604020202020204" pitchFamily="34" charset="0"/>
-              <a:buChar char="•"/>
-              <a:defRPr sz="1800" kern="1200">
-                <a:solidFill>
-                  <a:schemeClr val="tx1"/>
-                </a:solidFill>
-                <a:latin typeface="+mn-lt"/>
-                <a:ea typeface="+mn-ea"/>
-                <a:cs typeface="+mn-cs"/>
-              </a:defRPr>
-            </a:lvl6pPr>
-            <a:lvl7pPr marL="2971800" indent="-228600" algn="l" defTabSz="914400" rtl="0" eaLnBrk="1" latinLnBrk="1" hangingPunct="1">
-              <a:lnSpc>
-                <a:spcPct val="90000"/>
-              </a:lnSpc>
-              <a:spcBef>
-                <a:spcPts val="500"/>
-              </a:spcBef>
-              <a:buFont typeface="Arial" panose="020B0604020202020204" pitchFamily="34" charset="0"/>
-              <a:buChar char="•"/>
-              <a:defRPr sz="1800" kern="1200">
-                <a:solidFill>
-                  <a:schemeClr val="tx1"/>
-                </a:solidFill>
-                <a:latin typeface="+mn-lt"/>
-                <a:ea typeface="+mn-ea"/>
-                <a:cs typeface="+mn-cs"/>
-              </a:defRPr>
-            </a:lvl7pPr>
-            <a:lvl8pPr marL="3429000" indent="-228600" algn="l" defTabSz="914400" rtl="0" eaLnBrk="1" latinLnBrk="1" hangingPunct="1">
-              <a:lnSpc>
-                <a:spcPct val="90000"/>
-              </a:lnSpc>
-              <a:spcBef>
-                <a:spcPts val="500"/>
-              </a:spcBef>
-              <a:buFont typeface="Arial" panose="020B0604020202020204" pitchFamily="34" charset="0"/>
-              <a:buChar char="•"/>
-              <a:defRPr sz="1800" kern="1200">
-                <a:solidFill>
-                  <a:schemeClr val="tx1"/>
-                </a:solidFill>
-                <a:latin typeface="+mn-lt"/>
-                <a:ea typeface="+mn-ea"/>
-                <a:cs typeface="+mn-cs"/>
-              </a:defRPr>
-            </a:lvl8pPr>
-            <a:lvl9pPr marL="3886200" indent="-228600" algn="l" defTabSz="914400" rtl="0" eaLnBrk="1" latinLnBrk="1" hangingPunct="1">
-              <a:lnSpc>
-                <a:spcPct val="90000"/>
-              </a:lnSpc>
-              <a:spcBef>
-                <a:spcPts val="500"/>
-              </a:spcBef>
-              <a:buFont typeface="Arial" panose="020B0604020202020204" pitchFamily="34" charset="0"/>
-              <a:buChar char="•"/>
-              <a:defRPr sz="1800" kern="1200">
-                <a:solidFill>
-                  <a:schemeClr val="tx1"/>
-                </a:solidFill>
-                <a:latin typeface="+mn-lt"/>
-                <a:ea typeface="+mn-ea"/>
-                <a:cs typeface="+mn-cs"/>
-              </a:defRPr>
-            </a:lvl9pPr>
-          </a:lstStyle>
-          <a:p>
-            <a:pPr>
-              <a:buFont typeface="Wingdings" panose="05000000000000000000" pitchFamily="2" charset="2"/>
-              <a:buChar char="§"/>
-            </a:pPr>
-            <a:r>
-              <a:rPr lang="ko-KR" altLang="en-US" sz="2000" b="1" dirty="0" smtClean="0">
-                <a:solidFill>
-                  <a:srgbClr val="C00000"/>
-                </a:solidFill>
-              </a:rPr>
-              <a:t>무한 </a:t>
-            </a:r>
-            <a:r>
-              <a:rPr lang="ko-KR" altLang="en-US" sz="2000" b="1" dirty="0" err="1" smtClean="0">
-                <a:solidFill>
-                  <a:srgbClr val="C00000"/>
-                </a:solidFill>
-              </a:rPr>
-              <a:t>반복문</a:t>
-            </a:r>
-            <a:r>
-              <a:rPr lang="en-US" altLang="ko-KR" sz="2000" b="1" dirty="0">
-                <a:solidFill>
-                  <a:srgbClr val="C00000"/>
-                </a:solidFill>
-              </a:rPr>
-              <a:t> </a:t>
-            </a:r>
-            <a:r>
-              <a:rPr lang="en-US" altLang="ko-KR" sz="2000" b="1" dirty="0" smtClean="0">
-                <a:solidFill>
-                  <a:srgbClr val="C00000"/>
-                </a:solidFill>
-              </a:rPr>
-              <a:t>-</a:t>
-            </a:r>
-            <a:r>
-              <a:rPr lang="en-US" altLang="ko-KR" sz="2000" b="1" dirty="0">
-                <a:solidFill>
-                  <a:srgbClr val="C00000"/>
-                </a:solidFill>
-              </a:rPr>
-              <a:t> break </a:t>
-            </a:r>
-            <a:r>
-              <a:rPr lang="ko-KR" altLang="en-US" sz="2000" b="1" dirty="0" smtClean="0">
-                <a:solidFill>
-                  <a:srgbClr val="C00000"/>
-                </a:solidFill>
-              </a:rPr>
-              <a:t>문</a:t>
-            </a:r>
-            <a:endParaRPr lang="en-US" altLang="ko-KR" sz="2000" b="1" dirty="0">
-              <a:solidFill>
-                <a:srgbClr val="C00000"/>
-              </a:solidFill>
-            </a:endParaRPr>
-          </a:p>
-          <a:p>
-            <a:pPr marL="0" indent="0">
-              <a:buNone/>
-            </a:pPr>
-            <a:r>
-              <a:rPr lang="en-US" altLang="ko-KR" sz="2200" b="1" dirty="0" smtClean="0">
-                <a:solidFill>
-                  <a:srgbClr val="C00000"/>
-                </a:solidFill>
-              </a:rPr>
-              <a:t>   </a:t>
-            </a:r>
-            <a:r>
-              <a:rPr lang="ko-KR" altLang="en-US" sz="1800" dirty="0" err="1" smtClean="0"/>
-              <a:t>반복문에서</a:t>
-            </a:r>
-            <a:r>
-              <a:rPr lang="ko-KR" altLang="en-US" sz="1800" dirty="0" smtClean="0"/>
-              <a:t> </a:t>
-            </a:r>
-            <a:r>
-              <a:rPr lang="en-US" altLang="ko-KR" sz="1800" dirty="0" smtClean="0"/>
-              <a:t>break </a:t>
-            </a:r>
-            <a:r>
-              <a:rPr lang="ko-KR" altLang="en-US" sz="1800" dirty="0" smtClean="0"/>
-              <a:t>문을 만나면 더 </a:t>
-            </a:r>
-            <a:endParaRPr lang="en-US" altLang="ko-KR" sz="1800" dirty="0" smtClean="0"/>
-          </a:p>
-          <a:p>
-            <a:pPr marL="0" indent="0">
-              <a:buNone/>
-            </a:pPr>
-            <a:r>
-              <a:rPr lang="en-US" altLang="ko-KR" sz="1800" dirty="0"/>
-              <a:t> </a:t>
-            </a:r>
-            <a:r>
-              <a:rPr lang="en-US" altLang="ko-KR" sz="1800" dirty="0" smtClean="0"/>
-              <a:t>  </a:t>
-            </a:r>
-            <a:r>
-              <a:rPr lang="ko-KR" altLang="en-US" sz="1800" dirty="0" smtClean="0"/>
-              <a:t>이상 반복을 수행하지 않고 </a:t>
-            </a:r>
-            <a:r>
-              <a:rPr lang="ko-KR" altLang="en-US" sz="1800" dirty="0" err="1" smtClean="0"/>
-              <a:t>반복문</a:t>
-            </a:r>
-            <a:endParaRPr lang="en-US" altLang="ko-KR" sz="1800" dirty="0" smtClean="0"/>
-          </a:p>
-          <a:p>
-            <a:pPr marL="0" indent="0">
-              <a:buNone/>
-            </a:pPr>
-            <a:r>
-              <a:rPr lang="en-US" altLang="ko-KR" sz="1800" dirty="0"/>
-              <a:t> </a:t>
-            </a:r>
-            <a:r>
-              <a:rPr lang="en-US" altLang="ko-KR" sz="1800" dirty="0" smtClean="0"/>
-              <a:t> </a:t>
-            </a:r>
-            <a:r>
-              <a:rPr lang="ko-KR" altLang="en-US" sz="1800" dirty="0" smtClean="0"/>
-              <a:t> 빠져 나옴 </a:t>
-            </a:r>
-            <a:endParaRPr lang="en-US" altLang="ko-KR" sz="1800" dirty="0" smtClean="0"/>
-          </a:p>
-        </p:txBody>
-      </p:sp>
-      <p:sp>
-        <p:nvSpPr>
-          <p:cNvPr id="15" name="모서리가 둥근 직사각형 14"/>
-          <p:cNvSpPr/>
-          <p:nvPr/>
-        </p:nvSpPr>
-        <p:spPr>
-          <a:xfrm>
-            <a:off x="1424608" y="2924944"/>
-            <a:ext cx="2880320" cy="2736304"/>
-          </a:xfrm>
-          <a:prstGeom prst="roundRect">
-            <a:avLst>
-              <a:gd name="adj" fmla="val 11893"/>
-            </a:avLst>
-          </a:prstGeom>
-          <a:noFill/>
-          <a:ln>
-            <a:solidFill>
-              <a:schemeClr val="tx1"/>
-            </a:solidFill>
-          </a:ln>
-          <a:effectLst/>
-        </p:spPr>
-        <p:style>
-          <a:lnRef idx="1">
-            <a:schemeClr val="accent3"/>
-          </a:lnRef>
-          <a:fillRef idx="2">
-            <a:schemeClr val="accent3"/>
-          </a:fillRef>
-          <a:effectRef idx="1">
-            <a:schemeClr val="accent3"/>
-          </a:effectRef>
-          <a:fontRef idx="minor">
-            <a:schemeClr val="dk1"/>
-          </a:fontRef>
-        </p:style>
-        <p:txBody>
-          <a:bodyPr rtlCol="0" anchor="ctr"/>
-          <a:lstStyle/>
-          <a:p>
-            <a:pPr>
-              <a:lnSpc>
-                <a:spcPct val="150000"/>
-              </a:lnSpc>
-            </a:pPr>
-            <a:r>
-              <a:rPr lang="en-US" altLang="ko-KR" dirty="0" smtClean="0">
-                <a:latin typeface="+mn-ea"/>
-              </a:rPr>
-              <a:t> while(</a:t>
-            </a:r>
-            <a:r>
-              <a:rPr lang="en-US" altLang="ko-KR" b="1" dirty="0" smtClean="0">
-                <a:solidFill>
-                  <a:srgbClr val="C00000"/>
-                </a:solidFill>
-                <a:latin typeface="+mn-ea"/>
-              </a:rPr>
-              <a:t>true</a:t>
-            </a:r>
-            <a:r>
-              <a:rPr lang="en-US" altLang="ko-KR" dirty="0" smtClean="0">
-                <a:latin typeface="+mn-ea"/>
-              </a:rPr>
-              <a:t>){</a:t>
-            </a:r>
-          </a:p>
-          <a:p>
-            <a:pPr>
-              <a:lnSpc>
-                <a:spcPct val="150000"/>
-              </a:lnSpc>
-            </a:pPr>
-            <a:r>
-              <a:rPr lang="en-US" altLang="ko-KR" dirty="0" smtClean="0">
-                <a:latin typeface="+mn-ea"/>
-              </a:rPr>
-              <a:t>     if(</a:t>
-            </a:r>
-            <a:r>
-              <a:rPr lang="ko-KR" altLang="en-US" dirty="0" err="1" smtClean="0">
-                <a:latin typeface="+mn-ea"/>
-              </a:rPr>
-              <a:t>조건식</a:t>
-            </a:r>
-            <a:r>
-              <a:rPr lang="en-US" altLang="ko-KR" dirty="0" smtClean="0">
-                <a:latin typeface="+mn-ea"/>
-              </a:rPr>
-              <a:t>){</a:t>
-            </a:r>
-          </a:p>
-          <a:p>
-            <a:pPr>
-              <a:lnSpc>
-                <a:spcPct val="150000"/>
-              </a:lnSpc>
-            </a:pPr>
-            <a:r>
-              <a:rPr lang="en-US" altLang="ko-KR" dirty="0" smtClean="0">
-                <a:latin typeface="+mn-ea"/>
-              </a:rPr>
-              <a:t>          </a:t>
-            </a:r>
-            <a:r>
-              <a:rPr lang="en-US" altLang="ko-KR" b="1" dirty="0" smtClean="0">
-                <a:solidFill>
-                  <a:srgbClr val="C00000"/>
-                </a:solidFill>
-                <a:latin typeface="+mn-ea"/>
-              </a:rPr>
-              <a:t>break;</a:t>
-            </a:r>
-          </a:p>
-          <a:p>
-            <a:pPr>
-              <a:lnSpc>
-                <a:spcPct val="150000"/>
-              </a:lnSpc>
-            </a:pPr>
-            <a:r>
-              <a:rPr lang="en-US" altLang="ko-KR" dirty="0">
-                <a:solidFill>
-                  <a:srgbClr val="C00000"/>
-                </a:solidFill>
-                <a:latin typeface="+mn-ea"/>
-              </a:rPr>
-              <a:t> </a:t>
-            </a:r>
-            <a:r>
-              <a:rPr lang="en-US" altLang="ko-KR" dirty="0" smtClean="0">
-                <a:solidFill>
-                  <a:srgbClr val="C00000"/>
-                </a:solidFill>
-                <a:latin typeface="+mn-ea"/>
-              </a:rPr>
-              <a:t>    </a:t>
-            </a:r>
-            <a:r>
-              <a:rPr lang="en-US" altLang="ko-KR" dirty="0" smtClean="0">
-                <a:solidFill>
-                  <a:schemeClr val="tx1"/>
-                </a:solidFill>
-                <a:latin typeface="+mn-ea"/>
-              </a:rPr>
-              <a:t>}</a:t>
-            </a:r>
-            <a:r>
-              <a:rPr lang="en-US" altLang="ko-KR" dirty="0" smtClean="0">
-                <a:latin typeface="+mn-ea"/>
-              </a:rPr>
-              <a:t>   </a:t>
-            </a:r>
-            <a:endParaRPr lang="en-US" altLang="ko-KR" dirty="0">
-              <a:latin typeface="+mn-ea"/>
-            </a:endParaRPr>
-          </a:p>
-          <a:p>
-            <a:pPr>
-              <a:lnSpc>
-                <a:spcPct val="150000"/>
-              </a:lnSpc>
-            </a:pPr>
-            <a:r>
-              <a:rPr lang="en-US" altLang="ko-KR" dirty="0" smtClean="0">
-                <a:latin typeface="+mn-ea"/>
-              </a:rPr>
-              <a:t>}</a:t>
-            </a:r>
-            <a:endParaRPr lang="ko-KR" altLang="en-US" dirty="0">
-              <a:latin typeface="+mn-ea"/>
-            </a:endParaRPr>
           </a:p>
         </p:txBody>
       </p:sp>
@@ -10672,8 +10136,8 @@
         </p:blipFill>
         <p:spPr>
           <a:xfrm>
-            <a:off x="4736976" y="1385524"/>
-            <a:ext cx="4935782" cy="4635763"/>
+            <a:off x="1640632" y="1196752"/>
+            <a:ext cx="6492803" cy="4816258"/>
           </a:xfrm>
           <a:prstGeom prst="rect">
             <a:avLst/>
@@ -10690,7 +10154,7 @@
     </p:spTree>
     <p:extLst>
       <p:ext uri="{BB962C8B-B14F-4D97-AF65-F5344CB8AC3E}">
-        <p14:creationId xmlns:p14="http://schemas.microsoft.com/office/powerpoint/2010/main" val="3921005659"/>
+        <p14:creationId xmlns:p14="http://schemas.microsoft.com/office/powerpoint/2010/main" val="925592402"/>
       </p:ext>
     </p:extLst>
   </p:cSld>
@@ -10741,19 +10205,19 @@
           <a:p>
             <a:r>
               <a:rPr lang="en-US" altLang="ko-KR" dirty="0" smtClean="0"/>
-              <a:t>  while</a:t>
+              <a:t>  </a:t>
             </a:r>
             <a:r>
               <a:rPr lang="ko-KR" altLang="en-US" dirty="0" smtClean="0"/>
-              <a:t>문 </a:t>
+              <a:t>무한반복 </a:t>
             </a:r>
             <a:r>
               <a:rPr lang="en-US" altLang="ko-KR" dirty="0" smtClean="0"/>
-              <a:t>– </a:t>
+              <a:t>- break </a:t>
             </a:r>
             <a:r>
               <a:rPr lang="ko-KR" altLang="en-US" dirty="0" smtClean="0"/>
-              <a:t>실습 예제</a:t>
+              <a:t>문</a:t>
             </a:r>
             <a:endParaRPr lang="ko-KR" altLang="en-US" dirty="0"/>
           </a:p>
@@ -10777,6 +10241,732 @@
             <a:fld id="{1BDE3FE7-3AEA-4B05-AC5A-802D1816ACF0}" type="slidenum">
               <a:rPr lang="ko-KR" altLang="en-US" smtClean="0"/>
               <a:t>21</a:t>
+            </a:fld>
+            <a:endParaRPr lang="ko-KR" altLang="en-US"/>
+          </a:p>
+        </p:txBody>
+      </p:sp>
+      <p:sp>
+        <p:nvSpPr>
+          <p:cNvPr id="7" name="내용 개체 틀 2">
+            <a:extLst>
+              <a:ext uri="{FF2B5EF4-FFF2-40B4-BE49-F238E27FC236}">
+                <a16:creationId xmlns:a16="http://schemas.microsoft.com/office/drawing/2014/main" id="{98AF3A4E-7D90-4241-89FE-799D6F9D5A94}"/>
+              </a:ext>
+            </a:extLst>
+          </p:cNvPr>
+          <p:cNvSpPr txBox="1">
+            <a:spLocks/>
+          </p:cNvSpPr>
+          <p:nvPr/>
+        </p:nvSpPr>
+        <p:spPr>
+          <a:xfrm>
+            <a:off x="704528" y="1196752"/>
+            <a:ext cx="7920880" cy="1368152"/>
+          </a:xfrm>
+          <a:prstGeom prst="rect">
+            <a:avLst/>
+          </a:prstGeom>
+        </p:spPr>
+        <p:txBody>
+          <a:bodyPr/>
+          <a:lstStyle>
+            <a:lvl1pPr marL="228600" indent="-228600" algn="l" defTabSz="914400" rtl="0" eaLnBrk="1" latinLnBrk="1" hangingPunct="1">
+              <a:lnSpc>
+                <a:spcPct val="90000"/>
+              </a:lnSpc>
+              <a:spcBef>
+                <a:spcPts val="1000"/>
+              </a:spcBef>
+              <a:buFont typeface="Arial" panose="020B0604020202020204" pitchFamily="34" charset="0"/>
+              <a:buChar char="•"/>
+              <a:defRPr sz="2800" kern="1200">
+                <a:solidFill>
+                  <a:schemeClr val="tx1"/>
+                </a:solidFill>
+                <a:latin typeface="+mn-lt"/>
+                <a:ea typeface="+mn-ea"/>
+                <a:cs typeface="+mn-cs"/>
+              </a:defRPr>
+            </a:lvl1pPr>
+            <a:lvl2pPr marL="685800" indent="-228600" algn="l" defTabSz="914400" rtl="0" eaLnBrk="1" latinLnBrk="1" hangingPunct="1">
+              <a:lnSpc>
+                <a:spcPct val="90000"/>
+              </a:lnSpc>
+              <a:spcBef>
+                <a:spcPts val="500"/>
+              </a:spcBef>
+              <a:buFont typeface="Arial" panose="020B0604020202020204" pitchFamily="34" charset="0"/>
+              <a:buChar char="•"/>
+              <a:defRPr sz="2400" kern="1200">
+                <a:solidFill>
+                  <a:schemeClr val="tx1"/>
+                </a:solidFill>
+                <a:latin typeface="+mn-lt"/>
+                <a:ea typeface="+mn-ea"/>
+                <a:cs typeface="+mn-cs"/>
+              </a:defRPr>
+            </a:lvl2pPr>
+            <a:lvl3pPr marL="1143000" indent="-228600" algn="l" defTabSz="914400" rtl="0" eaLnBrk="1" latinLnBrk="1" hangingPunct="1">
+              <a:lnSpc>
+                <a:spcPct val="90000"/>
+              </a:lnSpc>
+              <a:spcBef>
+                <a:spcPts val="500"/>
+              </a:spcBef>
+              <a:buFont typeface="Arial" panose="020B0604020202020204" pitchFamily="34" charset="0"/>
+              <a:buChar char="•"/>
+              <a:defRPr sz="2000" kern="1200">
+                <a:solidFill>
+                  <a:schemeClr val="tx1"/>
+                </a:solidFill>
+                <a:latin typeface="+mn-lt"/>
+                <a:ea typeface="+mn-ea"/>
+                <a:cs typeface="+mn-cs"/>
+              </a:defRPr>
+            </a:lvl3pPr>
+            <a:lvl4pPr marL="1600200" indent="-228600" algn="l" defTabSz="914400" rtl="0" eaLnBrk="1" latinLnBrk="1" hangingPunct="1">
+              <a:lnSpc>
+                <a:spcPct val="90000"/>
+              </a:lnSpc>
+              <a:spcBef>
+                <a:spcPts val="500"/>
+              </a:spcBef>
+              <a:buFont typeface="Arial" panose="020B0604020202020204" pitchFamily="34" charset="0"/>
+              <a:buChar char="•"/>
+              <a:defRPr sz="1800" kern="1200">
+                <a:solidFill>
+                  <a:schemeClr val="tx1"/>
+                </a:solidFill>
+                <a:latin typeface="+mn-lt"/>
+                <a:ea typeface="+mn-ea"/>
+                <a:cs typeface="+mn-cs"/>
+              </a:defRPr>
+            </a:lvl4pPr>
+            <a:lvl5pPr marL="2057400" indent="-228600" algn="l" defTabSz="914400" rtl="0" eaLnBrk="1" latinLnBrk="1" hangingPunct="1">
+              <a:lnSpc>
+                <a:spcPct val="90000"/>
+              </a:lnSpc>
+              <a:spcBef>
+                <a:spcPts val="500"/>
+              </a:spcBef>
+              <a:buFont typeface="Arial" panose="020B0604020202020204" pitchFamily="34" charset="0"/>
+              <a:buChar char="•"/>
+              <a:defRPr sz="1800" kern="1200">
+                <a:solidFill>
+                  <a:schemeClr val="tx1"/>
+                </a:solidFill>
+                <a:latin typeface="+mn-lt"/>
+                <a:ea typeface="+mn-ea"/>
+                <a:cs typeface="+mn-cs"/>
+              </a:defRPr>
+            </a:lvl5pPr>
+            <a:lvl6pPr marL="2514600" indent="-228600" algn="l" defTabSz="914400" rtl="0" eaLnBrk="1" latinLnBrk="1" hangingPunct="1">
+              <a:lnSpc>
+                <a:spcPct val="90000"/>
+              </a:lnSpc>
+              <a:spcBef>
+                <a:spcPts val="500"/>
+              </a:spcBef>
+              <a:buFont typeface="Arial" panose="020B0604020202020204" pitchFamily="34" charset="0"/>
+              <a:buChar char="•"/>
+              <a:defRPr sz="1800" kern="1200">
+                <a:solidFill>
+                  <a:schemeClr val="tx1"/>
+                </a:solidFill>
+                <a:latin typeface="+mn-lt"/>
+                <a:ea typeface="+mn-ea"/>
+                <a:cs typeface="+mn-cs"/>
+              </a:defRPr>
+            </a:lvl6pPr>
+            <a:lvl7pPr marL="2971800" indent="-228600" algn="l" defTabSz="914400" rtl="0" eaLnBrk="1" latinLnBrk="1" hangingPunct="1">
+              <a:lnSpc>
+                <a:spcPct val="90000"/>
+              </a:lnSpc>
+              <a:spcBef>
+                <a:spcPts val="500"/>
+              </a:spcBef>
+              <a:buFont typeface="Arial" panose="020B0604020202020204" pitchFamily="34" charset="0"/>
+              <a:buChar char="•"/>
+              <a:defRPr sz="1800" kern="1200">
+                <a:solidFill>
+                  <a:schemeClr val="tx1"/>
+                </a:solidFill>
+                <a:latin typeface="+mn-lt"/>
+                <a:ea typeface="+mn-ea"/>
+                <a:cs typeface="+mn-cs"/>
+              </a:defRPr>
+            </a:lvl7pPr>
+            <a:lvl8pPr marL="3429000" indent="-228600" algn="l" defTabSz="914400" rtl="0" eaLnBrk="1" latinLnBrk="1" hangingPunct="1">
+              <a:lnSpc>
+                <a:spcPct val="90000"/>
+              </a:lnSpc>
+              <a:spcBef>
+                <a:spcPts val="500"/>
+              </a:spcBef>
+              <a:buFont typeface="Arial" panose="020B0604020202020204" pitchFamily="34" charset="0"/>
+              <a:buChar char="•"/>
+              <a:defRPr sz="1800" kern="1200">
+                <a:solidFill>
+                  <a:schemeClr val="tx1"/>
+                </a:solidFill>
+                <a:latin typeface="+mn-lt"/>
+                <a:ea typeface="+mn-ea"/>
+                <a:cs typeface="+mn-cs"/>
+              </a:defRPr>
+            </a:lvl8pPr>
+            <a:lvl9pPr marL="3886200" indent="-228600" algn="l" defTabSz="914400" rtl="0" eaLnBrk="1" latinLnBrk="1" hangingPunct="1">
+              <a:lnSpc>
+                <a:spcPct val="90000"/>
+              </a:lnSpc>
+              <a:spcBef>
+                <a:spcPts val="500"/>
+              </a:spcBef>
+              <a:buFont typeface="Arial" panose="020B0604020202020204" pitchFamily="34" charset="0"/>
+              <a:buChar char="•"/>
+              <a:defRPr sz="1800" kern="1200">
+                <a:solidFill>
+                  <a:schemeClr val="tx1"/>
+                </a:solidFill>
+                <a:latin typeface="+mn-lt"/>
+                <a:ea typeface="+mn-ea"/>
+                <a:cs typeface="+mn-cs"/>
+              </a:defRPr>
+            </a:lvl9pPr>
+          </a:lstStyle>
+          <a:p>
+            <a:pPr>
+              <a:buFont typeface="Wingdings" panose="05000000000000000000" pitchFamily="2" charset="2"/>
+              <a:buChar char="§"/>
+            </a:pPr>
+            <a:r>
+              <a:rPr lang="ko-KR" altLang="en-US" sz="2000" b="1" dirty="0" smtClean="0">
+                <a:solidFill>
+                  <a:srgbClr val="C00000"/>
+                </a:solidFill>
+              </a:rPr>
+              <a:t>무한 </a:t>
+            </a:r>
+            <a:r>
+              <a:rPr lang="ko-KR" altLang="en-US" sz="2000" b="1" dirty="0" err="1" smtClean="0">
+                <a:solidFill>
+                  <a:srgbClr val="C00000"/>
+                </a:solidFill>
+              </a:rPr>
+              <a:t>반복문</a:t>
+            </a:r>
+            <a:r>
+              <a:rPr lang="en-US" altLang="ko-KR" sz="2000" b="1" dirty="0">
+                <a:solidFill>
+                  <a:srgbClr val="C00000"/>
+                </a:solidFill>
+              </a:rPr>
+              <a:t> </a:t>
+            </a:r>
+            <a:r>
+              <a:rPr lang="en-US" altLang="ko-KR" sz="2000" b="1" dirty="0" smtClean="0">
+                <a:solidFill>
+                  <a:srgbClr val="C00000"/>
+                </a:solidFill>
+              </a:rPr>
+              <a:t>-</a:t>
+            </a:r>
+            <a:r>
+              <a:rPr lang="en-US" altLang="ko-KR" sz="2000" b="1" dirty="0">
+                <a:solidFill>
+                  <a:srgbClr val="C00000"/>
+                </a:solidFill>
+              </a:rPr>
+              <a:t> break </a:t>
+            </a:r>
+            <a:r>
+              <a:rPr lang="ko-KR" altLang="en-US" sz="2000" b="1" dirty="0" smtClean="0">
+                <a:solidFill>
+                  <a:srgbClr val="C00000"/>
+                </a:solidFill>
+              </a:rPr>
+              <a:t>문</a:t>
+            </a:r>
+            <a:endParaRPr lang="en-US" altLang="ko-KR" sz="2000" b="1" dirty="0">
+              <a:solidFill>
+                <a:srgbClr val="C00000"/>
+              </a:solidFill>
+            </a:endParaRPr>
+          </a:p>
+          <a:p>
+            <a:pPr marL="0" indent="0">
+              <a:buNone/>
+            </a:pPr>
+            <a:r>
+              <a:rPr lang="en-US" altLang="ko-KR" sz="2200" b="1" dirty="0" smtClean="0">
+                <a:solidFill>
+                  <a:srgbClr val="C00000"/>
+                </a:solidFill>
+              </a:rPr>
+              <a:t>   </a:t>
+            </a:r>
+            <a:r>
+              <a:rPr lang="ko-KR" altLang="en-US" sz="1800" dirty="0" err="1" smtClean="0"/>
+              <a:t>반복문에서</a:t>
+            </a:r>
+            <a:r>
+              <a:rPr lang="ko-KR" altLang="en-US" sz="1800" dirty="0" smtClean="0"/>
+              <a:t> </a:t>
+            </a:r>
+            <a:r>
+              <a:rPr lang="en-US" altLang="ko-KR" sz="1800" dirty="0" smtClean="0"/>
+              <a:t>break </a:t>
+            </a:r>
+            <a:r>
+              <a:rPr lang="ko-KR" altLang="en-US" sz="1800" dirty="0" smtClean="0"/>
+              <a:t>문을 만나면 더 </a:t>
+            </a:r>
+            <a:r>
+              <a:rPr lang="ko-KR" altLang="en-US" sz="1800" dirty="0" smtClean="0"/>
+              <a:t>이상 </a:t>
+            </a:r>
+            <a:r>
+              <a:rPr lang="ko-KR" altLang="en-US" sz="1800" dirty="0" smtClean="0"/>
+              <a:t>반복을 수행하지 않고 </a:t>
+            </a:r>
+            <a:r>
+              <a:rPr lang="ko-KR" altLang="en-US" sz="1800" dirty="0" err="1" smtClean="0"/>
+              <a:t>반복문</a:t>
+            </a:r>
+            <a:endParaRPr lang="en-US" altLang="ko-KR" sz="1800" dirty="0" smtClean="0"/>
+          </a:p>
+          <a:p>
+            <a:pPr marL="0" indent="0">
+              <a:buNone/>
+            </a:pPr>
+            <a:r>
+              <a:rPr lang="en-US" altLang="ko-KR" sz="1800" dirty="0"/>
+              <a:t> </a:t>
+            </a:r>
+            <a:r>
+              <a:rPr lang="en-US" altLang="ko-KR" sz="1800" dirty="0" smtClean="0"/>
+              <a:t> </a:t>
+            </a:r>
+            <a:r>
+              <a:rPr lang="ko-KR" altLang="en-US" sz="1800" dirty="0" smtClean="0"/>
+              <a:t> </a:t>
+            </a:r>
+            <a:r>
+              <a:rPr lang="en-US" altLang="ko-KR" sz="1800" dirty="0"/>
+              <a:t> </a:t>
+            </a:r>
+            <a:r>
+              <a:rPr lang="ko-KR" altLang="en-US" sz="1800" dirty="0" smtClean="0"/>
+              <a:t>빠져 </a:t>
+            </a:r>
+            <a:r>
+              <a:rPr lang="ko-KR" altLang="en-US" sz="1800" dirty="0" smtClean="0"/>
+              <a:t>나옴 </a:t>
+            </a:r>
+            <a:endParaRPr lang="en-US" altLang="ko-KR" sz="1800" dirty="0" smtClean="0"/>
+          </a:p>
+        </p:txBody>
+      </p:sp>
+      <p:sp>
+        <p:nvSpPr>
+          <p:cNvPr id="15" name="모서리가 둥근 직사각형 14"/>
+          <p:cNvSpPr/>
+          <p:nvPr/>
+        </p:nvSpPr>
+        <p:spPr>
+          <a:xfrm>
+            <a:off x="2864768" y="2564904"/>
+            <a:ext cx="3096344" cy="3024336"/>
+          </a:xfrm>
+          <a:prstGeom prst="roundRect">
+            <a:avLst>
+              <a:gd name="adj" fmla="val 11893"/>
+            </a:avLst>
+          </a:prstGeom>
+          <a:noFill/>
+          <a:ln>
+            <a:solidFill>
+              <a:schemeClr val="tx1"/>
+            </a:solidFill>
+          </a:ln>
+          <a:effectLst/>
+        </p:spPr>
+        <p:style>
+          <a:lnRef idx="1">
+            <a:schemeClr val="accent3"/>
+          </a:lnRef>
+          <a:fillRef idx="2">
+            <a:schemeClr val="accent3"/>
+          </a:fillRef>
+          <a:effectRef idx="1">
+            <a:schemeClr val="accent3"/>
+          </a:effectRef>
+          <a:fontRef idx="minor">
+            <a:schemeClr val="dk1"/>
+          </a:fontRef>
+        </p:style>
+        <p:txBody>
+          <a:bodyPr rtlCol="0" anchor="ctr"/>
+          <a:lstStyle/>
+          <a:p>
+            <a:pPr>
+              <a:lnSpc>
+                <a:spcPct val="150000"/>
+              </a:lnSpc>
+            </a:pPr>
+            <a:r>
+              <a:rPr lang="en-US" altLang="ko-KR" dirty="0" smtClean="0">
+                <a:latin typeface="+mn-ea"/>
+              </a:rPr>
+              <a:t> while(</a:t>
+            </a:r>
+            <a:r>
+              <a:rPr lang="en-US" altLang="ko-KR" b="1" dirty="0" smtClean="0">
+                <a:solidFill>
+                  <a:srgbClr val="C00000"/>
+                </a:solidFill>
+                <a:latin typeface="+mn-ea"/>
+              </a:rPr>
+              <a:t>true</a:t>
+            </a:r>
+            <a:r>
+              <a:rPr lang="en-US" altLang="ko-KR" dirty="0" smtClean="0">
+                <a:latin typeface="+mn-ea"/>
+              </a:rPr>
+              <a:t>){</a:t>
+            </a:r>
+          </a:p>
+          <a:p>
+            <a:pPr>
+              <a:lnSpc>
+                <a:spcPct val="150000"/>
+              </a:lnSpc>
+            </a:pPr>
+            <a:r>
+              <a:rPr lang="en-US" altLang="ko-KR" dirty="0" smtClean="0">
+                <a:latin typeface="+mn-ea"/>
+              </a:rPr>
+              <a:t>     if(</a:t>
+            </a:r>
+            <a:r>
+              <a:rPr lang="ko-KR" altLang="en-US" dirty="0" err="1" smtClean="0">
+                <a:latin typeface="+mn-ea"/>
+              </a:rPr>
+              <a:t>조건식</a:t>
+            </a:r>
+            <a:r>
+              <a:rPr lang="en-US" altLang="ko-KR" dirty="0" smtClean="0">
+                <a:latin typeface="+mn-ea"/>
+              </a:rPr>
+              <a:t>){</a:t>
+            </a:r>
+          </a:p>
+          <a:p>
+            <a:pPr>
+              <a:lnSpc>
+                <a:spcPct val="150000"/>
+              </a:lnSpc>
+            </a:pPr>
+            <a:r>
+              <a:rPr lang="en-US" altLang="ko-KR" dirty="0" smtClean="0">
+                <a:latin typeface="+mn-ea"/>
+              </a:rPr>
+              <a:t>          </a:t>
+            </a:r>
+            <a:r>
+              <a:rPr lang="en-US" altLang="ko-KR" b="1" dirty="0" smtClean="0">
+                <a:solidFill>
+                  <a:srgbClr val="C00000"/>
+                </a:solidFill>
+                <a:latin typeface="+mn-ea"/>
+              </a:rPr>
+              <a:t>break;</a:t>
+            </a:r>
+          </a:p>
+          <a:p>
+            <a:pPr>
+              <a:lnSpc>
+                <a:spcPct val="150000"/>
+              </a:lnSpc>
+            </a:pPr>
+            <a:r>
+              <a:rPr lang="en-US" altLang="ko-KR" dirty="0">
+                <a:solidFill>
+                  <a:srgbClr val="C00000"/>
+                </a:solidFill>
+                <a:latin typeface="+mn-ea"/>
+              </a:rPr>
+              <a:t> </a:t>
+            </a:r>
+            <a:r>
+              <a:rPr lang="en-US" altLang="ko-KR" dirty="0" smtClean="0">
+                <a:solidFill>
+                  <a:srgbClr val="C00000"/>
+                </a:solidFill>
+                <a:latin typeface="+mn-ea"/>
+              </a:rPr>
+              <a:t>    </a:t>
+            </a:r>
+            <a:r>
+              <a:rPr lang="en-US" altLang="ko-KR" dirty="0" smtClean="0">
+                <a:solidFill>
+                  <a:schemeClr val="tx1"/>
+                </a:solidFill>
+                <a:latin typeface="+mn-ea"/>
+              </a:rPr>
+              <a:t>}</a:t>
+            </a:r>
+            <a:r>
+              <a:rPr lang="en-US" altLang="ko-KR" dirty="0" smtClean="0">
+                <a:latin typeface="+mn-ea"/>
+              </a:rPr>
+              <a:t>   </a:t>
+            </a:r>
+            <a:endParaRPr lang="en-US" altLang="ko-KR" dirty="0">
+              <a:latin typeface="+mn-ea"/>
+            </a:endParaRPr>
+          </a:p>
+          <a:p>
+            <a:pPr>
+              <a:lnSpc>
+                <a:spcPct val="150000"/>
+              </a:lnSpc>
+            </a:pPr>
+            <a:r>
+              <a:rPr lang="en-US" altLang="ko-KR" dirty="0" smtClean="0">
+                <a:latin typeface="+mn-ea"/>
+              </a:rPr>
+              <a:t>}</a:t>
+            </a:r>
+            <a:endParaRPr lang="ko-KR" altLang="en-US" dirty="0">
+              <a:latin typeface="+mn-ea"/>
+            </a:endParaRPr>
+          </a:p>
+        </p:txBody>
+      </p:sp>
+    </p:spTree>
+    <p:extLst>
+      <p:ext uri="{BB962C8B-B14F-4D97-AF65-F5344CB8AC3E}">
+        <p14:creationId xmlns:p14="http://schemas.microsoft.com/office/powerpoint/2010/main" val="3921005659"/>
+      </p:ext>
+    </p:extLst>
+  </p:cSld>
+  <p:clrMapOvr>
+    <a:masterClrMapping/>
+  </p:clrMapOvr>
+  <p:timing>
+    <p:tnLst>
+      <p:par>
+        <p:cTn id="1" dur="indefinite" restart="never" nodeType="tmRoot"/>
+      </p:par>
+    </p:tnLst>
+  </p:timing>
+</p:sld>
+</file>
+
+<file path=ppt/slides/slide22.xml><?xml version="1.0" encoding="utf-8"?>
+<p:sld xmlns:a="http://schemas.openxmlformats.org/drawingml/2006/main" xmlns:r="http://schemas.openxmlformats.org/officeDocument/2006/relationships" xmlns:p="http://schemas.openxmlformats.org/presentationml/2006/main">
+  <p:cSld>
+    <p:spTree>
+      <p:nvGrpSpPr>
+        <p:cNvPr id="1" name=""/>
+        <p:cNvGrpSpPr/>
+        <p:nvPr/>
+      </p:nvGrpSpPr>
+      <p:grpSpPr>
+        <a:xfrm>
+          <a:off x="0" y="0"/>
+          <a:ext cx="0" cy="0"/>
+          <a:chOff x="0" y="0"/>
+          <a:chExt cx="0" cy="0"/>
+        </a:xfrm>
+      </p:grpSpPr>
+      <p:sp>
+        <p:nvSpPr>
+          <p:cNvPr id="6" name="제목 5"/>
+          <p:cNvSpPr>
+            <a:spLocks noGrp="1"/>
+          </p:cNvSpPr>
+          <p:nvPr>
+            <p:ph type="title"/>
+          </p:nvPr>
+        </p:nvSpPr>
+        <p:spPr/>
+        <p:txBody>
+          <a:bodyPr/>
+          <a:lstStyle/>
+          <a:p>
+            <a:r>
+              <a:rPr lang="en-US" altLang="ko-KR" dirty="0" smtClean="0"/>
+              <a:t>  </a:t>
+            </a:r>
+            <a:r>
+              <a:rPr lang="ko-KR" altLang="en-US" dirty="0" smtClean="0"/>
+              <a:t>무한반복 </a:t>
+            </a:r>
+            <a:r>
+              <a:rPr lang="en-US" altLang="ko-KR" dirty="0" smtClean="0"/>
+              <a:t>- break </a:t>
+            </a:r>
+            <a:r>
+              <a:rPr lang="ko-KR" altLang="en-US" dirty="0" smtClean="0"/>
+              <a:t>문</a:t>
+            </a:r>
+            <a:endParaRPr lang="ko-KR" altLang="en-US" dirty="0"/>
+          </a:p>
+        </p:txBody>
+      </p:sp>
+      <p:sp>
+        <p:nvSpPr>
+          <p:cNvPr id="5" name="슬라이드 번호 개체 틀 4"/>
+          <p:cNvSpPr>
+            <a:spLocks noGrp="1"/>
+          </p:cNvSpPr>
+          <p:nvPr>
+            <p:ph type="sldNum" sz="quarter" idx="12"/>
+          </p:nvPr>
+        </p:nvSpPr>
+        <p:spPr/>
+        <p:txBody>
+          <a:bodyPr/>
+          <a:lstStyle/>
+          <a:p>
+            <a:fld id="{1BDE3FE7-3AEA-4B05-AC5A-802D1816ACF0}" type="slidenum">
+              <a:rPr lang="ko-KR" altLang="en-US" smtClean="0"/>
+              <a:t>22</a:t>
+            </a:fld>
+            <a:endParaRPr lang="ko-KR" altLang="en-US"/>
+          </a:p>
+        </p:txBody>
+      </p:sp>
+      <p:pic>
+        <p:nvPicPr>
+          <p:cNvPr id="2" name="그림 1"/>
+          <p:cNvPicPr>
+            <a:picLocks noChangeAspect="1"/>
+          </p:cNvPicPr>
+          <p:nvPr/>
+        </p:nvPicPr>
+        <p:blipFill>
+          <a:blip r:embed="rId2">
+            <a:extLst>
+              <a:ext uri="{28A0092B-C50C-407E-A947-70E740481C1C}">
+                <a14:useLocalDpi xmlns:a14="http://schemas.microsoft.com/office/drawing/2010/main" val="0"/>
+              </a:ext>
+            </a:extLst>
+          </a:blip>
+          <a:stretch>
+            <a:fillRect/>
+          </a:stretch>
+        </p:blipFill>
+        <p:spPr>
+          <a:xfrm>
+            <a:off x="1568624" y="1196752"/>
+            <a:ext cx="5730737" cy="4694327"/>
+          </a:xfrm>
+          <a:prstGeom prst="rect">
+            <a:avLst/>
+          </a:prstGeom>
+          <a:ln>
+            <a:solidFill>
+              <a:schemeClr val="bg1">
+                <a:lumMod val="85000"/>
+              </a:schemeClr>
+            </a:solidFill>
+          </a:ln>
+        </p:spPr>
+      </p:pic>
+    </p:spTree>
+    <p:extLst>
+      <p:ext uri="{BB962C8B-B14F-4D97-AF65-F5344CB8AC3E}">
+        <p14:creationId xmlns:p14="http://schemas.microsoft.com/office/powerpoint/2010/main" val="2381179986"/>
+      </p:ext>
+    </p:extLst>
+  </p:cSld>
+  <p:clrMapOvr>
+    <a:masterClrMapping/>
+  </p:clrMapOvr>
+  <p:timing>
+    <p:tnLst>
+      <p:par>
+        <p:cTn id="1" dur="indefinite" restart="never" nodeType="tmRoot"/>
+      </p:par>
+    </p:tnLst>
+  </p:timing>
+</p:sld>
+</file>
+
+<file path=ppt/slides/slide23.xml><?xml version="1.0" encoding="utf-8"?>
+<p:sld xmlns:a="http://schemas.openxmlformats.org/drawingml/2006/main" xmlns:r="http://schemas.openxmlformats.org/officeDocument/2006/relationships" xmlns:p="http://schemas.openxmlformats.org/presentationml/2006/main">
+  <p:cSld>
+    <p:spTree>
+      <p:nvGrpSpPr>
+        <p:cNvPr id="1" name=""/>
+        <p:cNvGrpSpPr/>
+        <p:nvPr/>
+      </p:nvGrpSpPr>
+      <p:grpSpPr>
+        <a:xfrm>
+          <a:off x="0" y="0"/>
+          <a:ext cx="0" cy="0"/>
+          <a:chOff x="0" y="0"/>
+          <a:chExt cx="0" cy="0"/>
+        </a:xfrm>
+      </p:grpSpPr>
+      <p:sp>
+        <p:nvSpPr>
+          <p:cNvPr id="6" name="제목 5"/>
+          <p:cNvSpPr>
+            <a:spLocks noGrp="1"/>
+          </p:cNvSpPr>
+          <p:nvPr>
+            <p:ph type="title"/>
+          </p:nvPr>
+        </p:nvSpPr>
+        <p:spPr/>
+        <p:txBody>
+          <a:bodyPr/>
+          <a:lstStyle/>
+          <a:p>
+            <a:r>
+              <a:rPr lang="en-US" altLang="ko-KR" dirty="0" smtClean="0"/>
+              <a:t>  while</a:t>
+            </a:r>
+            <a:r>
+              <a:rPr lang="ko-KR" altLang="en-US" dirty="0" smtClean="0"/>
+              <a:t>문 </a:t>
+            </a:r>
+            <a:r>
+              <a:rPr lang="en-US" altLang="ko-KR" dirty="0" smtClean="0"/>
+              <a:t>– </a:t>
+            </a:r>
+            <a:r>
+              <a:rPr lang="ko-KR" altLang="en-US" dirty="0" smtClean="0"/>
+              <a:t>실습 예제</a:t>
+            </a:r>
+            <a:endParaRPr lang="ko-KR" altLang="en-US" dirty="0"/>
+          </a:p>
+        </p:txBody>
+      </p:sp>
+      <p:sp>
+        <p:nvSpPr>
+          <p:cNvPr id="5" name="슬라이드 번호 개체 틀 4"/>
+          <p:cNvSpPr>
+            <a:spLocks noGrp="1"/>
+          </p:cNvSpPr>
+          <p:nvPr>
+            <p:ph type="sldNum" sz="quarter" idx="12"/>
+          </p:nvPr>
+        </p:nvSpPr>
+        <p:spPr/>
+        <p:txBody>
+          <a:bodyPr/>
+          <a:lstStyle/>
+          <a:p>
+            <a:fld id="{1BDE3FE7-3AEA-4B05-AC5A-802D1816ACF0}" type="slidenum">
+              <a:rPr lang="ko-KR" altLang="en-US" smtClean="0"/>
+              <a:t>23</a:t>
             </a:fld>
             <a:endParaRPr lang="ko-KR" altLang="en-US"/>
           </a:p>
@@ -11093,7 +11283,7 @@
 </p:sld>
 </file>
 
-<file path=ppt/slides/slide22.xml><?xml version="1.0" encoding="utf-8"?>
+<file path=ppt/slides/slide24.xml><?xml version="1.0" encoding="utf-8"?>
 <p:sld xmlns:a="http://schemas.openxmlformats.org/drawingml/2006/main" xmlns:r="http://schemas.openxmlformats.org/officeDocument/2006/relationships" xmlns:p="http://schemas.openxmlformats.org/presentationml/2006/main">
   <p:cSld>
     <p:spTree>
@@ -11162,7 +11352,7 @@
           <a:p>
             <a:fld id="{1BDE3FE7-3AEA-4B05-AC5A-802D1816ACF0}" type="slidenum">
               <a:rPr lang="ko-KR" altLang="en-US" smtClean="0"/>
-              <a:t>22</a:t>
+              <a:t>24</a:t>
             </a:fld>
             <a:endParaRPr lang="ko-KR" altLang="en-US"/>
           </a:p>
@@ -11225,7 +11415,7 @@
 </p:sld>
 </file>
 
-<file path=ppt/slides/slide23.xml><?xml version="1.0" encoding="utf-8"?>
+<file path=ppt/slides/slide25.xml><?xml version="1.0" encoding="utf-8"?>
 <p:sld xmlns:a="http://schemas.openxmlformats.org/drawingml/2006/main" xmlns:r="http://schemas.openxmlformats.org/officeDocument/2006/relationships" xmlns:p="http://schemas.openxmlformats.org/presentationml/2006/main">
   <p:cSld>
     <p:spTree>
@@ -11286,7 +11476,7 @@
           <a:p>
             <a:fld id="{1BDE3FE7-3AEA-4B05-AC5A-802D1816ACF0}" type="slidenum">
               <a:rPr lang="ko-KR" altLang="en-US" smtClean="0"/>
-              <a:t>23</a:t>
+              <a:t>25</a:t>
             </a:fld>
             <a:endParaRPr lang="ko-KR" altLang="en-US"/>
           </a:p>
@@ -11297,7 +11487,7 @@
           <p:cNvPr id="9" name="내용 개체 틀 2">
             <a:extLst>
               <a:ext uri="{FF2B5EF4-FFF2-40B4-BE49-F238E27FC236}">
-                <a16:creationId xmlns:a16="http://schemas.microsoft.com/office/drawing/2014/main" xmlns="" id="{98AF3A4E-7D90-4241-89FE-799D6F9D5A94}"/>
+                <a16:creationId xmlns:a16="http://schemas.microsoft.com/office/drawing/2014/main" id="{98AF3A4E-7D90-4241-89FE-799D6F9D5A94}"/>
               </a:ext>
             </a:extLst>
           </p:cNvPr>
@@ -11808,7 +11998,7 @@
 </p:sld>
 </file>
 
-<file path=ppt/slides/slide24.xml><?xml version="1.0" encoding="utf-8"?>
+<file path=ppt/slides/slide26.xml><?xml version="1.0" encoding="utf-8"?>
 <p:sld xmlns:a="http://schemas.openxmlformats.org/drawingml/2006/main" xmlns:r="http://schemas.openxmlformats.org/officeDocument/2006/relationships" xmlns:p="http://schemas.openxmlformats.org/presentationml/2006/main">
   <p:cSld>
     <p:spTree>
@@ -11869,7 +12059,7 @@
           <a:p>
             <a:fld id="{1BDE3FE7-3AEA-4B05-AC5A-802D1816ACF0}" type="slidenum">
               <a:rPr lang="ko-KR" altLang="en-US" smtClean="0"/>
-              <a:t>24</a:t>
+              <a:t>26</a:t>
             </a:fld>
             <a:endParaRPr lang="ko-KR" altLang="en-US"/>
           </a:p>
@@ -11932,7 +12122,7 @@
 </p:sld>
 </file>
 
-<file path=ppt/slides/slide25.xml><?xml version="1.0" encoding="utf-8"?>
+<file path=ppt/slides/slide27.xml><?xml version="1.0" encoding="utf-8"?>
 <p:sld xmlns:a="http://schemas.openxmlformats.org/drawingml/2006/main" xmlns:r="http://schemas.openxmlformats.org/officeDocument/2006/relationships" xmlns:p="http://schemas.openxmlformats.org/presentationml/2006/main">
   <p:cSld>
     <p:spTree>
@@ -11996,7 +12186,7 @@
           <a:p>
             <a:fld id="{1BDE3FE7-3AEA-4B05-AC5A-802D1816ACF0}" type="slidenum">
               <a:rPr lang="ko-KR" altLang="en-US" smtClean="0"/>
-              <a:t>25</a:t>
+              <a:t>27</a:t>
             </a:fld>
             <a:endParaRPr lang="ko-KR" altLang="en-US"/>
           </a:p>
@@ -12159,7 +12349,7 @@
 </p:sld>
 </file>
 
-<file path=ppt/slides/slide26.xml><?xml version="1.0" encoding="utf-8"?>
+<file path=ppt/slides/slide28.xml><?xml version="1.0" encoding="utf-8"?>
 <p:sld xmlns:a="http://schemas.openxmlformats.org/drawingml/2006/main" xmlns:r="http://schemas.openxmlformats.org/officeDocument/2006/relationships" xmlns:p="http://schemas.openxmlformats.org/presentationml/2006/main">
   <p:cSld>
     <p:spTree>
@@ -12223,7 +12413,7 @@
           <a:p>
             <a:fld id="{1BDE3FE7-3AEA-4B05-AC5A-802D1816ACF0}" type="slidenum">
               <a:rPr lang="ko-KR" altLang="en-US" smtClean="0"/>
-              <a:t>26</a:t>
+              <a:t>28</a:t>
             </a:fld>
             <a:endParaRPr lang="ko-KR" altLang="en-US"/>
           </a:p>
@@ -12234,7 +12424,7 @@
           <p:cNvPr id="7" name="내용 개체 틀 2">
             <a:extLst>
               <a:ext uri="{FF2B5EF4-FFF2-40B4-BE49-F238E27FC236}">
-                <a16:creationId xmlns="" xmlns:a16="http://schemas.microsoft.com/office/drawing/2014/main" id="{98AF3A4E-7D90-4241-89FE-799D6F9D5A94}"/>
+                <a16:creationId xmlns:a16="http://schemas.microsoft.com/office/drawing/2014/main" id="{98AF3A4E-7D90-4241-89FE-799D6F9D5A94}"/>
               </a:ext>
             </a:extLst>
           </p:cNvPr>
@@ -12487,7 +12677,7 @@
 </p:sld>
 </file>
 
-<file path=ppt/slides/slide27.xml><?xml version="1.0" encoding="utf-8"?>
+<file path=ppt/slides/slide29.xml><?xml version="1.0" encoding="utf-8"?>
 <p:sld xmlns:a="http://schemas.openxmlformats.org/drawingml/2006/main" xmlns:r="http://schemas.openxmlformats.org/officeDocument/2006/relationships" xmlns:p="http://schemas.openxmlformats.org/presentationml/2006/main">
   <p:cSld>
     <p:spTree>
@@ -12551,7 +12741,7 @@
           <a:p>
             <a:fld id="{1BDE3FE7-3AEA-4B05-AC5A-802D1816ACF0}" type="slidenum">
               <a:rPr lang="ko-KR" altLang="en-US" smtClean="0"/>
-              <a:t>27</a:t>
+              <a:t>29</a:t>
             </a:fld>
             <a:endParaRPr lang="ko-KR" altLang="en-US"/>
           </a:p>
@@ -12562,7 +12752,7 @@
           <p:cNvPr id="7" name="내용 개체 틀 2">
             <a:extLst>
               <a:ext uri="{FF2B5EF4-FFF2-40B4-BE49-F238E27FC236}">
-                <a16:creationId xmlns="" xmlns:a16="http://schemas.microsoft.com/office/drawing/2014/main" id="{98AF3A4E-7D90-4241-89FE-799D6F9D5A94}"/>
+                <a16:creationId xmlns:a16="http://schemas.microsoft.com/office/drawing/2014/main" id="{98AF3A4E-7D90-4241-89FE-799D6F9D5A94}"/>
               </a:ext>
             </a:extLst>
           </p:cNvPr>
@@ -12820,7 +13010,7 @@
 </p:sld>
 </file>
 
-<file path=ppt/slides/slide28.xml><?xml version="1.0" encoding="utf-8"?>
+<file path=ppt/slides/slide3.xml><?xml version="1.0" encoding="utf-8"?>
 <p:sld xmlns:a="http://schemas.openxmlformats.org/drawingml/2006/main" xmlns:r="http://schemas.openxmlformats.org/officeDocument/2006/relationships" xmlns:p="http://schemas.openxmlformats.org/presentationml/2006/main">
   <p:cSld>
     <p:spTree>
@@ -12857,13 +13047,22 @@
               <a:t> </a:t>
             </a:r>
             <a:r>
+              <a:rPr lang="ko-KR" altLang="en-US" dirty="0" err="1" smtClean="0"/>
+              <a:t>조건문</a:t>
+            </a:r>
+            <a:r>
+              <a:rPr lang="en-US" altLang="ko-KR" dirty="0" smtClean="0"/>
+              <a:t>(if</a:t>
+            </a:r>
+            <a:r>
               <a:rPr lang="ko-KR" altLang="en-US" dirty="0" smtClean="0"/>
-              <a:t>은행 업무 프로그</a:t>
-            </a:r>
-            <a:r>
-              <a:rPr lang="ko-KR" altLang="en-US" dirty="0"/>
-              <a:t>램</a:t>
-            </a:r>
+              <a:t>문</a:t>
+            </a:r>
+            <a:r>
+              <a:rPr lang="en-US" altLang="ko-KR" dirty="0" smtClean="0"/>
+              <a:t>)</a:t>
+            </a:r>
+            <a:endParaRPr lang="ko-KR" altLang="en-US" dirty="0"/>
           </a:p>
         </p:txBody>
       </p:sp>
@@ -12884,7 +13083,7 @@
           <a:p>
             <a:fld id="{1BDE3FE7-3AEA-4B05-AC5A-802D1816ACF0}" type="slidenum">
               <a:rPr lang="ko-KR" altLang="en-US" smtClean="0"/>
-              <a:t>28</a:t>
+              <a:t>3</a:t>
             </a:fld>
             <a:endParaRPr lang="ko-KR" altLang="en-US"/>
           </a:p>
@@ -12895,7 +13094,7 @@
           <p:cNvPr id="7" name="내용 개체 틀 2">
             <a:extLst>
               <a:ext uri="{FF2B5EF4-FFF2-40B4-BE49-F238E27FC236}">
-                <a16:creationId xmlns="" xmlns:a16="http://schemas.microsoft.com/office/drawing/2014/main" id="{98AF3A4E-7D90-4241-89FE-799D6F9D5A94}"/>
+                <a16:creationId xmlns:a16="http://schemas.microsoft.com/office/drawing/2014/main" id="{98AF3A4E-7D90-4241-89FE-799D6F9D5A94}"/>
               </a:ext>
             </a:extLst>
           </p:cNvPr>
@@ -12906,8 +13105,8 @@
         </p:nvSpPr>
         <p:spPr>
           <a:xfrm>
-            <a:off x="1064568" y="1484784"/>
-            <a:ext cx="6552728" cy="2520280"/>
+            <a:off x="1640632" y="1319267"/>
+            <a:ext cx="5832648" cy="4176464"/>
           </a:xfrm>
           <a:prstGeom prst="rect">
             <a:avLst/>
@@ -13080,88 +13279,245 @@
             </a:lvl9pPr>
           </a:lstStyle>
           <a:p>
-            <a:pPr marL="0" indent="0">
-              <a:lnSpc>
-                <a:spcPct val="200000"/>
-              </a:lnSpc>
-              <a:buNone/>
+            <a:pPr>
+              <a:buFont typeface="Wingdings" panose="05000000000000000000" pitchFamily="2" charset="2"/>
+              <a:buChar char="§"/>
             </a:pPr>
             <a:r>
-              <a:rPr lang="ko-KR" altLang="en-US" sz="1800" b="1" dirty="0" smtClean="0">
+              <a:rPr lang="en-US" altLang="ko-KR" sz="2000" b="1" dirty="0" smtClean="0">
                 <a:solidFill>
                   <a:srgbClr val="C00000"/>
                 </a:solidFill>
               </a:rPr>
-              <a:t>☞ 개선사항</a:t>
-            </a:r>
-            <a:endParaRPr lang="en-US" altLang="ko-KR" sz="1800" b="1" dirty="0" smtClean="0">
+              <a:t>if</a:t>
+            </a:r>
+            <a:r>
+              <a:rPr lang="ko-KR" altLang="en-US" sz="2000" b="1" dirty="0" smtClean="0">
+                <a:solidFill>
+                  <a:srgbClr val="C00000"/>
+                </a:solidFill>
+              </a:rPr>
+              <a:t>문</a:t>
+            </a:r>
+            <a:endParaRPr lang="en-US" altLang="ko-KR" sz="2000" dirty="0" smtClean="0">
               <a:solidFill>
                 <a:srgbClr val="C00000"/>
               </a:solidFill>
             </a:endParaRPr>
           </a:p>
           <a:p>
-            <a:pPr marL="800100" lvl="1" indent="-342900">
-              <a:lnSpc>
-                <a:spcPct val="200000"/>
-              </a:lnSpc>
-              <a:buFont typeface="+mj-ea"/>
-              <a:buAutoNum type="circleNumDbPlain"/>
+            <a:pPr marL="457200" lvl="1" indent="0">
+              <a:buNone/>
             </a:pPr>
             <a:r>
-              <a:rPr lang="ko-KR" altLang="en-US" sz="1600" dirty="0" smtClean="0"/>
-              <a:t>잔액이 부족한 경우 처리</a:t>
-            </a:r>
-            <a:endParaRPr lang="en-US" altLang="ko-KR" sz="1600" dirty="0" smtClean="0"/>
-          </a:p>
-          <a:p>
-            <a:pPr marL="800100" lvl="1" indent="-342900">
-              <a:lnSpc>
-                <a:spcPct val="200000"/>
-              </a:lnSpc>
-              <a:buFont typeface="+mj-ea"/>
-              <a:buAutoNum type="circleNumDbPlain"/>
+              <a:rPr lang="en-US" altLang="ko-KR" sz="1800" dirty="0" smtClean="0"/>
+              <a:t>if(</a:t>
+            </a:r>
+            <a:r>
+              <a:rPr lang="ko-KR" altLang="en-US" sz="1800" dirty="0" err="1" smtClean="0"/>
+              <a:t>조건식</a:t>
+            </a:r>
+            <a:r>
+              <a:rPr lang="en-US" altLang="ko-KR" sz="1800" dirty="0" smtClean="0"/>
+              <a:t>){</a:t>
+            </a:r>
+          </a:p>
+          <a:p>
+            <a:pPr marL="457200" lvl="1" indent="0">
+              <a:buNone/>
             </a:pPr>
             <a:r>
-              <a:rPr lang="ko-KR" altLang="en-US" sz="1600" dirty="0" err="1" smtClean="0"/>
-              <a:t>수</a:t>
-            </a:r>
-            <a:r>
-              <a:rPr lang="ko-KR" altLang="en-US" sz="1600" dirty="0" err="1"/>
-              <a:t>행</a:t>
-            </a:r>
-            <a:r>
-              <a:rPr lang="ko-KR" altLang="en-US" sz="1600" dirty="0" err="1" smtClean="0"/>
-              <a:t>후</a:t>
-            </a:r>
-            <a:r>
-              <a:rPr lang="ko-KR" altLang="en-US" sz="1600" dirty="0" smtClean="0"/>
+              <a:rPr lang="en-US" altLang="ko-KR" sz="1800" dirty="0"/>
               <a:t> </a:t>
             </a:r>
             <a:r>
-              <a:rPr lang="en-US" altLang="ko-KR" sz="1600" dirty="0" smtClean="0"/>
-              <a:t>“</a:t>
-            </a:r>
-            <a:r>
-              <a:rPr lang="ko-KR" altLang="en-US" sz="1600" dirty="0" smtClean="0"/>
-              <a:t>정상 처리</a:t>
-            </a:r>
-            <a:r>
-              <a:rPr lang="en-US" altLang="ko-KR" sz="1600" dirty="0" smtClean="0"/>
-              <a:t>”</a:t>
-            </a:r>
-            <a:r>
-              <a:rPr lang="ko-KR" altLang="en-US" sz="1600" dirty="0" smtClean="0"/>
-              <a:t>와 돈에 천 단위 구분기호 넣기 </a:t>
-            </a:r>
-            <a:endParaRPr lang="en-US" altLang="ko-KR" sz="1600" dirty="0" smtClean="0"/>
+              <a:rPr lang="en-US" altLang="ko-KR" sz="1800" dirty="0" smtClean="0"/>
+              <a:t>     </a:t>
+            </a:r>
+            <a:r>
+              <a:rPr lang="ko-KR" altLang="en-US" sz="1800" dirty="0" smtClean="0"/>
+              <a:t>조건식이 </a:t>
+            </a:r>
+            <a:r>
+              <a:rPr lang="en-US" altLang="ko-KR" sz="1800" dirty="0" smtClean="0"/>
+              <a:t>true </a:t>
+            </a:r>
+            <a:r>
+              <a:rPr lang="ko-KR" altLang="en-US" sz="1800" dirty="0" smtClean="0"/>
+              <a:t>이면 실행</a:t>
+            </a:r>
+            <a:endParaRPr lang="en-US" altLang="ko-KR" sz="1800" dirty="0" smtClean="0"/>
+          </a:p>
+          <a:p>
+            <a:pPr marL="457200" lvl="1" indent="0">
+              <a:buNone/>
+            </a:pPr>
+            <a:r>
+              <a:rPr lang="en-US" altLang="ko-KR" sz="1800" dirty="0" smtClean="0"/>
+              <a:t>}</a:t>
+            </a:r>
+          </a:p>
+          <a:p>
+            <a:pPr marL="457200" lvl="1" indent="0">
+              <a:buNone/>
+            </a:pPr>
+            <a:endParaRPr lang="en-US" altLang="ko-KR" sz="1800" dirty="0"/>
+          </a:p>
+          <a:p>
+            <a:pPr>
+              <a:buFont typeface="Wingdings" panose="05000000000000000000" pitchFamily="2" charset="2"/>
+              <a:buChar char="§"/>
+            </a:pPr>
+            <a:r>
+              <a:rPr lang="en-US" altLang="ko-KR" sz="2200" b="1" dirty="0">
+                <a:solidFill>
+                  <a:srgbClr val="C00000"/>
+                </a:solidFill>
+              </a:rPr>
+              <a:t>i</a:t>
+            </a:r>
+            <a:r>
+              <a:rPr lang="en-US" altLang="ko-KR" sz="2200" b="1" dirty="0" smtClean="0">
+                <a:solidFill>
+                  <a:srgbClr val="C00000"/>
+                </a:solidFill>
+              </a:rPr>
+              <a:t>f-else </a:t>
+            </a:r>
+            <a:r>
+              <a:rPr lang="ko-KR" altLang="en-US" sz="2200" b="1" dirty="0" smtClean="0">
+                <a:solidFill>
+                  <a:srgbClr val="C00000"/>
+                </a:solidFill>
+              </a:rPr>
+              <a:t>문</a:t>
+            </a:r>
+            <a:endParaRPr lang="en-US" altLang="ko-KR" sz="2200" b="1" dirty="0">
+              <a:solidFill>
+                <a:srgbClr val="C00000"/>
+              </a:solidFill>
+            </a:endParaRPr>
+          </a:p>
+          <a:p>
+            <a:pPr marL="457200" lvl="1" indent="0">
+              <a:buNone/>
+            </a:pPr>
+            <a:r>
+              <a:rPr lang="en-US" altLang="ko-KR" sz="2000" dirty="0" smtClean="0"/>
+              <a:t>if</a:t>
+            </a:r>
+            <a:r>
+              <a:rPr lang="en-US" altLang="ko-KR" sz="2000" dirty="0"/>
+              <a:t>(</a:t>
+            </a:r>
+            <a:r>
+              <a:rPr lang="ko-KR" altLang="en-US" sz="2000" dirty="0" err="1"/>
+              <a:t>조건식</a:t>
+            </a:r>
+            <a:r>
+              <a:rPr lang="en-US" altLang="ko-KR" sz="2000" dirty="0"/>
+              <a:t>){</a:t>
+            </a:r>
+          </a:p>
+          <a:p>
+            <a:pPr marL="457200" lvl="1" indent="0">
+              <a:buNone/>
+            </a:pPr>
+            <a:r>
+              <a:rPr lang="en-US" altLang="ko-KR" sz="2000" dirty="0"/>
+              <a:t>    </a:t>
+            </a:r>
+            <a:r>
+              <a:rPr lang="ko-KR" altLang="en-US" sz="2000" dirty="0"/>
+              <a:t>조건식이 </a:t>
+            </a:r>
+            <a:r>
+              <a:rPr lang="en-US" altLang="ko-KR" sz="2000" dirty="0"/>
+              <a:t>true </a:t>
+            </a:r>
+            <a:r>
+              <a:rPr lang="ko-KR" altLang="en-US" sz="2000" dirty="0"/>
+              <a:t>이면 </a:t>
+            </a:r>
+            <a:r>
+              <a:rPr lang="ko-KR" altLang="en-US" sz="2000" dirty="0" smtClean="0"/>
+              <a:t>실행</a:t>
+            </a:r>
+            <a:endParaRPr lang="en-US" altLang="ko-KR" sz="2000" dirty="0"/>
+          </a:p>
+          <a:p>
+            <a:pPr marL="457200" lvl="1" indent="0">
+              <a:buNone/>
+            </a:pPr>
+            <a:r>
+              <a:rPr lang="en-US" altLang="ko-KR" sz="2000" dirty="0" smtClean="0"/>
+              <a:t>}</a:t>
+            </a:r>
+          </a:p>
+          <a:p>
+            <a:pPr marL="457200" lvl="1" indent="0">
+              <a:buNone/>
+            </a:pPr>
+            <a:r>
+              <a:rPr lang="en-US" altLang="ko-KR" sz="2000" dirty="0"/>
+              <a:t>e</a:t>
+            </a:r>
+            <a:r>
+              <a:rPr lang="en-US" altLang="ko-KR" sz="2000" dirty="0" smtClean="0"/>
+              <a:t>lse{</a:t>
+            </a:r>
+          </a:p>
+          <a:p>
+            <a:pPr marL="457200" lvl="1" indent="0">
+              <a:buNone/>
+            </a:pPr>
+            <a:r>
+              <a:rPr lang="en-US" altLang="ko-KR" sz="2000" dirty="0"/>
+              <a:t> </a:t>
+            </a:r>
+            <a:r>
+              <a:rPr lang="en-US" altLang="ko-KR" sz="2000" dirty="0" smtClean="0"/>
+              <a:t>   </a:t>
+            </a:r>
+            <a:r>
+              <a:rPr lang="ko-KR" altLang="en-US" sz="2000" dirty="0"/>
+              <a:t>조건식이 </a:t>
+            </a:r>
+            <a:r>
+              <a:rPr lang="en-US" altLang="ko-KR" sz="2000" dirty="0" smtClean="0"/>
+              <a:t>false </a:t>
+            </a:r>
+            <a:r>
+              <a:rPr lang="ko-KR" altLang="en-US" sz="2000" dirty="0"/>
+              <a:t>이면 </a:t>
+            </a:r>
+            <a:r>
+              <a:rPr lang="ko-KR" altLang="en-US" sz="2000" dirty="0" smtClean="0"/>
+              <a:t>실행</a:t>
+            </a:r>
+            <a:endParaRPr lang="en-US" altLang="ko-KR" sz="2000" dirty="0" smtClean="0"/>
+          </a:p>
+          <a:p>
+            <a:pPr marL="457200" lvl="1" indent="0">
+              <a:buNone/>
+            </a:pPr>
+            <a:r>
+              <a:rPr lang="en-US" altLang="ko-KR" sz="2000" dirty="0"/>
+              <a:t>}</a:t>
+            </a:r>
+          </a:p>
+          <a:p>
+            <a:pPr marL="457200" lvl="1" indent="0">
+              <a:buNone/>
+            </a:pPr>
+            <a:endParaRPr lang="en-US" altLang="ko-KR" sz="2000" dirty="0"/>
           </a:p>
         </p:txBody>
       </p:sp>
     </p:spTree>
     <p:extLst>
       <p:ext uri="{BB962C8B-B14F-4D97-AF65-F5344CB8AC3E}">
-        <p14:creationId xmlns:p14="http://schemas.microsoft.com/office/powerpoint/2010/main" val="2317916364"/>
+        <p14:creationId xmlns:p14="http://schemas.microsoft.com/office/powerpoint/2010/main" val="479919183"/>
       </p:ext>
     </p:extLst>
   </p:cSld>
@@ -13178,7 +13534,7 @@
 </p:sld>
 </file>
 
-<file path=ppt/slides/slide29.xml><?xml version="1.0" encoding="utf-8"?>
+<file path=ppt/slides/slide30.xml><?xml version="1.0" encoding="utf-8"?>
 <p:sld xmlns:a="http://schemas.openxmlformats.org/drawingml/2006/main" xmlns:r="http://schemas.openxmlformats.org/officeDocument/2006/relationships" xmlns:p="http://schemas.openxmlformats.org/presentationml/2006/main">
   <p:cSld>
     <p:spTree>
@@ -13215,22 +13571,13 @@
               <a:t> </a:t>
             </a:r>
             <a:r>
-              <a:rPr lang="ko-KR" altLang="en-US" dirty="0" err="1" smtClean="0"/>
-              <a:t>반복문</a:t>
-            </a:r>
-            <a:r>
-              <a:rPr lang="en-US" altLang="ko-KR" dirty="0" smtClean="0"/>
-              <a:t>(for</a:t>
-            </a:r>
-            <a:r>
               <a:rPr lang="ko-KR" altLang="en-US" dirty="0" smtClean="0"/>
-              <a:t>문</a:t>
-            </a:r>
-            <a:r>
-              <a:rPr lang="en-US" altLang="ko-KR" dirty="0" smtClean="0"/>
-              <a:t>)</a:t>
-            </a:r>
-            <a:endParaRPr lang="ko-KR" altLang="en-US" dirty="0"/>
+              <a:t>은행 업무 프로그</a:t>
+            </a:r>
+            <a:r>
+              <a:rPr lang="ko-KR" altLang="en-US" dirty="0"/>
+              <a:t>램</a:t>
+            </a:r>
           </a:p>
         </p:txBody>
       </p:sp>
@@ -13251,7 +13598,7 @@
           <a:p>
             <a:fld id="{1BDE3FE7-3AEA-4B05-AC5A-802D1816ACF0}" type="slidenum">
               <a:rPr lang="ko-KR" altLang="en-US" smtClean="0"/>
-              <a:t>29</a:t>
+              <a:t>30</a:t>
             </a:fld>
             <a:endParaRPr lang="ko-KR" altLang="en-US"/>
           </a:p>
@@ -13262,7 +13609,374 @@
           <p:cNvPr id="7" name="내용 개체 틀 2">
             <a:extLst>
               <a:ext uri="{FF2B5EF4-FFF2-40B4-BE49-F238E27FC236}">
-                <a16:creationId xmlns:a16="http://schemas.microsoft.com/office/drawing/2014/main" xmlns="" id="{98AF3A4E-7D90-4241-89FE-799D6F9D5A94}"/>
+                <a16:creationId xmlns:a16="http://schemas.microsoft.com/office/drawing/2014/main" id="{98AF3A4E-7D90-4241-89FE-799D6F9D5A94}"/>
+              </a:ext>
+            </a:extLst>
+          </p:cNvPr>
+          <p:cNvSpPr txBox="1">
+            <a:spLocks/>
+          </p:cNvSpPr>
+          <p:nvPr/>
+        </p:nvSpPr>
+        <p:spPr>
+          <a:xfrm>
+            <a:off x="1064568" y="1484784"/>
+            <a:ext cx="6552728" cy="2520280"/>
+          </a:xfrm>
+          <a:prstGeom prst="rect">
+            <a:avLst/>
+          </a:prstGeom>
+        </p:spPr>
+        <p:txBody>
+          <a:bodyPr/>
+          <a:lstStyle>
+            <a:lvl1pPr marL="228600" indent="-228600" algn="l" defTabSz="914400" rtl="0" eaLnBrk="1" latinLnBrk="1" hangingPunct="1">
+              <a:lnSpc>
+                <a:spcPct val="90000"/>
+              </a:lnSpc>
+              <a:spcBef>
+                <a:spcPts val="1000"/>
+              </a:spcBef>
+              <a:buFont typeface="Arial" panose="020B0604020202020204" pitchFamily="34" charset="0"/>
+              <a:buChar char="•"/>
+              <a:defRPr sz="2800" kern="1200">
+                <a:solidFill>
+                  <a:schemeClr val="tx1"/>
+                </a:solidFill>
+                <a:latin typeface="+mn-lt"/>
+                <a:ea typeface="+mn-ea"/>
+                <a:cs typeface="+mn-cs"/>
+              </a:defRPr>
+            </a:lvl1pPr>
+            <a:lvl2pPr marL="685800" indent="-228600" algn="l" defTabSz="914400" rtl="0" eaLnBrk="1" latinLnBrk="1" hangingPunct="1">
+              <a:lnSpc>
+                <a:spcPct val="90000"/>
+              </a:lnSpc>
+              <a:spcBef>
+                <a:spcPts val="500"/>
+              </a:spcBef>
+              <a:buFont typeface="Arial" panose="020B0604020202020204" pitchFamily="34" charset="0"/>
+              <a:buChar char="•"/>
+              <a:defRPr sz="2400" kern="1200">
+                <a:solidFill>
+                  <a:schemeClr val="tx1"/>
+                </a:solidFill>
+                <a:latin typeface="+mn-lt"/>
+                <a:ea typeface="+mn-ea"/>
+                <a:cs typeface="+mn-cs"/>
+              </a:defRPr>
+            </a:lvl2pPr>
+            <a:lvl3pPr marL="1143000" indent="-228600" algn="l" defTabSz="914400" rtl="0" eaLnBrk="1" latinLnBrk="1" hangingPunct="1">
+              <a:lnSpc>
+                <a:spcPct val="90000"/>
+              </a:lnSpc>
+              <a:spcBef>
+                <a:spcPts val="500"/>
+              </a:spcBef>
+              <a:buFont typeface="Arial" panose="020B0604020202020204" pitchFamily="34" charset="0"/>
+              <a:buChar char="•"/>
+              <a:defRPr sz="2000" kern="1200">
+                <a:solidFill>
+                  <a:schemeClr val="tx1"/>
+                </a:solidFill>
+                <a:latin typeface="+mn-lt"/>
+                <a:ea typeface="+mn-ea"/>
+                <a:cs typeface="+mn-cs"/>
+              </a:defRPr>
+            </a:lvl3pPr>
+            <a:lvl4pPr marL="1600200" indent="-228600" algn="l" defTabSz="914400" rtl="0" eaLnBrk="1" latinLnBrk="1" hangingPunct="1">
+              <a:lnSpc>
+                <a:spcPct val="90000"/>
+              </a:lnSpc>
+              <a:spcBef>
+                <a:spcPts val="500"/>
+              </a:spcBef>
+              <a:buFont typeface="Arial" panose="020B0604020202020204" pitchFamily="34" charset="0"/>
+              <a:buChar char="•"/>
+              <a:defRPr sz="1800" kern="1200">
+                <a:solidFill>
+                  <a:schemeClr val="tx1"/>
+                </a:solidFill>
+                <a:latin typeface="+mn-lt"/>
+                <a:ea typeface="+mn-ea"/>
+                <a:cs typeface="+mn-cs"/>
+              </a:defRPr>
+            </a:lvl4pPr>
+            <a:lvl5pPr marL="2057400" indent="-228600" algn="l" defTabSz="914400" rtl="0" eaLnBrk="1" latinLnBrk="1" hangingPunct="1">
+              <a:lnSpc>
+                <a:spcPct val="90000"/>
+              </a:lnSpc>
+              <a:spcBef>
+                <a:spcPts val="500"/>
+              </a:spcBef>
+              <a:buFont typeface="Arial" panose="020B0604020202020204" pitchFamily="34" charset="0"/>
+              <a:buChar char="•"/>
+              <a:defRPr sz="1800" kern="1200">
+                <a:solidFill>
+                  <a:schemeClr val="tx1"/>
+                </a:solidFill>
+                <a:latin typeface="+mn-lt"/>
+                <a:ea typeface="+mn-ea"/>
+                <a:cs typeface="+mn-cs"/>
+              </a:defRPr>
+            </a:lvl5pPr>
+            <a:lvl6pPr marL="2514600" indent="-228600" algn="l" defTabSz="914400" rtl="0" eaLnBrk="1" latinLnBrk="1" hangingPunct="1">
+              <a:lnSpc>
+                <a:spcPct val="90000"/>
+              </a:lnSpc>
+              <a:spcBef>
+                <a:spcPts val="500"/>
+              </a:spcBef>
+              <a:buFont typeface="Arial" panose="020B0604020202020204" pitchFamily="34" charset="0"/>
+              <a:buChar char="•"/>
+              <a:defRPr sz="1800" kern="1200">
+                <a:solidFill>
+                  <a:schemeClr val="tx1"/>
+                </a:solidFill>
+                <a:latin typeface="+mn-lt"/>
+                <a:ea typeface="+mn-ea"/>
+                <a:cs typeface="+mn-cs"/>
+              </a:defRPr>
+            </a:lvl6pPr>
+            <a:lvl7pPr marL="2971800" indent="-228600" algn="l" defTabSz="914400" rtl="0" eaLnBrk="1" latinLnBrk="1" hangingPunct="1">
+              <a:lnSpc>
+                <a:spcPct val="90000"/>
+              </a:lnSpc>
+              <a:spcBef>
+                <a:spcPts val="500"/>
+              </a:spcBef>
+              <a:buFont typeface="Arial" panose="020B0604020202020204" pitchFamily="34" charset="0"/>
+              <a:buChar char="•"/>
+              <a:defRPr sz="1800" kern="1200">
+                <a:solidFill>
+                  <a:schemeClr val="tx1"/>
+                </a:solidFill>
+                <a:latin typeface="+mn-lt"/>
+                <a:ea typeface="+mn-ea"/>
+                <a:cs typeface="+mn-cs"/>
+              </a:defRPr>
+            </a:lvl7pPr>
+            <a:lvl8pPr marL="3429000" indent="-228600" algn="l" defTabSz="914400" rtl="0" eaLnBrk="1" latinLnBrk="1" hangingPunct="1">
+              <a:lnSpc>
+                <a:spcPct val="90000"/>
+              </a:lnSpc>
+              <a:spcBef>
+                <a:spcPts val="500"/>
+              </a:spcBef>
+              <a:buFont typeface="Arial" panose="020B0604020202020204" pitchFamily="34" charset="0"/>
+              <a:buChar char="•"/>
+              <a:defRPr sz="1800" kern="1200">
+                <a:solidFill>
+                  <a:schemeClr val="tx1"/>
+                </a:solidFill>
+                <a:latin typeface="+mn-lt"/>
+                <a:ea typeface="+mn-ea"/>
+                <a:cs typeface="+mn-cs"/>
+              </a:defRPr>
+            </a:lvl8pPr>
+            <a:lvl9pPr marL="3886200" indent="-228600" algn="l" defTabSz="914400" rtl="0" eaLnBrk="1" latinLnBrk="1" hangingPunct="1">
+              <a:lnSpc>
+                <a:spcPct val="90000"/>
+              </a:lnSpc>
+              <a:spcBef>
+                <a:spcPts val="500"/>
+              </a:spcBef>
+              <a:buFont typeface="Arial" panose="020B0604020202020204" pitchFamily="34" charset="0"/>
+              <a:buChar char="•"/>
+              <a:defRPr sz="1800" kern="1200">
+                <a:solidFill>
+                  <a:schemeClr val="tx1"/>
+                </a:solidFill>
+                <a:latin typeface="+mn-lt"/>
+                <a:ea typeface="+mn-ea"/>
+                <a:cs typeface="+mn-cs"/>
+              </a:defRPr>
+            </a:lvl9pPr>
+          </a:lstStyle>
+          <a:p>
+            <a:pPr marL="0" indent="0">
+              <a:lnSpc>
+                <a:spcPct val="200000"/>
+              </a:lnSpc>
+              <a:buNone/>
+            </a:pPr>
+            <a:r>
+              <a:rPr lang="ko-KR" altLang="en-US" sz="1800" b="1" dirty="0" smtClean="0">
+                <a:solidFill>
+                  <a:srgbClr val="C00000"/>
+                </a:solidFill>
+              </a:rPr>
+              <a:t>☞ 개선사항</a:t>
+            </a:r>
+            <a:endParaRPr lang="en-US" altLang="ko-KR" sz="1800" b="1" dirty="0" smtClean="0">
+              <a:solidFill>
+                <a:srgbClr val="C00000"/>
+              </a:solidFill>
+            </a:endParaRPr>
+          </a:p>
+          <a:p>
+            <a:pPr marL="800100" lvl="1" indent="-342900">
+              <a:lnSpc>
+                <a:spcPct val="200000"/>
+              </a:lnSpc>
+              <a:buFont typeface="+mj-ea"/>
+              <a:buAutoNum type="circleNumDbPlain"/>
+            </a:pPr>
+            <a:r>
+              <a:rPr lang="ko-KR" altLang="en-US" sz="1600" dirty="0" smtClean="0"/>
+              <a:t>잔액이 부족한 경우 처리</a:t>
+            </a:r>
+            <a:endParaRPr lang="en-US" altLang="ko-KR" sz="1600" dirty="0" smtClean="0"/>
+          </a:p>
+          <a:p>
+            <a:pPr marL="800100" lvl="1" indent="-342900">
+              <a:lnSpc>
+                <a:spcPct val="200000"/>
+              </a:lnSpc>
+              <a:buFont typeface="+mj-ea"/>
+              <a:buAutoNum type="circleNumDbPlain"/>
+            </a:pPr>
+            <a:r>
+              <a:rPr lang="ko-KR" altLang="en-US" sz="1600" dirty="0" err="1" smtClean="0"/>
+              <a:t>수</a:t>
+            </a:r>
+            <a:r>
+              <a:rPr lang="ko-KR" altLang="en-US" sz="1600" dirty="0" err="1"/>
+              <a:t>행</a:t>
+            </a:r>
+            <a:r>
+              <a:rPr lang="ko-KR" altLang="en-US" sz="1600" dirty="0" err="1" smtClean="0"/>
+              <a:t>후</a:t>
+            </a:r>
+            <a:r>
+              <a:rPr lang="ko-KR" altLang="en-US" sz="1600" dirty="0" smtClean="0"/>
+              <a:t> </a:t>
+            </a:r>
+            <a:r>
+              <a:rPr lang="en-US" altLang="ko-KR" sz="1600" dirty="0" smtClean="0"/>
+              <a:t>“</a:t>
+            </a:r>
+            <a:r>
+              <a:rPr lang="ko-KR" altLang="en-US" sz="1600" dirty="0" smtClean="0"/>
+              <a:t>정상 처리</a:t>
+            </a:r>
+            <a:r>
+              <a:rPr lang="en-US" altLang="ko-KR" sz="1600" dirty="0" smtClean="0"/>
+              <a:t>”</a:t>
+            </a:r>
+            <a:r>
+              <a:rPr lang="ko-KR" altLang="en-US" sz="1600" dirty="0" smtClean="0"/>
+              <a:t>와 돈에 천 단위 구분기호 넣기 </a:t>
+            </a:r>
+            <a:endParaRPr lang="en-US" altLang="ko-KR" sz="1600" dirty="0" smtClean="0"/>
+          </a:p>
+        </p:txBody>
+      </p:sp>
+    </p:spTree>
+    <p:extLst>
+      <p:ext uri="{BB962C8B-B14F-4D97-AF65-F5344CB8AC3E}">
+        <p14:creationId xmlns:p14="http://schemas.microsoft.com/office/powerpoint/2010/main" val="2317916364"/>
+      </p:ext>
+    </p:extLst>
+  </p:cSld>
+  <p:clrMapOvr>
+    <a:masterClrMapping/>
+  </p:clrMapOvr>
+  <p:timing>
+    <p:tnLst>
+      <p:par>
+        <p:cTn id="1" dur="indefinite" restart="never" nodeType="tmRoot"/>
+      </p:par>
+    </p:tnLst>
+  </p:timing>
+</p:sld>
+</file>
+
+<file path=ppt/slides/slide31.xml><?xml version="1.0" encoding="utf-8"?>
+<p:sld xmlns:a="http://schemas.openxmlformats.org/drawingml/2006/main" xmlns:r="http://schemas.openxmlformats.org/officeDocument/2006/relationships" xmlns:p="http://schemas.openxmlformats.org/presentationml/2006/main">
+  <p:cSld>
+    <p:spTree>
+      <p:nvGrpSpPr>
+        <p:cNvPr id="1" name=""/>
+        <p:cNvGrpSpPr/>
+        <p:nvPr/>
+      </p:nvGrpSpPr>
+      <p:grpSpPr>
+        <a:xfrm>
+          <a:off x="0" y="0"/>
+          <a:ext cx="0" cy="0"/>
+          <a:chOff x="0" y="0"/>
+          <a:chExt cx="0" cy="0"/>
+        </a:xfrm>
+      </p:grpSpPr>
+      <p:sp>
+        <p:nvSpPr>
+          <p:cNvPr id="6" name="제목 5"/>
+          <p:cNvSpPr>
+            <a:spLocks noGrp="1"/>
+          </p:cNvSpPr>
+          <p:nvPr>
+            <p:ph type="title"/>
+          </p:nvPr>
+        </p:nvSpPr>
+        <p:spPr/>
+        <p:txBody>
+          <a:bodyPr/>
+          <a:lstStyle/>
+          <a:p>
+            <a:r>
+              <a:rPr lang="en-US" altLang="ko-KR" dirty="0" smtClean="0"/>
+              <a:t> </a:t>
+            </a:r>
+            <a:r>
+              <a:rPr lang="ko-KR" altLang="en-US" dirty="0" err="1" smtClean="0"/>
+              <a:t>반복문</a:t>
+            </a:r>
+            <a:r>
+              <a:rPr lang="en-US" altLang="ko-KR" dirty="0" smtClean="0"/>
+              <a:t>(for</a:t>
+            </a:r>
+            <a:r>
+              <a:rPr lang="ko-KR" altLang="en-US" dirty="0" smtClean="0"/>
+              <a:t>문</a:t>
+            </a:r>
+            <a:r>
+              <a:rPr lang="en-US" altLang="ko-KR" dirty="0" smtClean="0"/>
+              <a:t>)</a:t>
+            </a:r>
+            <a:endParaRPr lang="ko-KR" altLang="en-US" dirty="0"/>
+          </a:p>
+        </p:txBody>
+      </p:sp>
+      <p:sp>
+        <p:nvSpPr>
+          <p:cNvPr id="5" name="슬라이드 번호 개체 틀 4"/>
+          <p:cNvSpPr>
+            <a:spLocks noGrp="1"/>
+          </p:cNvSpPr>
+          <p:nvPr>
+            <p:ph type="sldNum" sz="quarter" idx="12"/>
+          </p:nvPr>
+        </p:nvSpPr>
+        <p:spPr/>
+        <p:txBody>
+          <a:bodyPr/>
+          <a:lstStyle/>
+          <a:p>
+            <a:fld id="{1BDE3FE7-3AEA-4B05-AC5A-802D1816ACF0}" type="slidenum">
+              <a:rPr lang="ko-KR" altLang="en-US" smtClean="0"/>
+              <a:t>31</a:t>
+            </a:fld>
+            <a:endParaRPr lang="ko-KR" altLang="en-US"/>
+          </a:p>
+        </p:txBody>
+      </p:sp>
+      <p:sp>
+        <p:nvSpPr>
+          <p:cNvPr id="7" name="내용 개체 틀 2">
+            <a:extLst>
+              <a:ext uri="{FF2B5EF4-FFF2-40B4-BE49-F238E27FC236}">
+                <a16:creationId xmlns:a16="http://schemas.microsoft.com/office/drawing/2014/main" id="{98AF3A4E-7D90-4241-89FE-799D6F9D5A94}"/>
               </a:ext>
             </a:extLst>
           </p:cNvPr>
@@ -14354,7 +15068,7 @@
 </p:sld>
 </file>
 
-<file path=ppt/slides/slide3.xml><?xml version="1.0" encoding="utf-8"?>
+<file path=ppt/slides/slide32.xml><?xml version="1.0" encoding="utf-8"?>
 <p:sld xmlns:a="http://schemas.openxmlformats.org/drawingml/2006/main" xmlns:r="http://schemas.openxmlformats.org/officeDocument/2006/relationships" xmlns:p="http://schemas.openxmlformats.org/presentationml/2006/main">
   <p:cSld>
     <p:spTree>
@@ -14392,11 +15106,11 @@
             </a:r>
             <a:r>
               <a:rPr lang="ko-KR" altLang="en-US" dirty="0" err="1" smtClean="0"/>
-              <a:t>조건문</a:t>
+              <a:t>반복문</a:t>
             </a:r>
             <a:r>
               <a:rPr lang="en-US" altLang="ko-KR" dirty="0" smtClean="0"/>
-              <a:t>(if</a:t>
+              <a:t>(for</a:t>
             </a:r>
             <a:r>
               <a:rPr lang="ko-KR" altLang="en-US" dirty="0" smtClean="0"/>
@@ -14427,7 +15141,7 @@
           <a:p>
             <a:fld id="{1BDE3FE7-3AEA-4B05-AC5A-802D1816ACF0}" type="slidenum">
               <a:rPr lang="ko-KR" altLang="en-US" smtClean="0"/>
-              <a:t>3</a:t>
+              <a:t>32</a:t>
             </a:fld>
             <a:endParaRPr lang="ko-KR" altLang="en-US"/>
           </a:p>
@@ -14438,531 +15152,7 @@
           <p:cNvPr id="7" name="내용 개체 틀 2">
             <a:extLst>
               <a:ext uri="{FF2B5EF4-FFF2-40B4-BE49-F238E27FC236}">
-                <a16:creationId xmlns:a16="http://schemas.microsoft.com/office/drawing/2014/main" xmlns="" id="{98AF3A4E-7D90-4241-89FE-799D6F9D5A94}"/>
-              </a:ext>
-            </a:extLst>
-          </p:cNvPr>
-          <p:cNvSpPr txBox="1">
-            <a:spLocks/>
-          </p:cNvSpPr>
-          <p:nvPr/>
-        </p:nvSpPr>
-        <p:spPr>
-          <a:xfrm>
-            <a:off x="1640632" y="1319267"/>
-            <a:ext cx="5832648" cy="4176464"/>
-          </a:xfrm>
-          <a:prstGeom prst="rect">
-            <a:avLst/>
-          </a:prstGeom>
-        </p:spPr>
-        <p:txBody>
-          <a:bodyPr/>
-          <a:lstStyle>
-            <a:lvl1pPr marL="228600" indent="-228600" algn="l" defTabSz="914400" rtl="0" eaLnBrk="1" latinLnBrk="1" hangingPunct="1">
-              <a:lnSpc>
-                <a:spcPct val="90000"/>
-              </a:lnSpc>
-              <a:spcBef>
-                <a:spcPts val="1000"/>
-              </a:spcBef>
-              <a:buFont typeface="Arial" panose="020B0604020202020204" pitchFamily="34" charset="0"/>
-              <a:buChar char="•"/>
-              <a:defRPr sz="2800" kern="1200">
-                <a:solidFill>
-                  <a:schemeClr val="tx1"/>
-                </a:solidFill>
-                <a:latin typeface="+mn-lt"/>
-                <a:ea typeface="+mn-ea"/>
-                <a:cs typeface="+mn-cs"/>
-              </a:defRPr>
-            </a:lvl1pPr>
-            <a:lvl2pPr marL="685800" indent="-228600" algn="l" defTabSz="914400" rtl="0" eaLnBrk="1" latinLnBrk="1" hangingPunct="1">
-              <a:lnSpc>
-                <a:spcPct val="90000"/>
-              </a:lnSpc>
-              <a:spcBef>
-                <a:spcPts val="500"/>
-              </a:spcBef>
-              <a:buFont typeface="Arial" panose="020B0604020202020204" pitchFamily="34" charset="0"/>
-              <a:buChar char="•"/>
-              <a:defRPr sz="2400" kern="1200">
-                <a:solidFill>
-                  <a:schemeClr val="tx1"/>
-                </a:solidFill>
-                <a:latin typeface="+mn-lt"/>
-                <a:ea typeface="+mn-ea"/>
-                <a:cs typeface="+mn-cs"/>
-              </a:defRPr>
-            </a:lvl2pPr>
-            <a:lvl3pPr marL="1143000" indent="-228600" algn="l" defTabSz="914400" rtl="0" eaLnBrk="1" latinLnBrk="1" hangingPunct="1">
-              <a:lnSpc>
-                <a:spcPct val="90000"/>
-              </a:lnSpc>
-              <a:spcBef>
-                <a:spcPts val="500"/>
-              </a:spcBef>
-              <a:buFont typeface="Arial" panose="020B0604020202020204" pitchFamily="34" charset="0"/>
-              <a:buChar char="•"/>
-              <a:defRPr sz="2000" kern="1200">
-                <a:solidFill>
-                  <a:schemeClr val="tx1"/>
-                </a:solidFill>
-                <a:latin typeface="+mn-lt"/>
-                <a:ea typeface="+mn-ea"/>
-                <a:cs typeface="+mn-cs"/>
-              </a:defRPr>
-            </a:lvl3pPr>
-            <a:lvl4pPr marL="1600200" indent="-228600" algn="l" defTabSz="914400" rtl="0" eaLnBrk="1" latinLnBrk="1" hangingPunct="1">
-              <a:lnSpc>
-                <a:spcPct val="90000"/>
-              </a:lnSpc>
-              <a:spcBef>
-                <a:spcPts val="500"/>
-              </a:spcBef>
-              <a:buFont typeface="Arial" panose="020B0604020202020204" pitchFamily="34" charset="0"/>
-              <a:buChar char="•"/>
-              <a:defRPr sz="1800" kern="1200">
-                <a:solidFill>
-                  <a:schemeClr val="tx1"/>
-                </a:solidFill>
-                <a:latin typeface="+mn-lt"/>
-                <a:ea typeface="+mn-ea"/>
-                <a:cs typeface="+mn-cs"/>
-              </a:defRPr>
-            </a:lvl4pPr>
-            <a:lvl5pPr marL="2057400" indent="-228600" algn="l" defTabSz="914400" rtl="0" eaLnBrk="1" latinLnBrk="1" hangingPunct="1">
-              <a:lnSpc>
-                <a:spcPct val="90000"/>
-              </a:lnSpc>
-              <a:spcBef>
-                <a:spcPts val="500"/>
-              </a:spcBef>
-              <a:buFont typeface="Arial" panose="020B0604020202020204" pitchFamily="34" charset="0"/>
-              <a:buChar char="•"/>
-              <a:defRPr sz="1800" kern="1200">
-                <a:solidFill>
-                  <a:schemeClr val="tx1"/>
-                </a:solidFill>
-                <a:latin typeface="+mn-lt"/>
-                <a:ea typeface="+mn-ea"/>
-                <a:cs typeface="+mn-cs"/>
-              </a:defRPr>
-            </a:lvl5pPr>
-            <a:lvl6pPr marL="2514600" indent="-228600" algn="l" defTabSz="914400" rtl="0" eaLnBrk="1" latinLnBrk="1" hangingPunct="1">
-              <a:lnSpc>
-                <a:spcPct val="90000"/>
-              </a:lnSpc>
-              <a:spcBef>
-                <a:spcPts val="500"/>
-              </a:spcBef>
-              <a:buFont typeface="Arial" panose="020B0604020202020204" pitchFamily="34" charset="0"/>
-              <a:buChar char="•"/>
-              <a:defRPr sz="1800" kern="1200">
-                <a:solidFill>
-                  <a:schemeClr val="tx1"/>
-                </a:solidFill>
-                <a:latin typeface="+mn-lt"/>
-                <a:ea typeface="+mn-ea"/>
-                <a:cs typeface="+mn-cs"/>
-              </a:defRPr>
-            </a:lvl6pPr>
-            <a:lvl7pPr marL="2971800" indent="-228600" algn="l" defTabSz="914400" rtl="0" eaLnBrk="1" latinLnBrk="1" hangingPunct="1">
-              <a:lnSpc>
-                <a:spcPct val="90000"/>
-              </a:lnSpc>
-              <a:spcBef>
-                <a:spcPts val="500"/>
-              </a:spcBef>
-              <a:buFont typeface="Arial" panose="020B0604020202020204" pitchFamily="34" charset="0"/>
-              <a:buChar char="•"/>
-              <a:defRPr sz="1800" kern="1200">
-                <a:solidFill>
-                  <a:schemeClr val="tx1"/>
-                </a:solidFill>
-                <a:latin typeface="+mn-lt"/>
-                <a:ea typeface="+mn-ea"/>
-                <a:cs typeface="+mn-cs"/>
-              </a:defRPr>
-            </a:lvl7pPr>
-            <a:lvl8pPr marL="3429000" indent="-228600" algn="l" defTabSz="914400" rtl="0" eaLnBrk="1" latinLnBrk="1" hangingPunct="1">
-              <a:lnSpc>
-                <a:spcPct val="90000"/>
-              </a:lnSpc>
-              <a:spcBef>
-                <a:spcPts val="500"/>
-              </a:spcBef>
-              <a:buFont typeface="Arial" panose="020B0604020202020204" pitchFamily="34" charset="0"/>
-              <a:buChar char="•"/>
-              <a:defRPr sz="1800" kern="1200">
-                <a:solidFill>
-                  <a:schemeClr val="tx1"/>
-                </a:solidFill>
-                <a:latin typeface="+mn-lt"/>
-                <a:ea typeface="+mn-ea"/>
-                <a:cs typeface="+mn-cs"/>
-              </a:defRPr>
-            </a:lvl8pPr>
-            <a:lvl9pPr marL="3886200" indent="-228600" algn="l" defTabSz="914400" rtl="0" eaLnBrk="1" latinLnBrk="1" hangingPunct="1">
-              <a:lnSpc>
-                <a:spcPct val="90000"/>
-              </a:lnSpc>
-              <a:spcBef>
-                <a:spcPts val="500"/>
-              </a:spcBef>
-              <a:buFont typeface="Arial" panose="020B0604020202020204" pitchFamily="34" charset="0"/>
-              <a:buChar char="•"/>
-              <a:defRPr sz="1800" kern="1200">
-                <a:solidFill>
-                  <a:schemeClr val="tx1"/>
-                </a:solidFill>
-                <a:latin typeface="+mn-lt"/>
-                <a:ea typeface="+mn-ea"/>
-                <a:cs typeface="+mn-cs"/>
-              </a:defRPr>
-            </a:lvl9pPr>
-          </a:lstStyle>
-          <a:p>
-            <a:pPr>
-              <a:buFont typeface="Wingdings" panose="05000000000000000000" pitchFamily="2" charset="2"/>
-              <a:buChar char="§"/>
-            </a:pPr>
-            <a:r>
-              <a:rPr lang="en-US" altLang="ko-KR" sz="2000" b="1" dirty="0" smtClean="0">
-                <a:solidFill>
-                  <a:srgbClr val="C00000"/>
-                </a:solidFill>
-              </a:rPr>
-              <a:t>if</a:t>
-            </a:r>
-            <a:r>
-              <a:rPr lang="ko-KR" altLang="en-US" sz="2000" b="1" dirty="0" smtClean="0">
-                <a:solidFill>
-                  <a:srgbClr val="C00000"/>
-                </a:solidFill>
-              </a:rPr>
-              <a:t>문</a:t>
-            </a:r>
-            <a:endParaRPr lang="en-US" altLang="ko-KR" sz="2000" dirty="0" smtClean="0">
-              <a:solidFill>
-                <a:srgbClr val="C00000"/>
-              </a:solidFill>
-            </a:endParaRPr>
-          </a:p>
-          <a:p>
-            <a:pPr marL="457200" lvl="1" indent="0">
-              <a:buNone/>
-            </a:pPr>
-            <a:r>
-              <a:rPr lang="en-US" altLang="ko-KR" sz="1800" dirty="0" smtClean="0"/>
-              <a:t>if(</a:t>
-            </a:r>
-            <a:r>
-              <a:rPr lang="ko-KR" altLang="en-US" sz="1800" dirty="0" err="1" smtClean="0"/>
-              <a:t>조건식</a:t>
-            </a:r>
-            <a:r>
-              <a:rPr lang="en-US" altLang="ko-KR" sz="1800" dirty="0" smtClean="0"/>
-              <a:t>){</a:t>
-            </a:r>
-          </a:p>
-          <a:p>
-            <a:pPr marL="457200" lvl="1" indent="0">
-              <a:buNone/>
-            </a:pPr>
-            <a:r>
-              <a:rPr lang="en-US" altLang="ko-KR" sz="1800" dirty="0"/>
-              <a:t> </a:t>
-            </a:r>
-            <a:r>
-              <a:rPr lang="en-US" altLang="ko-KR" sz="1800" dirty="0" smtClean="0"/>
-              <a:t>     </a:t>
-            </a:r>
-            <a:r>
-              <a:rPr lang="ko-KR" altLang="en-US" sz="1800" dirty="0" smtClean="0"/>
-              <a:t>조건식이 </a:t>
-            </a:r>
-            <a:r>
-              <a:rPr lang="en-US" altLang="ko-KR" sz="1800" dirty="0" smtClean="0"/>
-              <a:t>true </a:t>
-            </a:r>
-            <a:r>
-              <a:rPr lang="ko-KR" altLang="en-US" sz="1800" dirty="0" smtClean="0"/>
-              <a:t>이면 실행</a:t>
-            </a:r>
-            <a:endParaRPr lang="en-US" altLang="ko-KR" sz="1800" dirty="0" smtClean="0"/>
-          </a:p>
-          <a:p>
-            <a:pPr marL="457200" lvl="1" indent="0">
-              <a:buNone/>
-            </a:pPr>
-            <a:r>
-              <a:rPr lang="en-US" altLang="ko-KR" sz="1800" dirty="0" smtClean="0"/>
-              <a:t>}</a:t>
-            </a:r>
-          </a:p>
-          <a:p>
-            <a:pPr marL="457200" lvl="1" indent="0">
-              <a:buNone/>
-            </a:pPr>
-            <a:endParaRPr lang="en-US" altLang="ko-KR" sz="1800" dirty="0"/>
-          </a:p>
-          <a:p>
-            <a:pPr>
-              <a:buFont typeface="Wingdings" panose="05000000000000000000" pitchFamily="2" charset="2"/>
-              <a:buChar char="§"/>
-            </a:pPr>
-            <a:r>
-              <a:rPr lang="en-US" altLang="ko-KR" sz="2200" b="1" dirty="0">
-                <a:solidFill>
-                  <a:srgbClr val="C00000"/>
-                </a:solidFill>
-              </a:rPr>
-              <a:t>i</a:t>
-            </a:r>
-            <a:r>
-              <a:rPr lang="en-US" altLang="ko-KR" sz="2200" b="1" dirty="0" smtClean="0">
-                <a:solidFill>
-                  <a:srgbClr val="C00000"/>
-                </a:solidFill>
-              </a:rPr>
-              <a:t>f-else </a:t>
-            </a:r>
-            <a:r>
-              <a:rPr lang="ko-KR" altLang="en-US" sz="2200" b="1" dirty="0" smtClean="0">
-                <a:solidFill>
-                  <a:srgbClr val="C00000"/>
-                </a:solidFill>
-              </a:rPr>
-              <a:t>문</a:t>
-            </a:r>
-            <a:endParaRPr lang="en-US" altLang="ko-KR" sz="2200" b="1" dirty="0">
-              <a:solidFill>
-                <a:srgbClr val="C00000"/>
-              </a:solidFill>
-            </a:endParaRPr>
-          </a:p>
-          <a:p>
-            <a:pPr marL="457200" lvl="1" indent="0">
-              <a:buNone/>
-            </a:pPr>
-            <a:r>
-              <a:rPr lang="en-US" altLang="ko-KR" sz="2000" dirty="0" smtClean="0"/>
-              <a:t>if</a:t>
-            </a:r>
-            <a:r>
-              <a:rPr lang="en-US" altLang="ko-KR" sz="2000" dirty="0"/>
-              <a:t>(</a:t>
-            </a:r>
-            <a:r>
-              <a:rPr lang="ko-KR" altLang="en-US" sz="2000" dirty="0" err="1"/>
-              <a:t>조건식</a:t>
-            </a:r>
-            <a:r>
-              <a:rPr lang="en-US" altLang="ko-KR" sz="2000" dirty="0"/>
-              <a:t>){</a:t>
-            </a:r>
-          </a:p>
-          <a:p>
-            <a:pPr marL="457200" lvl="1" indent="0">
-              <a:buNone/>
-            </a:pPr>
-            <a:r>
-              <a:rPr lang="en-US" altLang="ko-KR" sz="2000" dirty="0"/>
-              <a:t>    </a:t>
-            </a:r>
-            <a:r>
-              <a:rPr lang="ko-KR" altLang="en-US" sz="2000" dirty="0"/>
-              <a:t>조건식이 </a:t>
-            </a:r>
-            <a:r>
-              <a:rPr lang="en-US" altLang="ko-KR" sz="2000" dirty="0"/>
-              <a:t>true </a:t>
-            </a:r>
-            <a:r>
-              <a:rPr lang="ko-KR" altLang="en-US" sz="2000" dirty="0"/>
-              <a:t>이면 </a:t>
-            </a:r>
-            <a:r>
-              <a:rPr lang="ko-KR" altLang="en-US" sz="2000" dirty="0" smtClean="0"/>
-              <a:t>실행</a:t>
-            </a:r>
-            <a:endParaRPr lang="en-US" altLang="ko-KR" sz="2000" dirty="0"/>
-          </a:p>
-          <a:p>
-            <a:pPr marL="457200" lvl="1" indent="0">
-              <a:buNone/>
-            </a:pPr>
-            <a:r>
-              <a:rPr lang="en-US" altLang="ko-KR" sz="2000" dirty="0" smtClean="0"/>
-              <a:t>}</a:t>
-            </a:r>
-          </a:p>
-          <a:p>
-            <a:pPr marL="457200" lvl="1" indent="0">
-              <a:buNone/>
-            </a:pPr>
-            <a:r>
-              <a:rPr lang="en-US" altLang="ko-KR" sz="2000" dirty="0"/>
-              <a:t>e</a:t>
-            </a:r>
-            <a:r>
-              <a:rPr lang="en-US" altLang="ko-KR" sz="2000" dirty="0" smtClean="0"/>
-              <a:t>lse{</a:t>
-            </a:r>
-          </a:p>
-          <a:p>
-            <a:pPr marL="457200" lvl="1" indent="0">
-              <a:buNone/>
-            </a:pPr>
-            <a:r>
-              <a:rPr lang="en-US" altLang="ko-KR" sz="2000" dirty="0"/>
-              <a:t> </a:t>
-            </a:r>
-            <a:r>
-              <a:rPr lang="en-US" altLang="ko-KR" sz="2000" dirty="0" smtClean="0"/>
-              <a:t>   </a:t>
-            </a:r>
-            <a:r>
-              <a:rPr lang="ko-KR" altLang="en-US" sz="2000" dirty="0"/>
-              <a:t>조건식이 </a:t>
-            </a:r>
-            <a:r>
-              <a:rPr lang="en-US" altLang="ko-KR" sz="2000" dirty="0" smtClean="0"/>
-              <a:t>false </a:t>
-            </a:r>
-            <a:r>
-              <a:rPr lang="ko-KR" altLang="en-US" sz="2000" dirty="0"/>
-              <a:t>이면 </a:t>
-            </a:r>
-            <a:r>
-              <a:rPr lang="ko-KR" altLang="en-US" sz="2000" dirty="0" smtClean="0"/>
-              <a:t>실행</a:t>
-            </a:r>
-            <a:endParaRPr lang="en-US" altLang="ko-KR" sz="2000" dirty="0" smtClean="0"/>
-          </a:p>
-          <a:p>
-            <a:pPr marL="457200" lvl="1" indent="0">
-              <a:buNone/>
-            </a:pPr>
-            <a:r>
-              <a:rPr lang="en-US" altLang="ko-KR" sz="2000" dirty="0"/>
-              <a:t>}</a:t>
-            </a:r>
-          </a:p>
-          <a:p>
-            <a:pPr marL="457200" lvl="1" indent="0">
-              <a:buNone/>
-            </a:pPr>
-            <a:endParaRPr lang="en-US" altLang="ko-KR" sz="2000" dirty="0"/>
-          </a:p>
-        </p:txBody>
-      </p:sp>
-    </p:spTree>
-    <p:extLst>
-      <p:ext uri="{BB962C8B-B14F-4D97-AF65-F5344CB8AC3E}">
-        <p14:creationId xmlns:p14="http://schemas.microsoft.com/office/powerpoint/2010/main" val="479919183"/>
-      </p:ext>
-    </p:extLst>
-  </p:cSld>
-  <p:clrMapOvr>
-    <a:masterClrMapping/>
-  </p:clrMapOvr>
-  <p:timing>
-    <p:tnLst>
-      <p:par>
-        <p:cTn id="1" dur="indefinite" restart="never" nodeType="tmRoot"/>
-      </p:par>
-    </p:tnLst>
-  </p:timing>
-</p:sld>
-</file>
-
-<file path=ppt/slides/slide30.xml><?xml version="1.0" encoding="utf-8"?>
-<p:sld xmlns:a="http://schemas.openxmlformats.org/drawingml/2006/main" xmlns:r="http://schemas.openxmlformats.org/officeDocument/2006/relationships" xmlns:p="http://schemas.openxmlformats.org/presentationml/2006/main">
-  <p:cSld>
-    <p:spTree>
-      <p:nvGrpSpPr>
-        <p:cNvPr id="1" name=""/>
-        <p:cNvGrpSpPr/>
-        <p:nvPr/>
-      </p:nvGrpSpPr>
-      <p:grpSpPr>
-        <a:xfrm>
-          <a:off x="0" y="0"/>
-          <a:ext cx="0" cy="0"/>
-          <a:chOff x="0" y="0"/>
-          <a:chExt cx="0" cy="0"/>
-        </a:xfrm>
-      </p:grpSpPr>
-      <p:sp>
-        <p:nvSpPr>
-          <p:cNvPr id="6" name="제목 5"/>
-          <p:cNvSpPr>
-            <a:spLocks noGrp="1"/>
-          </p:cNvSpPr>
-          <p:nvPr>
-            <p:ph type="title"/>
-          </p:nvPr>
-        </p:nvSpPr>
-        <p:spPr/>
-        <p:txBody>
-          <a:bodyPr/>
-          <a:lstStyle/>
-          <a:p>
-            <a:r>
-              <a:rPr lang="en-US" altLang="ko-KR" dirty="0" smtClean="0"/>
-              <a:t> </a:t>
-            </a:r>
-            <a:r>
-              <a:rPr lang="ko-KR" altLang="en-US" dirty="0" err="1" smtClean="0"/>
-              <a:t>반복문</a:t>
-            </a:r>
-            <a:r>
-              <a:rPr lang="en-US" altLang="ko-KR" dirty="0" smtClean="0"/>
-              <a:t>(for</a:t>
-            </a:r>
-            <a:r>
-              <a:rPr lang="ko-KR" altLang="en-US" dirty="0" smtClean="0"/>
-              <a:t>문</a:t>
-            </a:r>
-            <a:r>
-              <a:rPr lang="en-US" altLang="ko-KR" dirty="0" smtClean="0"/>
-              <a:t>)</a:t>
-            </a:r>
-            <a:endParaRPr lang="ko-KR" altLang="en-US" dirty="0"/>
-          </a:p>
-        </p:txBody>
-      </p:sp>
-      <p:sp>
-        <p:nvSpPr>
-          <p:cNvPr id="5" name="슬라이드 번호 개체 틀 4"/>
-          <p:cNvSpPr>
-            <a:spLocks noGrp="1"/>
-          </p:cNvSpPr>
-          <p:nvPr>
-            <p:ph type="sldNum" sz="quarter" idx="12"/>
-          </p:nvPr>
-        </p:nvSpPr>
-        <p:spPr/>
-        <p:txBody>
-          <a:bodyPr/>
-          <a:lstStyle/>
-          <a:p>
-            <a:fld id="{1BDE3FE7-3AEA-4B05-AC5A-802D1816ACF0}" type="slidenum">
-              <a:rPr lang="ko-KR" altLang="en-US" smtClean="0"/>
-              <a:t>30</a:t>
-            </a:fld>
-            <a:endParaRPr lang="ko-KR" altLang="en-US"/>
-          </a:p>
-        </p:txBody>
-      </p:sp>
-      <p:sp>
-        <p:nvSpPr>
-          <p:cNvPr id="7" name="내용 개체 틀 2">
-            <a:extLst>
-              <a:ext uri="{FF2B5EF4-FFF2-40B4-BE49-F238E27FC236}">
-                <a16:creationId xmlns:a16="http://schemas.microsoft.com/office/drawing/2014/main" xmlns="" id="{98AF3A4E-7D90-4241-89FE-799D6F9D5A94}"/>
+                <a16:creationId xmlns:a16="http://schemas.microsoft.com/office/drawing/2014/main" id="{98AF3A4E-7D90-4241-89FE-799D6F9D5A94}"/>
               </a:ext>
             </a:extLst>
           </p:cNvPr>
@@ -15646,7 +15836,7 @@
 </p:sld>
 </file>
 
-<file path=ppt/slides/slide31.xml><?xml version="1.0" encoding="utf-8"?>
+<file path=ppt/slides/slide33.xml><?xml version="1.0" encoding="utf-8"?>
 <p:sld xmlns:a="http://schemas.openxmlformats.org/drawingml/2006/main" xmlns:r="http://schemas.openxmlformats.org/officeDocument/2006/relationships" xmlns:p="http://schemas.openxmlformats.org/presentationml/2006/main">
   <p:cSld>
     <p:spTree>
@@ -15707,7 +15897,7 @@
           <a:p>
             <a:fld id="{1BDE3FE7-3AEA-4B05-AC5A-802D1816ACF0}" type="slidenum">
               <a:rPr lang="ko-KR" altLang="en-US" smtClean="0"/>
-              <a:t>31</a:t>
+              <a:t>33</a:t>
             </a:fld>
             <a:endParaRPr lang="ko-KR" altLang="en-US"/>
           </a:p>
@@ -15718,7 +15908,7 @@
           <p:cNvPr id="7" name="내용 개체 틀 2">
             <a:extLst>
               <a:ext uri="{FF2B5EF4-FFF2-40B4-BE49-F238E27FC236}">
-                <a16:creationId xmlns="" xmlns:a16="http://schemas.microsoft.com/office/drawing/2014/main" id="{98AF3A4E-7D90-4241-89FE-799D6F9D5A94}"/>
+                <a16:creationId xmlns:a16="http://schemas.microsoft.com/office/drawing/2014/main" id="{98AF3A4E-7D90-4241-89FE-799D6F9D5A94}"/>
               </a:ext>
             </a:extLst>
           </p:cNvPr>
@@ -16174,7 +16364,7 @@
 </p:sld>
 </file>
 
-<file path=ppt/slides/slide32.xml><?xml version="1.0" encoding="utf-8"?>
+<file path=ppt/slides/slide34.xml><?xml version="1.0" encoding="utf-8"?>
 <p:sld xmlns:a="http://schemas.openxmlformats.org/drawingml/2006/main" xmlns:r="http://schemas.openxmlformats.org/officeDocument/2006/relationships" xmlns:p="http://schemas.openxmlformats.org/presentationml/2006/main">
   <p:cSld>
     <p:spTree>
@@ -16238,7 +16428,7 @@
           <a:p>
             <a:fld id="{1BDE3FE7-3AEA-4B05-AC5A-802D1816ACF0}" type="slidenum">
               <a:rPr lang="ko-KR" altLang="en-US" smtClean="0"/>
-              <a:t>32</a:t>
+              <a:t>34</a:t>
             </a:fld>
             <a:endParaRPr lang="ko-KR" altLang="en-US"/>
           </a:p>
@@ -16249,7 +16439,7 @@
           <p:cNvPr id="7" name="내용 개체 틀 2">
             <a:extLst>
               <a:ext uri="{FF2B5EF4-FFF2-40B4-BE49-F238E27FC236}">
-                <a16:creationId xmlns="" xmlns:a16="http://schemas.microsoft.com/office/drawing/2014/main" id="{98AF3A4E-7D90-4241-89FE-799D6F9D5A94}"/>
+                <a16:creationId xmlns:a16="http://schemas.microsoft.com/office/drawing/2014/main" id="{98AF3A4E-7D90-4241-89FE-799D6F9D5A94}"/>
               </a:ext>
             </a:extLst>
           </p:cNvPr>
@@ -16548,7 +16738,7 @@
 </p:sld>
 </file>
 
-<file path=ppt/slides/slide33.xml><?xml version="1.0" encoding="utf-8"?>
+<file path=ppt/slides/slide35.xml><?xml version="1.0" encoding="utf-8"?>
 <p:sld xmlns:a="http://schemas.openxmlformats.org/drawingml/2006/main" xmlns:r="http://schemas.openxmlformats.org/officeDocument/2006/relationships" xmlns:p="http://schemas.openxmlformats.org/presentationml/2006/main">
   <p:cSld>
     <p:spTree>
@@ -16667,7 +16857,7 @@
           <a:p>
             <a:fld id="{1BDE3FE7-3AEA-4B05-AC5A-802D1816ACF0}" type="slidenum">
               <a:rPr lang="ko-KR" altLang="en-US" smtClean="0"/>
-              <a:t>33</a:t>
+              <a:t>35</a:t>
             </a:fld>
             <a:endParaRPr lang="ko-KR" altLang="en-US"/>
           </a:p>
@@ -16796,7 +16986,7 @@
           <p:cNvPr id="20" name="내용 개체 틀 2">
             <a:extLst>
               <a:ext uri="{FF2B5EF4-FFF2-40B4-BE49-F238E27FC236}">
-                <a16:creationId xmlns:a16="http://schemas.microsoft.com/office/drawing/2014/main" xmlns="" id="{98AF3A4E-7D90-4241-89FE-799D6F9D5A94}"/>
+                <a16:creationId xmlns:a16="http://schemas.microsoft.com/office/drawing/2014/main" id="{98AF3A4E-7D90-4241-89FE-799D6F9D5A94}"/>
               </a:ext>
             </a:extLst>
           </p:cNvPr>
@@ -17253,11 +17443,41 @@
                 <a:tableStyleId>{5940675A-B579-460E-94D1-54222C63F5DA}</a:tableStyleId>
               </a:tblPr>
               <a:tblGrid>
-                <a:gridCol w="475093"/>
-                <a:gridCol w="475093"/>
-                <a:gridCol w="475093"/>
-                <a:gridCol w="466075"/>
-                <a:gridCol w="466075"/>
+                <a:gridCol w="475093">
+                  <a:extLst>
+                    <a:ext uri="{9D8B030D-6E8A-4147-A177-3AD203B41FA5}">
+                      <a16:colId xmlns:a16="http://schemas.microsoft.com/office/drawing/2014/main" val="20000"/>
+                    </a:ext>
+                  </a:extLst>
+                </a:gridCol>
+                <a:gridCol w="475093">
+                  <a:extLst>
+                    <a:ext uri="{9D8B030D-6E8A-4147-A177-3AD203B41FA5}">
+                      <a16:colId xmlns:a16="http://schemas.microsoft.com/office/drawing/2014/main" val="20001"/>
+                    </a:ext>
+                  </a:extLst>
+                </a:gridCol>
+                <a:gridCol w="475093">
+                  <a:extLst>
+                    <a:ext uri="{9D8B030D-6E8A-4147-A177-3AD203B41FA5}">
+                      <a16:colId xmlns:a16="http://schemas.microsoft.com/office/drawing/2014/main" val="20002"/>
+                    </a:ext>
+                  </a:extLst>
+                </a:gridCol>
+                <a:gridCol w="466075">
+                  <a:extLst>
+                    <a:ext uri="{9D8B030D-6E8A-4147-A177-3AD203B41FA5}">
+                      <a16:colId xmlns:a16="http://schemas.microsoft.com/office/drawing/2014/main" val="20003"/>
+                    </a:ext>
+                  </a:extLst>
+                </a:gridCol>
+                <a:gridCol w="466075">
+                  <a:extLst>
+                    <a:ext uri="{9D8B030D-6E8A-4147-A177-3AD203B41FA5}">
+                      <a16:colId xmlns:a16="http://schemas.microsoft.com/office/drawing/2014/main" val="20004"/>
+                    </a:ext>
+                  </a:extLst>
+                </a:gridCol>
               </a:tblGrid>
               <a:tr h="306411">
                 <a:tc>
@@ -17315,6 +17535,11 @@
                   </a:txBody>
                   <a:tcPr/>
                 </a:tc>
+                <a:extLst>
+                  <a:ext uri="{0D108BD9-81ED-4DB2-BD59-A6C34878D82A}">
+                    <a16:rowId xmlns:a16="http://schemas.microsoft.com/office/drawing/2014/main" val="10000"/>
+                  </a:ext>
+                </a:extLst>
               </a:tr>
               <a:tr h="306411">
                 <a:tc>
@@ -17372,6 +17597,11 @@
                   </a:txBody>
                   <a:tcPr/>
                 </a:tc>
+                <a:extLst>
+                  <a:ext uri="{0D108BD9-81ED-4DB2-BD59-A6C34878D82A}">
+                    <a16:rowId xmlns:a16="http://schemas.microsoft.com/office/drawing/2014/main" val="10001"/>
+                  </a:ext>
+                </a:extLst>
               </a:tr>
               <a:tr h="306411">
                 <a:tc>
@@ -17429,6 +17659,11 @@
                   </a:txBody>
                   <a:tcPr/>
                 </a:tc>
+                <a:extLst>
+                  <a:ext uri="{0D108BD9-81ED-4DB2-BD59-A6C34878D82A}">
+                    <a16:rowId xmlns:a16="http://schemas.microsoft.com/office/drawing/2014/main" val="10002"/>
+                  </a:ext>
+                </a:extLst>
               </a:tr>
               <a:tr h="306411">
                 <a:tc>
@@ -17486,6 +17721,11 @@
                   </a:txBody>
                   <a:tcPr/>
                 </a:tc>
+                <a:extLst>
+                  <a:ext uri="{0D108BD9-81ED-4DB2-BD59-A6C34878D82A}">
+                    <a16:rowId xmlns:a16="http://schemas.microsoft.com/office/drawing/2014/main" val="10003"/>
+                  </a:ext>
+                </a:extLst>
               </a:tr>
               <a:tr h="306411">
                 <a:tc>
@@ -17543,6 +17783,11 @@
                   </a:txBody>
                   <a:tcPr/>
                 </a:tc>
+                <a:extLst>
+                  <a:ext uri="{0D108BD9-81ED-4DB2-BD59-A6C34878D82A}">
+                    <a16:rowId xmlns:a16="http://schemas.microsoft.com/office/drawing/2014/main" val="10004"/>
+                  </a:ext>
+                </a:extLst>
               </a:tr>
             </a:tbl>
           </a:graphicData>
@@ -17995,7 +18240,7 @@
 </p:sld>
 </file>
 
-<file path=ppt/slides/slide34.xml><?xml version="1.0" encoding="utf-8"?>
+<file path=ppt/slides/slide36.xml><?xml version="1.0" encoding="utf-8"?>
 <p:sld xmlns:a="http://schemas.openxmlformats.org/drawingml/2006/main" xmlns:r="http://schemas.openxmlformats.org/officeDocument/2006/relationships" xmlns:p="http://schemas.openxmlformats.org/presentationml/2006/main">
   <p:cSld>
     <p:spTree>
@@ -18076,7 +18321,7 @@
           <a:p>
             <a:fld id="{1BDE3FE7-3AEA-4B05-AC5A-802D1816ACF0}" type="slidenum">
               <a:rPr lang="ko-KR" altLang="en-US" smtClean="0"/>
-              <a:t>34</a:t>
+              <a:t>36</a:t>
             </a:fld>
             <a:endParaRPr lang="ko-KR" altLang="en-US"/>
           </a:p>
@@ -18087,7 +18332,7 @@
           <p:cNvPr id="20" name="내용 개체 틀 2">
             <a:extLst>
               <a:ext uri="{FF2B5EF4-FFF2-40B4-BE49-F238E27FC236}">
-                <a16:creationId xmlns:a16="http://schemas.microsoft.com/office/drawing/2014/main" xmlns="" id="{98AF3A4E-7D90-4241-89FE-799D6F9D5A94}"/>
+                <a16:creationId xmlns:a16="http://schemas.microsoft.com/office/drawing/2014/main" id="{98AF3A4E-7D90-4241-89FE-799D6F9D5A94}"/>
               </a:ext>
             </a:extLst>
           </p:cNvPr>
@@ -18586,7 +18831,7 @@
 </p:sld>
 </file>
 
-<file path=ppt/slides/slide35.xml><?xml version="1.0" encoding="utf-8"?>
+<file path=ppt/slides/slide37.xml><?xml version="1.0" encoding="utf-8"?>
 <p:sld xmlns:a="http://schemas.openxmlformats.org/drawingml/2006/main" xmlns:r="http://schemas.openxmlformats.org/officeDocument/2006/relationships" xmlns:p="http://schemas.openxmlformats.org/presentationml/2006/main">
   <p:cSld>
     <p:spTree>
@@ -18667,7 +18912,7 @@
           <a:p>
             <a:fld id="{1BDE3FE7-3AEA-4B05-AC5A-802D1816ACF0}" type="slidenum">
               <a:rPr lang="ko-KR" altLang="en-US" smtClean="0"/>
-              <a:t>35</a:t>
+              <a:t>37</a:t>
             </a:fld>
             <a:endParaRPr lang="ko-KR" altLang="en-US"/>
           </a:p>
@@ -18678,7 +18923,7 @@
           <p:cNvPr id="20" name="내용 개체 틀 2">
             <a:extLst>
               <a:ext uri="{FF2B5EF4-FFF2-40B4-BE49-F238E27FC236}">
-                <a16:creationId xmlns:a16="http://schemas.microsoft.com/office/drawing/2014/main" xmlns="" id="{98AF3A4E-7D90-4241-89FE-799D6F9D5A94}"/>
+                <a16:creationId xmlns:a16="http://schemas.microsoft.com/office/drawing/2014/main" id="{98AF3A4E-7D90-4241-89FE-799D6F9D5A94}"/>
               </a:ext>
             </a:extLst>
           </p:cNvPr>
@@ -19101,7 +19346,7 @@
 </p:sld>
 </file>
 
-<file path=ppt/slides/slide36.xml><?xml version="1.0" encoding="utf-8"?>
+<file path=ppt/slides/slide38.xml><?xml version="1.0" encoding="utf-8"?>
 <p:sld xmlns:a="http://schemas.openxmlformats.org/drawingml/2006/main" xmlns:r="http://schemas.openxmlformats.org/officeDocument/2006/relationships" xmlns:p="http://schemas.openxmlformats.org/presentationml/2006/main">
   <p:cSld>
     <p:spTree>
@@ -19174,7 +19419,7 @@
           <a:p>
             <a:fld id="{1BDE3FE7-3AEA-4B05-AC5A-802D1816ACF0}" type="slidenum">
               <a:rPr lang="ko-KR" altLang="en-US" smtClean="0"/>
-              <a:t>36</a:t>
+              <a:t>38</a:t>
             </a:fld>
             <a:endParaRPr lang="ko-KR" altLang="en-US"/>
           </a:p>
@@ -19185,7 +19430,7 @@
           <p:cNvPr id="7" name="내용 개체 틀 2">
             <a:extLst>
               <a:ext uri="{FF2B5EF4-FFF2-40B4-BE49-F238E27FC236}">
-                <a16:creationId xmlns:a16="http://schemas.microsoft.com/office/drawing/2014/main" xmlns="" id="{98AF3A4E-7D90-4241-89FE-799D6F9D5A94}"/>
+                <a16:creationId xmlns:a16="http://schemas.microsoft.com/office/drawing/2014/main" id="{98AF3A4E-7D90-4241-89FE-799D6F9D5A94}"/>
               </a:ext>
             </a:extLst>
           </p:cNvPr>
@@ -19751,7 +19996,7 @@
 </p:sld>
 </file>
 
-<file path=ppt/slides/slide37.xml><?xml version="1.0" encoding="utf-8"?>
+<file path=ppt/slides/slide39.xml><?xml version="1.0" encoding="utf-8"?>
 <p:sld xmlns:a="http://schemas.openxmlformats.org/drawingml/2006/main" xmlns:r="http://schemas.openxmlformats.org/officeDocument/2006/relationships" xmlns:p="http://schemas.openxmlformats.org/presentationml/2006/main">
   <p:cSld>
     <p:spTree>
@@ -19820,7 +20065,7 @@
           <a:p>
             <a:fld id="{1BDE3FE7-3AEA-4B05-AC5A-802D1816ACF0}" type="slidenum">
               <a:rPr lang="ko-KR" altLang="en-US" smtClean="0"/>
-              <a:t>37</a:t>
+              <a:t>39</a:t>
             </a:fld>
             <a:endParaRPr lang="ko-KR" altLang="en-US"/>
           </a:p>
@@ -19831,7 +20076,7 @@
           <p:cNvPr id="7" name="내용 개체 틀 2">
             <a:extLst>
               <a:ext uri="{FF2B5EF4-FFF2-40B4-BE49-F238E27FC236}">
-                <a16:creationId xmlns="" xmlns:a16="http://schemas.microsoft.com/office/drawing/2014/main" id="{98AF3A4E-7D90-4241-89FE-799D6F9D5A94}"/>
+                <a16:creationId xmlns:a16="http://schemas.microsoft.com/office/drawing/2014/main" id="{98AF3A4E-7D90-4241-89FE-799D6F9D5A94}"/>
               </a:ext>
             </a:extLst>
           </p:cNvPr>
@@ -20376,7 +20621,7 @@
 </p:sld>
 </file>
 
-<file path=ppt/slides/slide38.xml><?xml version="1.0" encoding="utf-8"?>
+<file path=ppt/slides/slide4.xml><?xml version="1.0" encoding="utf-8"?>
 <p:sld xmlns:a="http://schemas.openxmlformats.org/drawingml/2006/main" xmlns:r="http://schemas.openxmlformats.org/officeDocument/2006/relationships" xmlns:p="http://schemas.openxmlformats.org/presentationml/2006/main">
   <p:cSld>
     <p:spTree>
@@ -20410,7 +20655,15 @@
           <a:p>
             <a:r>
               <a:rPr lang="en-US" altLang="ko-KR" dirty="0" smtClean="0"/>
-              <a:t> break</a:t>
+              <a:t> </a:t>
+            </a:r>
+            <a:r>
+              <a:rPr lang="ko-KR" altLang="en-US" dirty="0" err="1" smtClean="0"/>
+              <a:t>조건문</a:t>
+            </a:r>
+            <a:r>
+              <a:rPr lang="en-US" altLang="ko-KR" dirty="0" smtClean="0"/>
+              <a:t>(if</a:t>
             </a:r>
             <a:r>
               <a:rPr lang="ko-KR" altLang="en-US" dirty="0" smtClean="0"/>
@@ -20418,11 +20671,7 @@
             </a:r>
             <a:r>
               <a:rPr lang="en-US" altLang="ko-KR" dirty="0" smtClean="0"/>
-              <a:t> </a:t>
-            </a:r>
-            <a:r>
-              <a:rPr lang="ko-KR" altLang="en-US" dirty="0" smtClean="0"/>
-              <a:t>예제</a:t>
+              <a:t>)</a:t>
             </a:r>
             <a:endParaRPr lang="ko-KR" altLang="en-US" dirty="0"/>
           </a:p>
@@ -20445,7 +20694,139 @@
           <a:p>
             <a:fld id="{1BDE3FE7-3AEA-4B05-AC5A-802D1816ACF0}" type="slidenum">
               <a:rPr lang="ko-KR" altLang="en-US" smtClean="0"/>
-              <a:t>38</a:t>
+              <a:t>4</a:t>
+            </a:fld>
+            <a:endParaRPr lang="ko-KR" altLang="en-US"/>
+          </a:p>
+        </p:txBody>
+      </p:sp>
+      <p:pic>
+        <p:nvPicPr>
+          <p:cNvPr id="2" name="그림 1"/>
+          <p:cNvPicPr>
+            <a:picLocks noChangeAspect="1"/>
+          </p:cNvPicPr>
+          <p:nvPr/>
+        </p:nvPicPr>
+        <p:blipFill>
+          <a:blip r:embed="rId2">
+            <a:extLst>
+              <a:ext uri="{28A0092B-C50C-407E-A947-70E740481C1C}">
+                <a14:useLocalDpi xmlns:a14="http://schemas.microsoft.com/office/drawing/2010/main" val="0"/>
+              </a:ext>
+            </a:extLst>
+          </a:blip>
+          <a:stretch>
+            <a:fillRect/>
+          </a:stretch>
+        </p:blipFill>
+        <p:spPr>
+          <a:xfrm>
+            <a:off x="1371288" y="1772816"/>
+            <a:ext cx="7163421" cy="3124471"/>
+          </a:xfrm>
+          <a:prstGeom prst="rect">
+            <a:avLst/>
+          </a:prstGeom>
+          <a:ln>
+            <a:solidFill>
+              <a:schemeClr val="bg1">
+                <a:lumMod val="85000"/>
+              </a:schemeClr>
+            </a:solidFill>
+          </a:ln>
+        </p:spPr>
+      </p:pic>
+    </p:spTree>
+    <p:extLst>
+      <p:ext uri="{BB962C8B-B14F-4D97-AF65-F5344CB8AC3E}">
+        <p14:creationId xmlns:p14="http://schemas.microsoft.com/office/powerpoint/2010/main" val="67559803"/>
+      </p:ext>
+    </p:extLst>
+  </p:cSld>
+  <p:clrMapOvr>
+    <a:masterClrMapping/>
+  </p:clrMapOvr>
+  <p:timing>
+    <p:tnLst>
+      <p:par>
+        <p:cTn id="1" dur="indefinite" restart="never" nodeType="tmRoot"/>
+      </p:par>
+    </p:tnLst>
+  </p:timing>
+</p:sld>
+</file>
+
+<file path=ppt/slides/slide40.xml><?xml version="1.0" encoding="utf-8"?>
+<p:sld xmlns:a="http://schemas.openxmlformats.org/drawingml/2006/main" xmlns:r="http://schemas.openxmlformats.org/officeDocument/2006/relationships" xmlns:p="http://schemas.openxmlformats.org/presentationml/2006/main">
+  <p:cSld>
+    <p:spTree>
+      <p:nvGrpSpPr>
+        <p:cNvPr id="1" name=""/>
+        <p:cNvGrpSpPr/>
+        <p:nvPr/>
+      </p:nvGrpSpPr>
+      <p:grpSpPr>
+        <a:xfrm>
+          <a:off x="0" y="0"/>
+          <a:ext cx="0" cy="0"/>
+          <a:chOff x="0" y="0"/>
+          <a:chExt cx="0" cy="0"/>
+        </a:xfrm>
+      </p:grpSpPr>
+      <p:sp>
+        <p:nvSpPr>
+          <p:cNvPr id="6" name="제목 5"/>
+          <p:cNvSpPr>
+            <a:spLocks noGrp="1"/>
+          </p:cNvSpPr>
+          <p:nvPr>
+            <p:ph type="title"/>
+          </p:nvPr>
+        </p:nvSpPr>
+        <p:spPr/>
+        <p:txBody>
+          <a:bodyPr/>
+          <a:lstStyle/>
+          <a:p>
+            <a:r>
+              <a:rPr lang="en-US" altLang="ko-KR" dirty="0" smtClean="0"/>
+              <a:t> break</a:t>
+            </a:r>
+            <a:r>
+              <a:rPr lang="ko-KR" altLang="en-US" dirty="0" smtClean="0"/>
+              <a:t>문</a:t>
+            </a:r>
+            <a:r>
+              <a:rPr lang="en-US" altLang="ko-KR" dirty="0" smtClean="0"/>
+              <a:t> </a:t>
+            </a:r>
+            <a:r>
+              <a:rPr lang="ko-KR" altLang="en-US" dirty="0" smtClean="0"/>
+              <a:t>예제</a:t>
+            </a:r>
+            <a:endParaRPr lang="ko-KR" altLang="en-US" dirty="0"/>
+          </a:p>
+        </p:txBody>
+      </p:sp>
+      <p:sp>
+        <p:nvSpPr>
+          <p:cNvPr id="5" name="슬라이드 번호 개체 틀 4"/>
+          <p:cNvSpPr>
+            <a:spLocks noGrp="1"/>
+          </p:cNvSpPr>
+          <p:nvPr>
+            <p:ph type="sldNum" sz="quarter" idx="12"/>
+          </p:nvPr>
+        </p:nvSpPr>
+        <p:spPr/>
+        <p:txBody>
+          <a:bodyPr/>
+          <a:lstStyle/>
+          <a:p>
+            <a:fld id="{1BDE3FE7-3AEA-4B05-AC5A-802D1816ACF0}" type="slidenum">
+              <a:rPr lang="ko-KR" altLang="en-US" smtClean="0"/>
+              <a:t>40</a:t>
             </a:fld>
             <a:endParaRPr lang="ko-KR" altLang="en-US"/>
           </a:p>
@@ -20640,7 +21021,7 @@
 </p:sld>
 </file>
 
-<file path=ppt/slides/slide39.xml><?xml version="1.0" encoding="utf-8"?>
+<file path=ppt/slides/slide41.xml><?xml version="1.0" encoding="utf-8"?>
 <p:sld xmlns:a="http://schemas.openxmlformats.org/drawingml/2006/main" xmlns:r="http://schemas.openxmlformats.org/officeDocument/2006/relationships" xmlns:p="http://schemas.openxmlformats.org/presentationml/2006/main">
   <p:cSld>
     <p:spTree>
@@ -20701,7 +21082,7 @@
           <a:p>
             <a:fld id="{1BDE3FE7-3AEA-4B05-AC5A-802D1816ACF0}" type="slidenum">
               <a:rPr lang="ko-KR" altLang="en-US" smtClean="0"/>
-              <a:t>39</a:t>
+              <a:t>41</a:t>
             </a:fld>
             <a:endParaRPr lang="ko-KR" altLang="en-US"/>
           </a:p>
@@ -20712,7 +21093,7 @@
           <p:cNvPr id="7" name="내용 개체 틀 2">
             <a:extLst>
               <a:ext uri="{FF2B5EF4-FFF2-40B4-BE49-F238E27FC236}">
-                <a16:creationId xmlns:a16="http://schemas.microsoft.com/office/drawing/2014/main" xmlns="" id="{98AF3A4E-7D90-4241-89FE-799D6F9D5A94}"/>
+                <a16:creationId xmlns:a16="http://schemas.microsoft.com/office/drawing/2014/main" id="{98AF3A4E-7D90-4241-89FE-799D6F9D5A94}"/>
               </a:ext>
             </a:extLst>
           </p:cNvPr>
@@ -21373,7 +21754,7 @@
 </p:sld>
 </file>
 
-<file path=ppt/slides/slide4.xml><?xml version="1.0" encoding="utf-8"?>
+<file path=ppt/slides/slide42.xml><?xml version="1.0" encoding="utf-8"?>
 <p:sld xmlns:a="http://schemas.openxmlformats.org/drawingml/2006/main" xmlns:r="http://schemas.openxmlformats.org/officeDocument/2006/relationships" xmlns:p="http://schemas.openxmlformats.org/presentationml/2006/main">
   <p:cSld>
     <p:spTree>
@@ -21407,23 +21788,11 @@
           <a:p>
             <a:r>
               <a:rPr lang="en-US" altLang="ko-KR" dirty="0" smtClean="0"/>
-              <a:t> </a:t>
-            </a:r>
-            <a:r>
-              <a:rPr lang="ko-KR" altLang="en-US" dirty="0" err="1" smtClean="0"/>
-              <a:t>조건문</a:t>
-            </a:r>
-            <a:r>
-              <a:rPr lang="en-US" altLang="ko-KR" dirty="0" smtClean="0"/>
-              <a:t>(if</a:t>
+              <a:t> continue</a:t>
             </a:r>
             <a:r>
               <a:rPr lang="ko-KR" altLang="en-US" dirty="0" smtClean="0"/>
               <a:t>문</a:t>
-            </a:r>
-            <a:r>
-              <a:rPr lang="en-US" altLang="ko-KR" dirty="0" smtClean="0"/>
-              <a:t>)</a:t>
             </a:r>
             <a:endParaRPr lang="ko-KR" altLang="en-US" dirty="0"/>
           </a:p>
@@ -21446,131 +21815,7 @@
           <a:p>
             <a:fld id="{1BDE3FE7-3AEA-4B05-AC5A-802D1816ACF0}" type="slidenum">
               <a:rPr lang="ko-KR" altLang="en-US" smtClean="0"/>
-              <a:t>4</a:t>
-            </a:fld>
-            <a:endParaRPr lang="ko-KR" altLang="en-US"/>
-          </a:p>
-        </p:txBody>
-      </p:sp>
-      <p:pic>
-        <p:nvPicPr>
-          <p:cNvPr id="2" name="그림 1"/>
-          <p:cNvPicPr>
-            <a:picLocks noChangeAspect="1"/>
-          </p:cNvPicPr>
-          <p:nvPr/>
-        </p:nvPicPr>
-        <p:blipFill>
-          <a:blip r:embed="rId2">
-            <a:extLst>
-              <a:ext uri="{28A0092B-C50C-407E-A947-70E740481C1C}">
-                <a14:useLocalDpi xmlns:a14="http://schemas.microsoft.com/office/drawing/2010/main" val="0"/>
-              </a:ext>
-            </a:extLst>
-          </a:blip>
-          <a:stretch>
-            <a:fillRect/>
-          </a:stretch>
-        </p:blipFill>
-        <p:spPr>
-          <a:xfrm>
-            <a:off x="1371288" y="1772816"/>
-            <a:ext cx="7163421" cy="3124471"/>
-          </a:xfrm>
-          <a:prstGeom prst="rect">
-            <a:avLst/>
-          </a:prstGeom>
-          <a:ln>
-            <a:solidFill>
-              <a:schemeClr val="bg1">
-                <a:lumMod val="85000"/>
-              </a:schemeClr>
-            </a:solidFill>
-          </a:ln>
-        </p:spPr>
-      </p:pic>
-    </p:spTree>
-    <p:extLst>
-      <p:ext uri="{BB962C8B-B14F-4D97-AF65-F5344CB8AC3E}">
-        <p14:creationId xmlns:p14="http://schemas.microsoft.com/office/powerpoint/2010/main" val="67559803"/>
-      </p:ext>
-    </p:extLst>
-  </p:cSld>
-  <p:clrMapOvr>
-    <a:masterClrMapping/>
-  </p:clrMapOvr>
-  <p:timing>
-    <p:tnLst>
-      <p:par>
-        <p:cTn id="1" dur="indefinite" restart="never" nodeType="tmRoot"/>
-      </p:par>
-    </p:tnLst>
-  </p:timing>
-</p:sld>
-</file>
-
-<file path=ppt/slides/slide40.xml><?xml version="1.0" encoding="utf-8"?>
-<p:sld xmlns:a="http://schemas.openxmlformats.org/drawingml/2006/main" xmlns:r="http://schemas.openxmlformats.org/officeDocument/2006/relationships" xmlns:p="http://schemas.openxmlformats.org/presentationml/2006/main">
-  <p:cSld>
-    <p:spTree>
-      <p:nvGrpSpPr>
-        <p:cNvPr id="1" name=""/>
-        <p:cNvGrpSpPr/>
-        <p:nvPr/>
-      </p:nvGrpSpPr>
-      <p:grpSpPr>
-        <a:xfrm>
-          <a:off x="0" y="0"/>
-          <a:ext cx="0" cy="0"/>
-          <a:chOff x="0" y="0"/>
-          <a:chExt cx="0" cy="0"/>
-        </a:xfrm>
-      </p:grpSpPr>
-      <p:sp>
-        <p:nvSpPr>
-          <p:cNvPr id="6" name="제목 5"/>
-          <p:cNvSpPr>
-            <a:spLocks noGrp="1"/>
-          </p:cNvSpPr>
-          <p:nvPr>
-            <p:ph type="title"/>
-          </p:nvPr>
-        </p:nvSpPr>
-        <p:spPr/>
-        <p:txBody>
-          <a:bodyPr/>
-          <a:lstStyle/>
-          <a:p>
-            <a:r>
-              <a:rPr lang="en-US" altLang="ko-KR" dirty="0" smtClean="0"/>
-              <a:t> continue</a:t>
-            </a:r>
-            <a:r>
-              <a:rPr lang="ko-KR" altLang="en-US" dirty="0" smtClean="0"/>
-              <a:t>문</a:t>
-            </a:r>
-            <a:endParaRPr lang="ko-KR" altLang="en-US" dirty="0"/>
-          </a:p>
-        </p:txBody>
-      </p:sp>
-      <p:sp>
-        <p:nvSpPr>
-          <p:cNvPr id="5" name="슬라이드 번호 개체 틀 4"/>
-          <p:cNvSpPr>
-            <a:spLocks noGrp="1"/>
-          </p:cNvSpPr>
-          <p:nvPr>
-            <p:ph type="sldNum" sz="quarter" idx="12"/>
-          </p:nvPr>
-        </p:nvSpPr>
-        <p:spPr/>
-        <p:txBody>
-          <a:bodyPr/>
-          <a:lstStyle/>
-          <a:p>
-            <a:fld id="{1BDE3FE7-3AEA-4B05-AC5A-802D1816ACF0}" type="slidenum">
-              <a:rPr lang="ko-KR" altLang="en-US" smtClean="0"/>
-              <a:t>40</a:t>
+              <a:t>42</a:t>
             </a:fld>
             <a:endParaRPr lang="ko-KR" altLang="en-US"/>
           </a:p>
@@ -21581,7 +21826,7 @@
           <p:cNvPr id="8" name="내용 개체 틀 2">
             <a:extLst>
               <a:ext uri="{FF2B5EF4-FFF2-40B4-BE49-F238E27FC236}">
-                <a16:creationId xmlns:a16="http://schemas.microsoft.com/office/drawing/2014/main" xmlns="" id="{98AF3A4E-7D90-4241-89FE-799D6F9D5A94}"/>
+                <a16:creationId xmlns:a16="http://schemas.microsoft.com/office/drawing/2014/main" id="{98AF3A4E-7D90-4241-89FE-799D6F9D5A94}"/>
               </a:ext>
             </a:extLst>
           </p:cNvPr>
@@ -22023,7 +22268,7 @@
 </p:sld>
 </file>
 
-<file path=ppt/slides/slide41.xml><?xml version="1.0" encoding="utf-8"?>
+<file path=ppt/slides/slide43.xml><?xml version="1.0" encoding="utf-8"?>
 <p:sld xmlns:a="http://schemas.openxmlformats.org/drawingml/2006/main" xmlns:r="http://schemas.openxmlformats.org/officeDocument/2006/relationships" xmlns:p="http://schemas.openxmlformats.org/presentationml/2006/main">
   <p:cSld>
     <p:spTree>
@@ -22096,7 +22341,7 @@
           <a:p>
             <a:fld id="{1BDE3FE7-3AEA-4B05-AC5A-802D1816ACF0}" type="slidenum">
               <a:rPr lang="ko-KR" altLang="en-US" smtClean="0"/>
-              <a:t>41</a:t>
+              <a:t>43</a:t>
             </a:fld>
             <a:endParaRPr lang="ko-KR" altLang="en-US"/>
           </a:p>
@@ -22107,7 +22352,7 @@
           <p:cNvPr id="7" name="내용 개체 틀 2">
             <a:extLst>
               <a:ext uri="{FF2B5EF4-FFF2-40B4-BE49-F238E27FC236}">
-                <a16:creationId xmlns:a16="http://schemas.microsoft.com/office/drawing/2014/main" xmlns="" id="{98AF3A4E-7D90-4241-89FE-799D6F9D5A94}"/>
+                <a16:creationId xmlns:a16="http://schemas.microsoft.com/office/drawing/2014/main" id="{98AF3A4E-7D90-4241-89FE-799D6F9D5A94}"/>
               </a:ext>
             </a:extLst>
           </p:cNvPr>
@@ -22512,7 +22757,7 @@
 </p:sld>
 </file>
 
-<file path=ppt/slides/slide42.xml><?xml version="1.0" encoding="utf-8"?>
+<file path=ppt/slides/slide44.xml><?xml version="1.0" encoding="utf-8"?>
 <p:sld xmlns:a="http://schemas.openxmlformats.org/drawingml/2006/main" xmlns:r="http://schemas.openxmlformats.org/officeDocument/2006/relationships" xmlns:p="http://schemas.openxmlformats.org/presentationml/2006/main">
   <p:cSld>
     <p:spTree>
@@ -22716,7 +22961,7 @@
 </p:sld>
 </file>
 
-<file path=ppt/slides/slide43.xml><?xml version="1.0" encoding="utf-8"?>
+<file path=ppt/slides/slide45.xml><?xml version="1.0" encoding="utf-8"?>
 <p:sld xmlns:a="http://schemas.openxmlformats.org/drawingml/2006/main" xmlns:r="http://schemas.openxmlformats.org/officeDocument/2006/relationships" xmlns:p="http://schemas.openxmlformats.org/presentationml/2006/main">
   <p:cSld>
     <p:spTree>
@@ -23369,14 +23614,14 @@
                 <a:gridCol w="1584176">
                   <a:extLst>
                     <a:ext uri="{9D8B030D-6E8A-4147-A177-3AD203B41FA5}">
-                      <a16:colId xmlns:a16="http://schemas.microsoft.com/office/drawing/2014/main" xmlns="" val="20000"/>
+                      <a16:colId xmlns:a16="http://schemas.microsoft.com/office/drawing/2014/main" val="20000"/>
                     </a:ext>
                   </a:extLst>
                 </a:gridCol>
                 <a:gridCol w="1584176">
                   <a:extLst>
                     <a:ext uri="{9D8B030D-6E8A-4147-A177-3AD203B41FA5}">
-                      <a16:colId xmlns:a16="http://schemas.microsoft.com/office/drawing/2014/main" xmlns="" val="20001"/>
+                      <a16:colId xmlns:a16="http://schemas.microsoft.com/office/drawing/2014/main" val="20001"/>
                     </a:ext>
                   </a:extLst>
                 </a:gridCol>
@@ -23432,7 +23677,7 @@
                 </a:tc>
                 <a:extLst>
                   <a:ext uri="{0D108BD9-81ED-4DB2-BD59-A6C34878D82A}">
-                    <a16:rowId xmlns:a16="http://schemas.microsoft.com/office/drawing/2014/main" xmlns="" val="10000"/>
+                    <a16:rowId xmlns:a16="http://schemas.microsoft.com/office/drawing/2014/main" val="10000"/>
                   </a:ext>
                 </a:extLst>
               </a:tr>
@@ -23485,7 +23730,7 @@
                 </a:tc>
                 <a:extLst>
                   <a:ext uri="{0D108BD9-81ED-4DB2-BD59-A6C34878D82A}">
-                    <a16:rowId xmlns:a16="http://schemas.microsoft.com/office/drawing/2014/main" xmlns="" val="10001"/>
+                    <a16:rowId xmlns:a16="http://schemas.microsoft.com/office/drawing/2014/main" val="10001"/>
                   </a:ext>
                 </a:extLst>
               </a:tr>
@@ -23534,7 +23779,7 @@
                 </a:tc>
                 <a:extLst>
                   <a:ext uri="{0D108BD9-81ED-4DB2-BD59-A6C34878D82A}">
-                    <a16:rowId xmlns:a16="http://schemas.microsoft.com/office/drawing/2014/main" xmlns="" val="10002"/>
+                    <a16:rowId xmlns:a16="http://schemas.microsoft.com/office/drawing/2014/main" val="10002"/>
                   </a:ext>
                 </a:extLst>
               </a:tr>
@@ -23591,7 +23836,7 @@
                 </a:tc>
                 <a:extLst>
                   <a:ext uri="{0D108BD9-81ED-4DB2-BD59-A6C34878D82A}">
-                    <a16:rowId xmlns:a16="http://schemas.microsoft.com/office/drawing/2014/main" xmlns="" val="10003"/>
+                    <a16:rowId xmlns:a16="http://schemas.microsoft.com/office/drawing/2014/main" val="10003"/>
                   </a:ext>
                 </a:extLst>
               </a:tr>
@@ -23655,7 +23900,7 @@
                 </a:tc>
                 <a:extLst>
                   <a:ext uri="{0D108BD9-81ED-4DB2-BD59-A6C34878D82A}">
-                    <a16:rowId xmlns:a16="http://schemas.microsoft.com/office/drawing/2014/main" xmlns="" val="10004"/>
+                    <a16:rowId xmlns:a16="http://schemas.microsoft.com/office/drawing/2014/main" val="10004"/>
                   </a:ext>
                 </a:extLst>
               </a:tr>
@@ -24066,7 +24311,7 @@
           <p:cNvPr id="7" name="내용 개체 틀 2">
             <a:extLst>
               <a:ext uri="{FF2B5EF4-FFF2-40B4-BE49-F238E27FC236}">
-                <a16:creationId xmlns:a16="http://schemas.microsoft.com/office/drawing/2014/main" xmlns="" id="{98AF3A4E-7D90-4241-89FE-799D6F9D5A94}"/>
+                <a16:creationId xmlns:a16="http://schemas.microsoft.com/office/drawing/2014/main" id="{98AF3A4E-7D90-4241-89FE-799D6F9D5A94}"/>
               </a:ext>
             </a:extLst>
           </p:cNvPr>
@@ -24751,7 +24996,7 @@
           <p:cNvPr id="7" name="내용 개체 틀 2">
             <a:extLst>
               <a:ext uri="{FF2B5EF4-FFF2-40B4-BE49-F238E27FC236}">
-                <a16:creationId xmlns:a16="http://schemas.microsoft.com/office/drawing/2014/main" xmlns="" id="{98AF3A4E-7D90-4241-89FE-799D6F9D5A94}"/>
+                <a16:creationId xmlns:a16="http://schemas.microsoft.com/office/drawing/2014/main" id="{98AF3A4E-7D90-4241-89FE-799D6F9D5A94}"/>
               </a:ext>
             </a:extLst>
           </p:cNvPr>

--- a/javaWorks/자료/java_ppt/3장-제어문(조건, 반복).pptx
+++ b/javaWorks/자료/java_ppt/3장-제어문(조건, 반복).pptx
@@ -5,7 +5,7 @@
     <p:sldMasterId id="2147483648" r:id="rId1"/>
   </p:sldMasterIdLst>
   <p:notesMasterIdLst>
-    <p:notesMasterId r:id="rId47"/>
+    <p:notesMasterId r:id="rId48"/>
   </p:notesMasterIdLst>
   <p:sldIdLst>
     <p:sldId id="256" r:id="rId2"/>
@@ -35,24 +35,25 @@
     <p:sldId id="353" r:id="rId26"/>
     <p:sldId id="354" r:id="rId27"/>
     <p:sldId id="342" r:id="rId28"/>
-    <p:sldId id="343" r:id="rId29"/>
-    <p:sldId id="344" r:id="rId30"/>
-    <p:sldId id="345" r:id="rId31"/>
-    <p:sldId id="302" r:id="rId32"/>
-    <p:sldId id="308" r:id="rId33"/>
-    <p:sldId id="322" r:id="rId34"/>
-    <p:sldId id="323" r:id="rId35"/>
-    <p:sldId id="328" r:id="rId36"/>
-    <p:sldId id="304" r:id="rId37"/>
-    <p:sldId id="334" r:id="rId38"/>
-    <p:sldId id="352" r:id="rId39"/>
-    <p:sldId id="307" r:id="rId40"/>
-    <p:sldId id="359" r:id="rId41"/>
-    <p:sldId id="305" r:id="rId42"/>
-    <p:sldId id="330" r:id="rId43"/>
-    <p:sldId id="356" r:id="rId44"/>
-    <p:sldId id="341" r:id="rId45"/>
-    <p:sldId id="349" r:id="rId46"/>
+    <p:sldId id="367" r:id="rId29"/>
+    <p:sldId id="343" r:id="rId30"/>
+    <p:sldId id="344" r:id="rId31"/>
+    <p:sldId id="345" r:id="rId32"/>
+    <p:sldId id="302" r:id="rId33"/>
+    <p:sldId id="308" r:id="rId34"/>
+    <p:sldId id="322" r:id="rId35"/>
+    <p:sldId id="323" r:id="rId36"/>
+    <p:sldId id="328" r:id="rId37"/>
+    <p:sldId id="304" r:id="rId38"/>
+    <p:sldId id="334" r:id="rId39"/>
+    <p:sldId id="352" r:id="rId40"/>
+    <p:sldId id="307" r:id="rId41"/>
+    <p:sldId id="359" r:id="rId42"/>
+    <p:sldId id="305" r:id="rId43"/>
+    <p:sldId id="330" r:id="rId44"/>
+    <p:sldId id="356" r:id="rId45"/>
+    <p:sldId id="341" r:id="rId46"/>
+    <p:sldId id="349" r:id="rId47"/>
   </p:sldIdLst>
   <p:sldSz cx="9906000" cy="6858000" type="A4"/>
   <p:notesSz cx="6858000" cy="9144000"/>
@@ -10520,15 +10521,7 @@
             </a:r>
             <a:r>
               <a:rPr lang="ko-KR" altLang="en-US" sz="1800" dirty="0" smtClean="0"/>
-              <a:t>문을 만나면 더 </a:t>
-            </a:r>
-            <a:r>
-              <a:rPr lang="ko-KR" altLang="en-US" sz="1800" dirty="0" smtClean="0"/>
-              <a:t>이상 </a:t>
-            </a:r>
-            <a:r>
-              <a:rPr lang="ko-KR" altLang="en-US" sz="1800" dirty="0" smtClean="0"/>
-              <a:t>반복을 수행하지 않고 </a:t>
+              <a:t>문을 만나면 더 이상 반복을 수행하지 않고 </a:t>
             </a:r>
             <a:r>
               <a:rPr lang="ko-KR" altLang="en-US" sz="1800" dirty="0" err="1" smtClean="0"/>
@@ -10558,11 +10551,7 @@
             </a:r>
             <a:r>
               <a:rPr lang="ko-KR" altLang="en-US" sz="1800" dirty="0" smtClean="0"/>
-              <a:t>빠져 </a:t>
-            </a:r>
-            <a:r>
-              <a:rPr lang="ko-KR" altLang="en-US" sz="1800" dirty="0" smtClean="0"/>
-              <a:t>나옴 </a:t>
+              <a:t>빠져 나옴 </a:t>
             </a:r>
             <a:endParaRPr lang="en-US" altLang="ko-KR" sz="1800" dirty="0" smtClean="0"/>
           </a:p>
@@ -12159,13 +12148,18 @@
               <a:t> </a:t>
             </a:r>
             <a:r>
+              <a:rPr lang="ko-KR" altLang="en-US" dirty="0"/>
+              <a:t> </a:t>
+            </a:r>
+            <a:r>
+              <a:rPr lang="en-US" altLang="ko-KR" dirty="0" smtClean="0"/>
+              <a:t>Integer </a:t>
+            </a:r>
+            <a:r>
               <a:rPr lang="ko-KR" altLang="en-US" dirty="0" smtClean="0"/>
-              <a:t>은행 업무 프로그</a:t>
-            </a:r>
-            <a:r>
-              <a:rPr lang="ko-KR" altLang="en-US" dirty="0"/>
-              <a:t>램</a:t>
-            </a:r>
+              <a:t>클래스</a:t>
+            </a:r>
+            <a:endParaRPr lang="ko-KR" altLang="en-US" dirty="0"/>
           </a:p>
         </p:txBody>
       </p:sp>
@@ -12187,6 +12181,361 @@
             <a:fld id="{1BDE3FE7-3AEA-4B05-AC5A-802D1816ACF0}" type="slidenum">
               <a:rPr lang="ko-KR" altLang="en-US" smtClean="0"/>
               <a:t>27</a:t>
+            </a:fld>
+            <a:endParaRPr lang="ko-KR" altLang="en-US"/>
+          </a:p>
+        </p:txBody>
+      </p:sp>
+      <p:pic>
+        <p:nvPicPr>
+          <p:cNvPr id="3" name="그림 2"/>
+          <p:cNvPicPr>
+            <a:picLocks noChangeAspect="1"/>
+          </p:cNvPicPr>
+          <p:nvPr/>
+        </p:nvPicPr>
+        <p:blipFill>
+          <a:blip r:embed="rId2">
+            <a:extLst>
+              <a:ext uri="{28A0092B-C50C-407E-A947-70E740481C1C}">
+                <a14:useLocalDpi xmlns:a14="http://schemas.microsoft.com/office/drawing/2010/main" val="0"/>
+              </a:ext>
+            </a:extLst>
+          </a:blip>
+          <a:stretch>
+            <a:fillRect/>
+          </a:stretch>
+        </p:blipFill>
+        <p:spPr>
+          <a:xfrm>
+            <a:off x="1496616" y="2060848"/>
+            <a:ext cx="6264183" cy="3010161"/>
+          </a:xfrm>
+          <a:prstGeom prst="rect">
+            <a:avLst/>
+          </a:prstGeom>
+          <a:ln>
+            <a:solidFill>
+              <a:schemeClr val="bg1">
+                <a:lumMod val="85000"/>
+              </a:schemeClr>
+            </a:solidFill>
+          </a:ln>
+        </p:spPr>
+      </p:pic>
+      <p:sp>
+        <p:nvSpPr>
+          <p:cNvPr id="7" name="내용 개체 틀 2">
+            <a:extLst>
+              <a:ext uri="{FF2B5EF4-FFF2-40B4-BE49-F238E27FC236}">
+                <a16:creationId xmlns:a16="http://schemas.microsoft.com/office/drawing/2014/main" id="{98AF3A4E-7D90-4241-89FE-799D6F9D5A94}"/>
+              </a:ext>
+            </a:extLst>
+          </p:cNvPr>
+          <p:cNvSpPr txBox="1">
+            <a:spLocks/>
+          </p:cNvSpPr>
+          <p:nvPr/>
+        </p:nvSpPr>
+        <p:spPr>
+          <a:xfrm>
+            <a:off x="1208584" y="1292259"/>
+            <a:ext cx="5976664" cy="408549"/>
+          </a:xfrm>
+          <a:prstGeom prst="rect">
+            <a:avLst/>
+          </a:prstGeom>
+        </p:spPr>
+        <p:txBody>
+          <a:bodyPr/>
+          <a:lstStyle>
+            <a:lvl1pPr marL="228600" indent="-228600" algn="l" defTabSz="914400" rtl="0" eaLnBrk="1" latinLnBrk="1" hangingPunct="1">
+              <a:lnSpc>
+                <a:spcPct val="90000"/>
+              </a:lnSpc>
+              <a:spcBef>
+                <a:spcPts val="1000"/>
+              </a:spcBef>
+              <a:buFont typeface="Arial" panose="020B0604020202020204" pitchFamily="34" charset="0"/>
+              <a:buChar char="•"/>
+              <a:defRPr sz="2800" kern="1200">
+                <a:solidFill>
+                  <a:schemeClr val="tx1"/>
+                </a:solidFill>
+                <a:latin typeface="+mn-lt"/>
+                <a:ea typeface="+mn-ea"/>
+                <a:cs typeface="+mn-cs"/>
+              </a:defRPr>
+            </a:lvl1pPr>
+            <a:lvl2pPr marL="685800" indent="-228600" algn="l" defTabSz="914400" rtl="0" eaLnBrk="1" latinLnBrk="1" hangingPunct="1">
+              <a:lnSpc>
+                <a:spcPct val="90000"/>
+              </a:lnSpc>
+              <a:spcBef>
+                <a:spcPts val="500"/>
+              </a:spcBef>
+              <a:buFont typeface="Arial" panose="020B0604020202020204" pitchFamily="34" charset="0"/>
+              <a:buChar char="•"/>
+              <a:defRPr sz="2400" kern="1200">
+                <a:solidFill>
+                  <a:schemeClr val="tx1"/>
+                </a:solidFill>
+                <a:latin typeface="+mn-lt"/>
+                <a:ea typeface="+mn-ea"/>
+                <a:cs typeface="+mn-cs"/>
+              </a:defRPr>
+            </a:lvl2pPr>
+            <a:lvl3pPr marL="1143000" indent="-228600" algn="l" defTabSz="914400" rtl="0" eaLnBrk="1" latinLnBrk="1" hangingPunct="1">
+              <a:lnSpc>
+                <a:spcPct val="90000"/>
+              </a:lnSpc>
+              <a:spcBef>
+                <a:spcPts val="500"/>
+              </a:spcBef>
+              <a:buFont typeface="Arial" panose="020B0604020202020204" pitchFamily="34" charset="0"/>
+              <a:buChar char="•"/>
+              <a:defRPr sz="2000" kern="1200">
+                <a:solidFill>
+                  <a:schemeClr val="tx1"/>
+                </a:solidFill>
+                <a:latin typeface="+mn-lt"/>
+                <a:ea typeface="+mn-ea"/>
+                <a:cs typeface="+mn-cs"/>
+              </a:defRPr>
+            </a:lvl3pPr>
+            <a:lvl4pPr marL="1600200" indent="-228600" algn="l" defTabSz="914400" rtl="0" eaLnBrk="1" latinLnBrk="1" hangingPunct="1">
+              <a:lnSpc>
+                <a:spcPct val="90000"/>
+              </a:lnSpc>
+              <a:spcBef>
+                <a:spcPts val="500"/>
+              </a:spcBef>
+              <a:buFont typeface="Arial" panose="020B0604020202020204" pitchFamily="34" charset="0"/>
+              <a:buChar char="•"/>
+              <a:defRPr sz="1800" kern="1200">
+                <a:solidFill>
+                  <a:schemeClr val="tx1"/>
+                </a:solidFill>
+                <a:latin typeface="+mn-lt"/>
+                <a:ea typeface="+mn-ea"/>
+                <a:cs typeface="+mn-cs"/>
+              </a:defRPr>
+            </a:lvl4pPr>
+            <a:lvl5pPr marL="2057400" indent="-228600" algn="l" defTabSz="914400" rtl="0" eaLnBrk="1" latinLnBrk="1" hangingPunct="1">
+              <a:lnSpc>
+                <a:spcPct val="90000"/>
+              </a:lnSpc>
+              <a:spcBef>
+                <a:spcPts val="500"/>
+              </a:spcBef>
+              <a:buFont typeface="Arial" panose="020B0604020202020204" pitchFamily="34" charset="0"/>
+              <a:buChar char="•"/>
+              <a:defRPr sz="1800" kern="1200">
+                <a:solidFill>
+                  <a:schemeClr val="tx1"/>
+                </a:solidFill>
+                <a:latin typeface="+mn-lt"/>
+                <a:ea typeface="+mn-ea"/>
+                <a:cs typeface="+mn-cs"/>
+              </a:defRPr>
+            </a:lvl5pPr>
+            <a:lvl6pPr marL="2514600" indent="-228600" algn="l" defTabSz="914400" rtl="0" eaLnBrk="1" latinLnBrk="1" hangingPunct="1">
+              <a:lnSpc>
+                <a:spcPct val="90000"/>
+              </a:lnSpc>
+              <a:spcBef>
+                <a:spcPts val="500"/>
+              </a:spcBef>
+              <a:buFont typeface="Arial" panose="020B0604020202020204" pitchFamily="34" charset="0"/>
+              <a:buChar char="•"/>
+              <a:defRPr sz="1800" kern="1200">
+                <a:solidFill>
+                  <a:schemeClr val="tx1"/>
+                </a:solidFill>
+                <a:latin typeface="+mn-lt"/>
+                <a:ea typeface="+mn-ea"/>
+                <a:cs typeface="+mn-cs"/>
+              </a:defRPr>
+            </a:lvl6pPr>
+            <a:lvl7pPr marL="2971800" indent="-228600" algn="l" defTabSz="914400" rtl="0" eaLnBrk="1" latinLnBrk="1" hangingPunct="1">
+              <a:lnSpc>
+                <a:spcPct val="90000"/>
+              </a:lnSpc>
+              <a:spcBef>
+                <a:spcPts val="500"/>
+              </a:spcBef>
+              <a:buFont typeface="Arial" panose="020B0604020202020204" pitchFamily="34" charset="0"/>
+              <a:buChar char="•"/>
+              <a:defRPr sz="1800" kern="1200">
+                <a:solidFill>
+                  <a:schemeClr val="tx1"/>
+                </a:solidFill>
+                <a:latin typeface="+mn-lt"/>
+                <a:ea typeface="+mn-ea"/>
+                <a:cs typeface="+mn-cs"/>
+              </a:defRPr>
+            </a:lvl7pPr>
+            <a:lvl8pPr marL="3429000" indent="-228600" algn="l" defTabSz="914400" rtl="0" eaLnBrk="1" latinLnBrk="1" hangingPunct="1">
+              <a:lnSpc>
+                <a:spcPct val="90000"/>
+              </a:lnSpc>
+              <a:spcBef>
+                <a:spcPts val="500"/>
+              </a:spcBef>
+              <a:buFont typeface="Arial" panose="020B0604020202020204" pitchFamily="34" charset="0"/>
+              <a:buChar char="•"/>
+              <a:defRPr sz="1800" kern="1200">
+                <a:solidFill>
+                  <a:schemeClr val="tx1"/>
+                </a:solidFill>
+                <a:latin typeface="+mn-lt"/>
+                <a:ea typeface="+mn-ea"/>
+                <a:cs typeface="+mn-cs"/>
+              </a:defRPr>
+            </a:lvl8pPr>
+            <a:lvl9pPr marL="3886200" indent="-228600" algn="l" defTabSz="914400" rtl="0" eaLnBrk="1" latinLnBrk="1" hangingPunct="1">
+              <a:lnSpc>
+                <a:spcPct val="90000"/>
+              </a:lnSpc>
+              <a:spcBef>
+                <a:spcPts val="500"/>
+              </a:spcBef>
+              <a:buFont typeface="Arial" panose="020B0604020202020204" pitchFamily="34" charset="0"/>
+              <a:buChar char="•"/>
+              <a:defRPr sz="1800" kern="1200">
+                <a:solidFill>
+                  <a:schemeClr val="tx1"/>
+                </a:solidFill>
+                <a:latin typeface="+mn-lt"/>
+                <a:ea typeface="+mn-ea"/>
+                <a:cs typeface="+mn-cs"/>
+              </a:defRPr>
+            </a:lvl9pPr>
+          </a:lstStyle>
+          <a:p>
+            <a:pPr>
+              <a:buFont typeface="Wingdings" panose="05000000000000000000" pitchFamily="2" charset="2"/>
+              <a:buChar char="§"/>
+            </a:pPr>
+            <a:r>
+              <a:rPr lang="en-US" altLang="ko-KR" sz="2000" b="1" dirty="0" err="1" smtClean="0"/>
+              <a:t>Integer.parseInt</a:t>
+            </a:r>
+            <a:r>
+              <a:rPr lang="en-US" altLang="ko-KR" sz="2000" b="1" dirty="0" smtClean="0"/>
+              <a:t>(</a:t>
+            </a:r>
+            <a:r>
+              <a:rPr lang="ko-KR" altLang="en-US" sz="2000" b="1" dirty="0" smtClean="0"/>
+              <a:t>문자</a:t>
+            </a:r>
+            <a:r>
+              <a:rPr lang="en-US" altLang="ko-KR" sz="2000" b="1" dirty="0" smtClean="0"/>
+              <a:t>) – </a:t>
+            </a:r>
+            <a:r>
+              <a:rPr lang="ko-KR" altLang="en-US" sz="2000" b="1" dirty="0" smtClean="0"/>
+              <a:t>숫자로 변환    </a:t>
+            </a:r>
+            <a:endParaRPr lang="en-US" altLang="ko-KR" sz="2000" b="1" dirty="0" smtClean="0"/>
+          </a:p>
+          <a:p>
+            <a:pPr marL="457200" lvl="1" indent="0">
+              <a:buNone/>
+            </a:pPr>
+            <a:r>
+              <a:rPr lang="ko-KR" altLang="en-US" b="1" dirty="0" smtClean="0"/>
+              <a:t> </a:t>
+            </a:r>
+            <a:endParaRPr lang="en-US" altLang="ko-KR" b="1" dirty="0"/>
+          </a:p>
+        </p:txBody>
+      </p:sp>
+    </p:spTree>
+    <p:extLst>
+      <p:ext uri="{BB962C8B-B14F-4D97-AF65-F5344CB8AC3E}">
+        <p14:creationId xmlns:p14="http://schemas.microsoft.com/office/powerpoint/2010/main" val="896507871"/>
+      </p:ext>
+    </p:extLst>
+  </p:cSld>
+  <p:clrMapOvr>
+    <a:masterClrMapping/>
+  </p:clrMapOvr>
+  <p:timing>
+    <p:tnLst>
+      <p:par>
+        <p:cTn id="1" dur="indefinite" restart="never" nodeType="tmRoot"/>
+      </p:par>
+    </p:tnLst>
+  </p:timing>
+</p:sld>
+</file>
+
+<file path=ppt/slides/slide28.xml><?xml version="1.0" encoding="utf-8"?>
+<p:sld xmlns:a="http://schemas.openxmlformats.org/drawingml/2006/main" xmlns:r="http://schemas.openxmlformats.org/officeDocument/2006/relationships" xmlns:p="http://schemas.openxmlformats.org/presentationml/2006/main">
+  <p:cSld>
+    <p:spTree>
+      <p:nvGrpSpPr>
+        <p:cNvPr id="1" name=""/>
+        <p:cNvGrpSpPr/>
+        <p:nvPr/>
+      </p:nvGrpSpPr>
+      <p:grpSpPr>
+        <a:xfrm>
+          <a:off x="0" y="0"/>
+          <a:ext cx="0" cy="0"/>
+          <a:chOff x="0" y="0"/>
+          <a:chExt cx="0" cy="0"/>
+        </a:xfrm>
+      </p:grpSpPr>
+      <p:sp>
+        <p:nvSpPr>
+          <p:cNvPr id="6" name="제목 5"/>
+          <p:cNvSpPr>
+            <a:spLocks noGrp="1"/>
+          </p:cNvSpPr>
+          <p:nvPr>
+            <p:ph type="title"/>
+          </p:nvPr>
+        </p:nvSpPr>
+        <p:spPr/>
+        <p:txBody>
+          <a:bodyPr/>
+          <a:lstStyle/>
+          <a:p>
+            <a:r>
+              <a:rPr lang="en-US" altLang="ko-KR" dirty="0" smtClean="0"/>
+              <a:t> </a:t>
+            </a:r>
+            <a:r>
+              <a:rPr lang="ko-KR" altLang="en-US" dirty="0" smtClean="0"/>
+              <a:t>은행 업무 프로그</a:t>
+            </a:r>
+            <a:r>
+              <a:rPr lang="ko-KR" altLang="en-US" dirty="0"/>
+              <a:t>램</a:t>
+            </a:r>
+          </a:p>
+        </p:txBody>
+      </p:sp>
+      <p:sp>
+        <p:nvSpPr>
+          <p:cNvPr id="5" name="슬라이드 번호 개체 틀 4"/>
+          <p:cNvSpPr>
+            <a:spLocks noGrp="1"/>
+          </p:cNvSpPr>
+          <p:nvPr>
+            <p:ph type="sldNum" sz="quarter" idx="12"/>
+          </p:nvPr>
+        </p:nvSpPr>
+        <p:spPr/>
+        <p:txBody>
+          <a:bodyPr/>
+          <a:lstStyle/>
+          <a:p>
+            <a:fld id="{1BDE3FE7-3AEA-4B05-AC5A-802D1816ACF0}" type="slidenum">
+              <a:rPr lang="ko-KR" altLang="en-US" smtClean="0"/>
+              <a:t>28</a:t>
             </a:fld>
             <a:endParaRPr lang="ko-KR" altLang="en-US"/>
           </a:p>
@@ -12332,335 +12681,7 @@
     </p:spTree>
     <p:extLst>
       <p:ext uri="{BB962C8B-B14F-4D97-AF65-F5344CB8AC3E}">
-        <p14:creationId xmlns:p14="http://schemas.microsoft.com/office/powerpoint/2010/main" val="896507871"/>
-      </p:ext>
-    </p:extLst>
-  </p:cSld>
-  <p:clrMapOvr>
-    <a:masterClrMapping/>
-  </p:clrMapOvr>
-  <p:timing>
-    <p:tnLst>
-      <p:par>
-        <p:cTn id="1" dur="indefinite" restart="never" nodeType="tmRoot"/>
-      </p:par>
-    </p:tnLst>
-  </p:timing>
-</p:sld>
-</file>
-
-<file path=ppt/slides/slide28.xml><?xml version="1.0" encoding="utf-8"?>
-<p:sld xmlns:a="http://schemas.openxmlformats.org/drawingml/2006/main" xmlns:r="http://schemas.openxmlformats.org/officeDocument/2006/relationships" xmlns:p="http://schemas.openxmlformats.org/presentationml/2006/main">
-  <p:cSld>
-    <p:spTree>
-      <p:nvGrpSpPr>
-        <p:cNvPr id="1" name=""/>
-        <p:cNvGrpSpPr/>
-        <p:nvPr/>
-      </p:nvGrpSpPr>
-      <p:grpSpPr>
-        <a:xfrm>
-          <a:off x="0" y="0"/>
-          <a:ext cx="0" cy="0"/>
-          <a:chOff x="0" y="0"/>
-          <a:chExt cx="0" cy="0"/>
-        </a:xfrm>
-      </p:grpSpPr>
-      <p:sp>
-        <p:nvSpPr>
-          <p:cNvPr id="6" name="제목 5"/>
-          <p:cNvSpPr>
-            <a:spLocks noGrp="1"/>
-          </p:cNvSpPr>
-          <p:nvPr>
-            <p:ph type="title"/>
-          </p:nvPr>
-        </p:nvSpPr>
-        <p:spPr/>
-        <p:txBody>
-          <a:bodyPr/>
-          <a:lstStyle/>
-          <a:p>
-            <a:r>
-              <a:rPr lang="en-US" altLang="ko-KR" dirty="0" smtClean="0"/>
-              <a:t> </a:t>
-            </a:r>
-            <a:r>
-              <a:rPr lang="ko-KR" altLang="en-US" dirty="0" smtClean="0"/>
-              <a:t>은행 업무 프로그</a:t>
-            </a:r>
-            <a:r>
-              <a:rPr lang="ko-KR" altLang="en-US" dirty="0"/>
-              <a:t>램</a:t>
-            </a:r>
-          </a:p>
-        </p:txBody>
-      </p:sp>
-      <p:sp>
-        <p:nvSpPr>
-          <p:cNvPr id="5" name="슬라이드 번호 개체 틀 4"/>
-          <p:cNvSpPr>
-            <a:spLocks noGrp="1"/>
-          </p:cNvSpPr>
-          <p:nvPr>
-            <p:ph type="sldNum" sz="quarter" idx="12"/>
-          </p:nvPr>
-        </p:nvSpPr>
-        <p:spPr/>
-        <p:txBody>
-          <a:bodyPr/>
-          <a:lstStyle/>
-          <a:p>
-            <a:fld id="{1BDE3FE7-3AEA-4B05-AC5A-802D1816ACF0}" type="slidenum">
-              <a:rPr lang="ko-KR" altLang="en-US" smtClean="0"/>
-              <a:t>28</a:t>
-            </a:fld>
-            <a:endParaRPr lang="ko-KR" altLang="en-US"/>
-          </a:p>
-        </p:txBody>
-      </p:sp>
-      <p:sp>
-        <p:nvSpPr>
-          <p:cNvPr id="7" name="내용 개체 틀 2">
-            <a:extLst>
-              <a:ext uri="{FF2B5EF4-FFF2-40B4-BE49-F238E27FC236}">
-                <a16:creationId xmlns:a16="http://schemas.microsoft.com/office/drawing/2014/main" id="{98AF3A4E-7D90-4241-89FE-799D6F9D5A94}"/>
-              </a:ext>
-            </a:extLst>
-          </p:cNvPr>
-          <p:cNvSpPr txBox="1">
-            <a:spLocks/>
-          </p:cNvSpPr>
-          <p:nvPr/>
-        </p:nvSpPr>
-        <p:spPr>
-          <a:xfrm>
-            <a:off x="416496" y="1268760"/>
-            <a:ext cx="2376264" cy="508633"/>
-          </a:xfrm>
-          <a:prstGeom prst="rect">
-            <a:avLst/>
-          </a:prstGeom>
-        </p:spPr>
-        <p:txBody>
-          <a:bodyPr/>
-          <a:lstStyle>
-            <a:lvl1pPr marL="228600" indent="-228600" algn="l" defTabSz="914400" rtl="0" eaLnBrk="1" latinLnBrk="1" hangingPunct="1">
-              <a:lnSpc>
-                <a:spcPct val="90000"/>
-              </a:lnSpc>
-              <a:spcBef>
-                <a:spcPts val="1000"/>
-              </a:spcBef>
-              <a:buFont typeface="Arial" panose="020B0604020202020204" pitchFamily="34" charset="0"/>
-              <a:buChar char="•"/>
-              <a:defRPr sz="2800" kern="1200">
-                <a:solidFill>
-                  <a:schemeClr val="tx1"/>
-                </a:solidFill>
-                <a:latin typeface="+mn-lt"/>
-                <a:ea typeface="+mn-ea"/>
-                <a:cs typeface="+mn-cs"/>
-              </a:defRPr>
-            </a:lvl1pPr>
-            <a:lvl2pPr marL="685800" indent="-228600" algn="l" defTabSz="914400" rtl="0" eaLnBrk="1" latinLnBrk="1" hangingPunct="1">
-              <a:lnSpc>
-                <a:spcPct val="90000"/>
-              </a:lnSpc>
-              <a:spcBef>
-                <a:spcPts val="500"/>
-              </a:spcBef>
-              <a:buFont typeface="Arial" panose="020B0604020202020204" pitchFamily="34" charset="0"/>
-              <a:buChar char="•"/>
-              <a:defRPr sz="2400" kern="1200">
-                <a:solidFill>
-                  <a:schemeClr val="tx1"/>
-                </a:solidFill>
-                <a:latin typeface="+mn-lt"/>
-                <a:ea typeface="+mn-ea"/>
-                <a:cs typeface="+mn-cs"/>
-              </a:defRPr>
-            </a:lvl2pPr>
-            <a:lvl3pPr marL="1143000" indent="-228600" algn="l" defTabSz="914400" rtl="0" eaLnBrk="1" latinLnBrk="1" hangingPunct="1">
-              <a:lnSpc>
-                <a:spcPct val="90000"/>
-              </a:lnSpc>
-              <a:spcBef>
-                <a:spcPts val="500"/>
-              </a:spcBef>
-              <a:buFont typeface="Arial" panose="020B0604020202020204" pitchFamily="34" charset="0"/>
-              <a:buChar char="•"/>
-              <a:defRPr sz="2000" kern="1200">
-                <a:solidFill>
-                  <a:schemeClr val="tx1"/>
-                </a:solidFill>
-                <a:latin typeface="+mn-lt"/>
-                <a:ea typeface="+mn-ea"/>
-                <a:cs typeface="+mn-cs"/>
-              </a:defRPr>
-            </a:lvl3pPr>
-            <a:lvl4pPr marL="1600200" indent="-228600" algn="l" defTabSz="914400" rtl="0" eaLnBrk="1" latinLnBrk="1" hangingPunct="1">
-              <a:lnSpc>
-                <a:spcPct val="90000"/>
-              </a:lnSpc>
-              <a:spcBef>
-                <a:spcPts val="500"/>
-              </a:spcBef>
-              <a:buFont typeface="Arial" panose="020B0604020202020204" pitchFamily="34" charset="0"/>
-              <a:buChar char="•"/>
-              <a:defRPr sz="1800" kern="1200">
-                <a:solidFill>
-                  <a:schemeClr val="tx1"/>
-                </a:solidFill>
-                <a:latin typeface="+mn-lt"/>
-                <a:ea typeface="+mn-ea"/>
-                <a:cs typeface="+mn-cs"/>
-              </a:defRPr>
-            </a:lvl4pPr>
-            <a:lvl5pPr marL="2057400" indent="-228600" algn="l" defTabSz="914400" rtl="0" eaLnBrk="1" latinLnBrk="1" hangingPunct="1">
-              <a:lnSpc>
-                <a:spcPct val="90000"/>
-              </a:lnSpc>
-              <a:spcBef>
-                <a:spcPts val="500"/>
-              </a:spcBef>
-              <a:buFont typeface="Arial" panose="020B0604020202020204" pitchFamily="34" charset="0"/>
-              <a:buChar char="•"/>
-              <a:defRPr sz="1800" kern="1200">
-                <a:solidFill>
-                  <a:schemeClr val="tx1"/>
-                </a:solidFill>
-                <a:latin typeface="+mn-lt"/>
-                <a:ea typeface="+mn-ea"/>
-                <a:cs typeface="+mn-cs"/>
-              </a:defRPr>
-            </a:lvl5pPr>
-            <a:lvl6pPr marL="2514600" indent="-228600" algn="l" defTabSz="914400" rtl="0" eaLnBrk="1" latinLnBrk="1" hangingPunct="1">
-              <a:lnSpc>
-                <a:spcPct val="90000"/>
-              </a:lnSpc>
-              <a:spcBef>
-                <a:spcPts val="500"/>
-              </a:spcBef>
-              <a:buFont typeface="Arial" panose="020B0604020202020204" pitchFamily="34" charset="0"/>
-              <a:buChar char="•"/>
-              <a:defRPr sz="1800" kern="1200">
-                <a:solidFill>
-                  <a:schemeClr val="tx1"/>
-                </a:solidFill>
-                <a:latin typeface="+mn-lt"/>
-                <a:ea typeface="+mn-ea"/>
-                <a:cs typeface="+mn-cs"/>
-              </a:defRPr>
-            </a:lvl6pPr>
-            <a:lvl7pPr marL="2971800" indent="-228600" algn="l" defTabSz="914400" rtl="0" eaLnBrk="1" latinLnBrk="1" hangingPunct="1">
-              <a:lnSpc>
-                <a:spcPct val="90000"/>
-              </a:lnSpc>
-              <a:spcBef>
-                <a:spcPts val="500"/>
-              </a:spcBef>
-              <a:buFont typeface="Arial" panose="020B0604020202020204" pitchFamily="34" charset="0"/>
-              <a:buChar char="•"/>
-              <a:defRPr sz="1800" kern="1200">
-                <a:solidFill>
-                  <a:schemeClr val="tx1"/>
-                </a:solidFill>
-                <a:latin typeface="+mn-lt"/>
-                <a:ea typeface="+mn-ea"/>
-                <a:cs typeface="+mn-cs"/>
-              </a:defRPr>
-            </a:lvl7pPr>
-            <a:lvl8pPr marL="3429000" indent="-228600" algn="l" defTabSz="914400" rtl="0" eaLnBrk="1" latinLnBrk="1" hangingPunct="1">
-              <a:lnSpc>
-                <a:spcPct val="90000"/>
-              </a:lnSpc>
-              <a:spcBef>
-                <a:spcPts val="500"/>
-              </a:spcBef>
-              <a:buFont typeface="Arial" panose="020B0604020202020204" pitchFamily="34" charset="0"/>
-              <a:buChar char="•"/>
-              <a:defRPr sz="1800" kern="1200">
-                <a:solidFill>
-                  <a:schemeClr val="tx1"/>
-                </a:solidFill>
-                <a:latin typeface="+mn-lt"/>
-                <a:ea typeface="+mn-ea"/>
-                <a:cs typeface="+mn-cs"/>
-              </a:defRPr>
-            </a:lvl8pPr>
-            <a:lvl9pPr marL="3886200" indent="-228600" algn="l" defTabSz="914400" rtl="0" eaLnBrk="1" latinLnBrk="1" hangingPunct="1">
-              <a:lnSpc>
-                <a:spcPct val="90000"/>
-              </a:lnSpc>
-              <a:spcBef>
-                <a:spcPts val="500"/>
-              </a:spcBef>
-              <a:buFont typeface="Arial" panose="020B0604020202020204" pitchFamily="34" charset="0"/>
-              <a:buChar char="•"/>
-              <a:defRPr sz="1800" kern="1200">
-                <a:solidFill>
-                  <a:schemeClr val="tx1"/>
-                </a:solidFill>
-                <a:latin typeface="+mn-lt"/>
-                <a:ea typeface="+mn-ea"/>
-                <a:cs typeface="+mn-cs"/>
-              </a:defRPr>
-            </a:lvl9pPr>
-          </a:lstStyle>
-          <a:p>
-            <a:pPr>
-              <a:buFont typeface="Wingdings" panose="05000000000000000000" pitchFamily="2" charset="2"/>
-              <a:buChar char="§"/>
-            </a:pPr>
-            <a:r>
-              <a:rPr lang="en-US" altLang="ko-KR" sz="1800" dirty="0" smtClean="0"/>
-              <a:t>BankSwitch.java</a:t>
-            </a:r>
-          </a:p>
-        </p:txBody>
-      </p:sp>
-      <p:pic>
-        <p:nvPicPr>
-          <p:cNvPr id="3" name="그림 2"/>
-          <p:cNvPicPr>
-            <a:picLocks noChangeAspect="1"/>
-          </p:cNvPicPr>
-          <p:nvPr/>
-        </p:nvPicPr>
-        <p:blipFill>
-          <a:blip r:embed="rId2">
-            <a:extLst>
-              <a:ext uri="{28A0092B-C50C-407E-A947-70E740481C1C}">
-                <a14:useLocalDpi xmlns:a14="http://schemas.microsoft.com/office/drawing/2010/main" val="0"/>
-              </a:ext>
-            </a:extLst>
-          </a:blip>
-          <a:stretch>
-            <a:fillRect/>
-          </a:stretch>
-        </p:blipFill>
-        <p:spPr>
-          <a:xfrm>
-            <a:off x="3152800" y="908720"/>
-            <a:ext cx="4968552" cy="5433143"/>
-          </a:xfrm>
-          <a:prstGeom prst="rect">
-            <a:avLst/>
-          </a:prstGeom>
-          <a:ln>
-            <a:solidFill>
-              <a:schemeClr val="bg1">
-                <a:lumMod val="85000"/>
-              </a:schemeClr>
-            </a:solidFill>
-          </a:ln>
-        </p:spPr>
-      </p:pic>
-    </p:spTree>
-    <p:extLst>
-      <p:ext uri="{BB962C8B-B14F-4D97-AF65-F5344CB8AC3E}">
-        <p14:creationId xmlns:p14="http://schemas.microsoft.com/office/powerpoint/2010/main" val="3962887099"/>
+        <p14:creationId xmlns:p14="http://schemas.microsoft.com/office/powerpoint/2010/main" val="3499587416"/>
       </p:ext>
     </p:extLst>
   </p:cSld>
@@ -12747,211 +12768,6 @@
           </a:p>
         </p:txBody>
       </p:sp>
-      <p:sp>
-        <p:nvSpPr>
-          <p:cNvPr id="7" name="내용 개체 틀 2">
-            <a:extLst>
-              <a:ext uri="{FF2B5EF4-FFF2-40B4-BE49-F238E27FC236}">
-                <a16:creationId xmlns:a16="http://schemas.microsoft.com/office/drawing/2014/main" id="{98AF3A4E-7D90-4241-89FE-799D6F9D5A94}"/>
-              </a:ext>
-            </a:extLst>
-          </p:cNvPr>
-          <p:cNvSpPr txBox="1">
-            <a:spLocks/>
-          </p:cNvSpPr>
-          <p:nvPr/>
-        </p:nvSpPr>
-        <p:spPr>
-          <a:xfrm>
-            <a:off x="632520" y="1916832"/>
-            <a:ext cx="2903741" cy="508633"/>
-          </a:xfrm>
-          <a:prstGeom prst="rect">
-            <a:avLst/>
-          </a:prstGeom>
-        </p:spPr>
-        <p:txBody>
-          <a:bodyPr/>
-          <a:lstStyle>
-            <a:lvl1pPr marL="228600" indent="-228600" algn="l" defTabSz="914400" rtl="0" eaLnBrk="1" latinLnBrk="1" hangingPunct="1">
-              <a:lnSpc>
-                <a:spcPct val="90000"/>
-              </a:lnSpc>
-              <a:spcBef>
-                <a:spcPts val="1000"/>
-              </a:spcBef>
-              <a:buFont typeface="Arial" panose="020B0604020202020204" pitchFamily="34" charset="0"/>
-              <a:buChar char="•"/>
-              <a:defRPr sz="2800" kern="1200">
-                <a:solidFill>
-                  <a:schemeClr val="tx1"/>
-                </a:solidFill>
-                <a:latin typeface="+mn-lt"/>
-                <a:ea typeface="+mn-ea"/>
-                <a:cs typeface="+mn-cs"/>
-              </a:defRPr>
-            </a:lvl1pPr>
-            <a:lvl2pPr marL="685800" indent="-228600" algn="l" defTabSz="914400" rtl="0" eaLnBrk="1" latinLnBrk="1" hangingPunct="1">
-              <a:lnSpc>
-                <a:spcPct val="90000"/>
-              </a:lnSpc>
-              <a:spcBef>
-                <a:spcPts val="500"/>
-              </a:spcBef>
-              <a:buFont typeface="Arial" panose="020B0604020202020204" pitchFamily="34" charset="0"/>
-              <a:buChar char="•"/>
-              <a:defRPr sz="2400" kern="1200">
-                <a:solidFill>
-                  <a:schemeClr val="tx1"/>
-                </a:solidFill>
-                <a:latin typeface="+mn-lt"/>
-                <a:ea typeface="+mn-ea"/>
-                <a:cs typeface="+mn-cs"/>
-              </a:defRPr>
-            </a:lvl2pPr>
-            <a:lvl3pPr marL="1143000" indent="-228600" algn="l" defTabSz="914400" rtl="0" eaLnBrk="1" latinLnBrk="1" hangingPunct="1">
-              <a:lnSpc>
-                <a:spcPct val="90000"/>
-              </a:lnSpc>
-              <a:spcBef>
-                <a:spcPts val="500"/>
-              </a:spcBef>
-              <a:buFont typeface="Arial" panose="020B0604020202020204" pitchFamily="34" charset="0"/>
-              <a:buChar char="•"/>
-              <a:defRPr sz="2000" kern="1200">
-                <a:solidFill>
-                  <a:schemeClr val="tx1"/>
-                </a:solidFill>
-                <a:latin typeface="+mn-lt"/>
-                <a:ea typeface="+mn-ea"/>
-                <a:cs typeface="+mn-cs"/>
-              </a:defRPr>
-            </a:lvl3pPr>
-            <a:lvl4pPr marL="1600200" indent="-228600" algn="l" defTabSz="914400" rtl="0" eaLnBrk="1" latinLnBrk="1" hangingPunct="1">
-              <a:lnSpc>
-                <a:spcPct val="90000"/>
-              </a:lnSpc>
-              <a:spcBef>
-                <a:spcPts val="500"/>
-              </a:spcBef>
-              <a:buFont typeface="Arial" panose="020B0604020202020204" pitchFamily="34" charset="0"/>
-              <a:buChar char="•"/>
-              <a:defRPr sz="1800" kern="1200">
-                <a:solidFill>
-                  <a:schemeClr val="tx1"/>
-                </a:solidFill>
-                <a:latin typeface="+mn-lt"/>
-                <a:ea typeface="+mn-ea"/>
-                <a:cs typeface="+mn-cs"/>
-              </a:defRPr>
-            </a:lvl4pPr>
-            <a:lvl5pPr marL="2057400" indent="-228600" algn="l" defTabSz="914400" rtl="0" eaLnBrk="1" latinLnBrk="1" hangingPunct="1">
-              <a:lnSpc>
-                <a:spcPct val="90000"/>
-              </a:lnSpc>
-              <a:spcBef>
-                <a:spcPts val="500"/>
-              </a:spcBef>
-              <a:buFont typeface="Arial" panose="020B0604020202020204" pitchFamily="34" charset="0"/>
-              <a:buChar char="•"/>
-              <a:defRPr sz="1800" kern="1200">
-                <a:solidFill>
-                  <a:schemeClr val="tx1"/>
-                </a:solidFill>
-                <a:latin typeface="+mn-lt"/>
-                <a:ea typeface="+mn-ea"/>
-                <a:cs typeface="+mn-cs"/>
-              </a:defRPr>
-            </a:lvl5pPr>
-            <a:lvl6pPr marL="2514600" indent="-228600" algn="l" defTabSz="914400" rtl="0" eaLnBrk="1" latinLnBrk="1" hangingPunct="1">
-              <a:lnSpc>
-                <a:spcPct val="90000"/>
-              </a:lnSpc>
-              <a:spcBef>
-                <a:spcPts val="500"/>
-              </a:spcBef>
-              <a:buFont typeface="Arial" panose="020B0604020202020204" pitchFamily="34" charset="0"/>
-              <a:buChar char="•"/>
-              <a:defRPr sz="1800" kern="1200">
-                <a:solidFill>
-                  <a:schemeClr val="tx1"/>
-                </a:solidFill>
-                <a:latin typeface="+mn-lt"/>
-                <a:ea typeface="+mn-ea"/>
-                <a:cs typeface="+mn-cs"/>
-              </a:defRPr>
-            </a:lvl6pPr>
-            <a:lvl7pPr marL="2971800" indent="-228600" algn="l" defTabSz="914400" rtl="0" eaLnBrk="1" latinLnBrk="1" hangingPunct="1">
-              <a:lnSpc>
-                <a:spcPct val="90000"/>
-              </a:lnSpc>
-              <a:spcBef>
-                <a:spcPts val="500"/>
-              </a:spcBef>
-              <a:buFont typeface="Arial" panose="020B0604020202020204" pitchFamily="34" charset="0"/>
-              <a:buChar char="•"/>
-              <a:defRPr sz="1800" kern="1200">
-                <a:solidFill>
-                  <a:schemeClr val="tx1"/>
-                </a:solidFill>
-                <a:latin typeface="+mn-lt"/>
-                <a:ea typeface="+mn-ea"/>
-                <a:cs typeface="+mn-cs"/>
-              </a:defRPr>
-            </a:lvl7pPr>
-            <a:lvl8pPr marL="3429000" indent="-228600" algn="l" defTabSz="914400" rtl="0" eaLnBrk="1" latinLnBrk="1" hangingPunct="1">
-              <a:lnSpc>
-                <a:spcPct val="90000"/>
-              </a:lnSpc>
-              <a:spcBef>
-                <a:spcPts val="500"/>
-              </a:spcBef>
-              <a:buFont typeface="Arial" panose="020B0604020202020204" pitchFamily="34" charset="0"/>
-              <a:buChar char="•"/>
-              <a:defRPr sz="1800" kern="1200">
-                <a:solidFill>
-                  <a:schemeClr val="tx1"/>
-                </a:solidFill>
-                <a:latin typeface="+mn-lt"/>
-                <a:ea typeface="+mn-ea"/>
-                <a:cs typeface="+mn-cs"/>
-              </a:defRPr>
-            </a:lvl8pPr>
-            <a:lvl9pPr marL="3886200" indent="-228600" algn="l" defTabSz="914400" rtl="0" eaLnBrk="1" latinLnBrk="1" hangingPunct="1">
-              <a:lnSpc>
-                <a:spcPct val="90000"/>
-              </a:lnSpc>
-              <a:spcBef>
-                <a:spcPts val="500"/>
-              </a:spcBef>
-              <a:buFont typeface="Arial" panose="020B0604020202020204" pitchFamily="34" charset="0"/>
-              <a:buChar char="•"/>
-              <a:defRPr sz="1800" kern="1200">
-                <a:solidFill>
-                  <a:schemeClr val="tx1"/>
-                </a:solidFill>
-                <a:latin typeface="+mn-lt"/>
-                <a:ea typeface="+mn-ea"/>
-                <a:cs typeface="+mn-cs"/>
-              </a:defRPr>
-            </a:lvl9pPr>
-          </a:lstStyle>
-          <a:p>
-            <a:pPr>
-              <a:buFont typeface="Wingdings" panose="05000000000000000000" pitchFamily="2" charset="2"/>
-              <a:buChar char="§"/>
-            </a:pPr>
-            <a:r>
-              <a:rPr lang="ko-KR" altLang="en-US" sz="1800" dirty="0" smtClean="0"/>
-              <a:t>파일 이름 </a:t>
-            </a:r>
-            <a:r>
-              <a:rPr lang="en-US" altLang="ko-KR" sz="1800" dirty="0" smtClean="0"/>
-              <a:t>: Bank.java</a:t>
-            </a:r>
-          </a:p>
-        </p:txBody>
-      </p:sp>
       <p:pic>
         <p:nvPicPr>
           <p:cNvPr id="2" name="그림 1"/>
@@ -12974,17 +12790,16 @@
         </p:blipFill>
         <p:spPr>
           <a:xfrm>
-            <a:off x="3536261" y="1052736"/>
-            <a:ext cx="4857995" cy="5200107"/>
+            <a:off x="1208584" y="1052736"/>
+            <a:ext cx="7339887" cy="4971958"/>
           </a:xfrm>
           <a:prstGeom prst="rect">
             <a:avLst/>
           </a:prstGeom>
           <a:ln>
             <a:solidFill>
-              <a:schemeClr val="accent3">
-                <a:lumMod val="20000"/>
-                <a:lumOff val="80000"/>
+              <a:schemeClr val="bg1">
+                <a:lumMod val="85000"/>
               </a:schemeClr>
             </a:solidFill>
           </a:ln>
@@ -12993,7 +12808,7 @@
     </p:spTree>
     <p:extLst>
       <p:ext uri="{BB962C8B-B14F-4D97-AF65-F5344CB8AC3E}">
-        <p14:creationId xmlns:p14="http://schemas.microsoft.com/office/powerpoint/2010/main" val="2245246887"/>
+        <p14:creationId xmlns:p14="http://schemas.microsoft.com/office/powerpoint/2010/main" val="3962887099"/>
       </p:ext>
     </p:extLst>
   </p:cSld>
@@ -13604,278 +13419,47 @@
           </a:p>
         </p:txBody>
       </p:sp>
-      <p:sp>
-        <p:nvSpPr>
-          <p:cNvPr id="7" name="내용 개체 틀 2">
+      <p:pic>
+        <p:nvPicPr>
+          <p:cNvPr id="3" name="그림 2"/>
+          <p:cNvPicPr>
+            <a:picLocks noChangeAspect="1"/>
+          </p:cNvPicPr>
+          <p:nvPr/>
+        </p:nvPicPr>
+        <p:blipFill>
+          <a:blip r:embed="rId2">
             <a:extLst>
-              <a:ext uri="{FF2B5EF4-FFF2-40B4-BE49-F238E27FC236}">
-                <a16:creationId xmlns:a16="http://schemas.microsoft.com/office/drawing/2014/main" id="{98AF3A4E-7D90-4241-89FE-799D6F9D5A94}"/>
+              <a:ext uri="{28A0092B-C50C-407E-A947-70E740481C1C}">
+                <a14:useLocalDpi xmlns:a14="http://schemas.microsoft.com/office/drawing/2010/main" val="0"/>
               </a:ext>
             </a:extLst>
-          </p:cNvPr>
-          <p:cNvSpPr txBox="1">
-            <a:spLocks/>
-          </p:cNvSpPr>
-          <p:nvPr/>
-        </p:nvSpPr>
+          </a:blip>
+          <a:stretch>
+            <a:fillRect/>
+          </a:stretch>
+        </p:blipFill>
         <p:spPr>
           <a:xfrm>
-            <a:off x="1064568" y="1484784"/>
-            <a:ext cx="6552728" cy="2520280"/>
+            <a:off x="1040920" y="1196752"/>
+            <a:ext cx="7833677" cy="4738282"/>
           </a:xfrm>
           <a:prstGeom prst="rect">
             <a:avLst/>
           </a:prstGeom>
+          <a:ln>
+            <a:solidFill>
+              <a:schemeClr val="bg1">
+                <a:lumMod val="85000"/>
+              </a:schemeClr>
+            </a:solidFill>
+          </a:ln>
         </p:spPr>
-        <p:txBody>
-          <a:bodyPr/>
-          <a:lstStyle>
-            <a:lvl1pPr marL="228600" indent="-228600" algn="l" defTabSz="914400" rtl="0" eaLnBrk="1" latinLnBrk="1" hangingPunct="1">
-              <a:lnSpc>
-                <a:spcPct val="90000"/>
-              </a:lnSpc>
-              <a:spcBef>
-                <a:spcPts val="1000"/>
-              </a:spcBef>
-              <a:buFont typeface="Arial" panose="020B0604020202020204" pitchFamily="34" charset="0"/>
-              <a:buChar char="•"/>
-              <a:defRPr sz="2800" kern="1200">
-                <a:solidFill>
-                  <a:schemeClr val="tx1"/>
-                </a:solidFill>
-                <a:latin typeface="+mn-lt"/>
-                <a:ea typeface="+mn-ea"/>
-                <a:cs typeface="+mn-cs"/>
-              </a:defRPr>
-            </a:lvl1pPr>
-            <a:lvl2pPr marL="685800" indent="-228600" algn="l" defTabSz="914400" rtl="0" eaLnBrk="1" latinLnBrk="1" hangingPunct="1">
-              <a:lnSpc>
-                <a:spcPct val="90000"/>
-              </a:lnSpc>
-              <a:spcBef>
-                <a:spcPts val="500"/>
-              </a:spcBef>
-              <a:buFont typeface="Arial" panose="020B0604020202020204" pitchFamily="34" charset="0"/>
-              <a:buChar char="•"/>
-              <a:defRPr sz="2400" kern="1200">
-                <a:solidFill>
-                  <a:schemeClr val="tx1"/>
-                </a:solidFill>
-                <a:latin typeface="+mn-lt"/>
-                <a:ea typeface="+mn-ea"/>
-                <a:cs typeface="+mn-cs"/>
-              </a:defRPr>
-            </a:lvl2pPr>
-            <a:lvl3pPr marL="1143000" indent="-228600" algn="l" defTabSz="914400" rtl="0" eaLnBrk="1" latinLnBrk="1" hangingPunct="1">
-              <a:lnSpc>
-                <a:spcPct val="90000"/>
-              </a:lnSpc>
-              <a:spcBef>
-                <a:spcPts val="500"/>
-              </a:spcBef>
-              <a:buFont typeface="Arial" panose="020B0604020202020204" pitchFamily="34" charset="0"/>
-              <a:buChar char="•"/>
-              <a:defRPr sz="2000" kern="1200">
-                <a:solidFill>
-                  <a:schemeClr val="tx1"/>
-                </a:solidFill>
-                <a:latin typeface="+mn-lt"/>
-                <a:ea typeface="+mn-ea"/>
-                <a:cs typeface="+mn-cs"/>
-              </a:defRPr>
-            </a:lvl3pPr>
-            <a:lvl4pPr marL="1600200" indent="-228600" algn="l" defTabSz="914400" rtl="0" eaLnBrk="1" latinLnBrk="1" hangingPunct="1">
-              <a:lnSpc>
-                <a:spcPct val="90000"/>
-              </a:lnSpc>
-              <a:spcBef>
-                <a:spcPts val="500"/>
-              </a:spcBef>
-              <a:buFont typeface="Arial" panose="020B0604020202020204" pitchFamily="34" charset="0"/>
-              <a:buChar char="•"/>
-              <a:defRPr sz="1800" kern="1200">
-                <a:solidFill>
-                  <a:schemeClr val="tx1"/>
-                </a:solidFill>
-                <a:latin typeface="+mn-lt"/>
-                <a:ea typeface="+mn-ea"/>
-                <a:cs typeface="+mn-cs"/>
-              </a:defRPr>
-            </a:lvl4pPr>
-            <a:lvl5pPr marL="2057400" indent="-228600" algn="l" defTabSz="914400" rtl="0" eaLnBrk="1" latinLnBrk="1" hangingPunct="1">
-              <a:lnSpc>
-                <a:spcPct val="90000"/>
-              </a:lnSpc>
-              <a:spcBef>
-                <a:spcPts val="500"/>
-              </a:spcBef>
-              <a:buFont typeface="Arial" panose="020B0604020202020204" pitchFamily="34" charset="0"/>
-              <a:buChar char="•"/>
-              <a:defRPr sz="1800" kern="1200">
-                <a:solidFill>
-                  <a:schemeClr val="tx1"/>
-                </a:solidFill>
-                <a:latin typeface="+mn-lt"/>
-                <a:ea typeface="+mn-ea"/>
-                <a:cs typeface="+mn-cs"/>
-              </a:defRPr>
-            </a:lvl5pPr>
-            <a:lvl6pPr marL="2514600" indent="-228600" algn="l" defTabSz="914400" rtl="0" eaLnBrk="1" latinLnBrk="1" hangingPunct="1">
-              <a:lnSpc>
-                <a:spcPct val="90000"/>
-              </a:lnSpc>
-              <a:spcBef>
-                <a:spcPts val="500"/>
-              </a:spcBef>
-              <a:buFont typeface="Arial" panose="020B0604020202020204" pitchFamily="34" charset="0"/>
-              <a:buChar char="•"/>
-              <a:defRPr sz="1800" kern="1200">
-                <a:solidFill>
-                  <a:schemeClr val="tx1"/>
-                </a:solidFill>
-                <a:latin typeface="+mn-lt"/>
-                <a:ea typeface="+mn-ea"/>
-                <a:cs typeface="+mn-cs"/>
-              </a:defRPr>
-            </a:lvl6pPr>
-            <a:lvl7pPr marL="2971800" indent="-228600" algn="l" defTabSz="914400" rtl="0" eaLnBrk="1" latinLnBrk="1" hangingPunct="1">
-              <a:lnSpc>
-                <a:spcPct val="90000"/>
-              </a:lnSpc>
-              <a:spcBef>
-                <a:spcPts val="500"/>
-              </a:spcBef>
-              <a:buFont typeface="Arial" panose="020B0604020202020204" pitchFamily="34" charset="0"/>
-              <a:buChar char="•"/>
-              <a:defRPr sz="1800" kern="1200">
-                <a:solidFill>
-                  <a:schemeClr val="tx1"/>
-                </a:solidFill>
-                <a:latin typeface="+mn-lt"/>
-                <a:ea typeface="+mn-ea"/>
-                <a:cs typeface="+mn-cs"/>
-              </a:defRPr>
-            </a:lvl7pPr>
-            <a:lvl8pPr marL="3429000" indent="-228600" algn="l" defTabSz="914400" rtl="0" eaLnBrk="1" latinLnBrk="1" hangingPunct="1">
-              <a:lnSpc>
-                <a:spcPct val="90000"/>
-              </a:lnSpc>
-              <a:spcBef>
-                <a:spcPts val="500"/>
-              </a:spcBef>
-              <a:buFont typeface="Arial" panose="020B0604020202020204" pitchFamily="34" charset="0"/>
-              <a:buChar char="•"/>
-              <a:defRPr sz="1800" kern="1200">
-                <a:solidFill>
-                  <a:schemeClr val="tx1"/>
-                </a:solidFill>
-                <a:latin typeface="+mn-lt"/>
-                <a:ea typeface="+mn-ea"/>
-                <a:cs typeface="+mn-cs"/>
-              </a:defRPr>
-            </a:lvl8pPr>
-            <a:lvl9pPr marL="3886200" indent="-228600" algn="l" defTabSz="914400" rtl="0" eaLnBrk="1" latinLnBrk="1" hangingPunct="1">
-              <a:lnSpc>
-                <a:spcPct val="90000"/>
-              </a:lnSpc>
-              <a:spcBef>
-                <a:spcPts val="500"/>
-              </a:spcBef>
-              <a:buFont typeface="Arial" panose="020B0604020202020204" pitchFamily="34" charset="0"/>
-              <a:buChar char="•"/>
-              <a:defRPr sz="1800" kern="1200">
-                <a:solidFill>
-                  <a:schemeClr val="tx1"/>
-                </a:solidFill>
-                <a:latin typeface="+mn-lt"/>
-                <a:ea typeface="+mn-ea"/>
-                <a:cs typeface="+mn-cs"/>
-              </a:defRPr>
-            </a:lvl9pPr>
-          </a:lstStyle>
-          <a:p>
-            <a:pPr marL="0" indent="0">
-              <a:lnSpc>
-                <a:spcPct val="200000"/>
-              </a:lnSpc>
-              <a:buNone/>
-            </a:pPr>
-            <a:r>
-              <a:rPr lang="ko-KR" altLang="en-US" sz="1800" b="1" dirty="0" smtClean="0">
-                <a:solidFill>
-                  <a:srgbClr val="C00000"/>
-                </a:solidFill>
-              </a:rPr>
-              <a:t>☞ 개선사항</a:t>
-            </a:r>
-            <a:endParaRPr lang="en-US" altLang="ko-KR" sz="1800" b="1" dirty="0" smtClean="0">
-              <a:solidFill>
-                <a:srgbClr val="C00000"/>
-              </a:solidFill>
-            </a:endParaRPr>
-          </a:p>
-          <a:p>
-            <a:pPr marL="800100" lvl="1" indent="-342900">
-              <a:lnSpc>
-                <a:spcPct val="200000"/>
-              </a:lnSpc>
-              <a:buFont typeface="+mj-ea"/>
-              <a:buAutoNum type="circleNumDbPlain"/>
-            </a:pPr>
-            <a:r>
-              <a:rPr lang="ko-KR" altLang="en-US" sz="1600" dirty="0" smtClean="0"/>
-              <a:t>잔액이 부족한 경우 처리</a:t>
-            </a:r>
-            <a:endParaRPr lang="en-US" altLang="ko-KR" sz="1600" dirty="0" smtClean="0"/>
-          </a:p>
-          <a:p>
-            <a:pPr marL="800100" lvl="1" indent="-342900">
-              <a:lnSpc>
-                <a:spcPct val="200000"/>
-              </a:lnSpc>
-              <a:buFont typeface="+mj-ea"/>
-              <a:buAutoNum type="circleNumDbPlain"/>
-            </a:pPr>
-            <a:r>
-              <a:rPr lang="ko-KR" altLang="en-US" sz="1600" dirty="0" err="1" smtClean="0"/>
-              <a:t>수</a:t>
-            </a:r>
-            <a:r>
-              <a:rPr lang="ko-KR" altLang="en-US" sz="1600" dirty="0" err="1"/>
-              <a:t>행</a:t>
-            </a:r>
-            <a:r>
-              <a:rPr lang="ko-KR" altLang="en-US" sz="1600" dirty="0" err="1" smtClean="0"/>
-              <a:t>후</a:t>
-            </a:r>
-            <a:r>
-              <a:rPr lang="ko-KR" altLang="en-US" sz="1600" dirty="0" smtClean="0"/>
-              <a:t> </a:t>
-            </a:r>
-            <a:r>
-              <a:rPr lang="en-US" altLang="ko-KR" sz="1600" dirty="0" smtClean="0"/>
-              <a:t>“</a:t>
-            </a:r>
-            <a:r>
-              <a:rPr lang="ko-KR" altLang="en-US" sz="1600" dirty="0" smtClean="0"/>
-              <a:t>정상 처리</a:t>
-            </a:r>
-            <a:r>
-              <a:rPr lang="en-US" altLang="ko-KR" sz="1600" dirty="0" smtClean="0"/>
-              <a:t>”</a:t>
-            </a:r>
-            <a:r>
-              <a:rPr lang="ko-KR" altLang="en-US" sz="1600" dirty="0" smtClean="0"/>
-              <a:t>와 돈에 천 단위 구분기호 넣기 </a:t>
-            </a:r>
-            <a:endParaRPr lang="en-US" altLang="ko-KR" sz="1600" dirty="0" smtClean="0"/>
-          </a:p>
-        </p:txBody>
-      </p:sp>
+      </p:pic>
     </p:spTree>
     <p:extLst>
       <p:ext uri="{BB962C8B-B14F-4D97-AF65-F5344CB8AC3E}">
-        <p14:creationId xmlns:p14="http://schemas.microsoft.com/office/powerpoint/2010/main" val="2317916364"/>
+        <p14:creationId xmlns:p14="http://schemas.microsoft.com/office/powerpoint/2010/main" val="2245246887"/>
       </p:ext>
     </p:extLst>
   </p:cSld>
@@ -13929,22 +13513,13 @@
               <a:t> </a:t>
             </a:r>
             <a:r>
-              <a:rPr lang="ko-KR" altLang="en-US" dirty="0" err="1" smtClean="0"/>
-              <a:t>반복문</a:t>
-            </a:r>
-            <a:r>
-              <a:rPr lang="en-US" altLang="ko-KR" dirty="0" smtClean="0"/>
-              <a:t>(for</a:t>
-            </a:r>
-            <a:r>
               <a:rPr lang="ko-KR" altLang="en-US" dirty="0" smtClean="0"/>
-              <a:t>문</a:t>
-            </a:r>
-            <a:r>
-              <a:rPr lang="en-US" altLang="ko-KR" dirty="0" smtClean="0"/>
-              <a:t>)</a:t>
-            </a:r>
-            <a:endParaRPr lang="ko-KR" altLang="en-US" dirty="0"/>
+              <a:t>은행 업무 프로그</a:t>
+            </a:r>
+            <a:r>
+              <a:rPr lang="ko-KR" altLang="en-US" dirty="0"/>
+              <a:t>램</a:t>
+            </a:r>
           </a:p>
         </p:txBody>
       </p:sp>
@@ -13966,6 +13541,365 @@
             <a:fld id="{1BDE3FE7-3AEA-4B05-AC5A-802D1816ACF0}" type="slidenum">
               <a:rPr lang="ko-KR" altLang="en-US" smtClean="0"/>
               <a:t>31</a:t>
+            </a:fld>
+            <a:endParaRPr lang="ko-KR" altLang="en-US"/>
+          </a:p>
+        </p:txBody>
+      </p:sp>
+      <p:sp>
+        <p:nvSpPr>
+          <p:cNvPr id="7" name="내용 개체 틀 2">
+            <a:extLst>
+              <a:ext uri="{FF2B5EF4-FFF2-40B4-BE49-F238E27FC236}">
+                <a16:creationId xmlns:a16="http://schemas.microsoft.com/office/drawing/2014/main" id="{98AF3A4E-7D90-4241-89FE-799D6F9D5A94}"/>
+              </a:ext>
+            </a:extLst>
+          </p:cNvPr>
+          <p:cNvSpPr txBox="1">
+            <a:spLocks/>
+          </p:cNvSpPr>
+          <p:nvPr/>
+        </p:nvSpPr>
+        <p:spPr>
+          <a:xfrm>
+            <a:off x="1064568" y="1484784"/>
+            <a:ext cx="7632848" cy="2520280"/>
+          </a:xfrm>
+          <a:prstGeom prst="rect">
+            <a:avLst/>
+          </a:prstGeom>
+        </p:spPr>
+        <p:txBody>
+          <a:bodyPr/>
+          <a:lstStyle>
+            <a:lvl1pPr marL="228600" indent="-228600" algn="l" defTabSz="914400" rtl="0" eaLnBrk="1" latinLnBrk="1" hangingPunct="1">
+              <a:lnSpc>
+                <a:spcPct val="90000"/>
+              </a:lnSpc>
+              <a:spcBef>
+                <a:spcPts val="1000"/>
+              </a:spcBef>
+              <a:buFont typeface="Arial" panose="020B0604020202020204" pitchFamily="34" charset="0"/>
+              <a:buChar char="•"/>
+              <a:defRPr sz="2800" kern="1200">
+                <a:solidFill>
+                  <a:schemeClr val="tx1"/>
+                </a:solidFill>
+                <a:latin typeface="+mn-lt"/>
+                <a:ea typeface="+mn-ea"/>
+                <a:cs typeface="+mn-cs"/>
+              </a:defRPr>
+            </a:lvl1pPr>
+            <a:lvl2pPr marL="685800" indent="-228600" algn="l" defTabSz="914400" rtl="0" eaLnBrk="1" latinLnBrk="1" hangingPunct="1">
+              <a:lnSpc>
+                <a:spcPct val="90000"/>
+              </a:lnSpc>
+              <a:spcBef>
+                <a:spcPts val="500"/>
+              </a:spcBef>
+              <a:buFont typeface="Arial" panose="020B0604020202020204" pitchFamily="34" charset="0"/>
+              <a:buChar char="•"/>
+              <a:defRPr sz="2400" kern="1200">
+                <a:solidFill>
+                  <a:schemeClr val="tx1"/>
+                </a:solidFill>
+                <a:latin typeface="+mn-lt"/>
+                <a:ea typeface="+mn-ea"/>
+                <a:cs typeface="+mn-cs"/>
+              </a:defRPr>
+            </a:lvl2pPr>
+            <a:lvl3pPr marL="1143000" indent="-228600" algn="l" defTabSz="914400" rtl="0" eaLnBrk="1" latinLnBrk="1" hangingPunct="1">
+              <a:lnSpc>
+                <a:spcPct val="90000"/>
+              </a:lnSpc>
+              <a:spcBef>
+                <a:spcPts val="500"/>
+              </a:spcBef>
+              <a:buFont typeface="Arial" panose="020B0604020202020204" pitchFamily="34" charset="0"/>
+              <a:buChar char="•"/>
+              <a:defRPr sz="2000" kern="1200">
+                <a:solidFill>
+                  <a:schemeClr val="tx1"/>
+                </a:solidFill>
+                <a:latin typeface="+mn-lt"/>
+                <a:ea typeface="+mn-ea"/>
+                <a:cs typeface="+mn-cs"/>
+              </a:defRPr>
+            </a:lvl3pPr>
+            <a:lvl4pPr marL="1600200" indent="-228600" algn="l" defTabSz="914400" rtl="0" eaLnBrk="1" latinLnBrk="1" hangingPunct="1">
+              <a:lnSpc>
+                <a:spcPct val="90000"/>
+              </a:lnSpc>
+              <a:spcBef>
+                <a:spcPts val="500"/>
+              </a:spcBef>
+              <a:buFont typeface="Arial" panose="020B0604020202020204" pitchFamily="34" charset="0"/>
+              <a:buChar char="•"/>
+              <a:defRPr sz="1800" kern="1200">
+                <a:solidFill>
+                  <a:schemeClr val="tx1"/>
+                </a:solidFill>
+                <a:latin typeface="+mn-lt"/>
+                <a:ea typeface="+mn-ea"/>
+                <a:cs typeface="+mn-cs"/>
+              </a:defRPr>
+            </a:lvl4pPr>
+            <a:lvl5pPr marL="2057400" indent="-228600" algn="l" defTabSz="914400" rtl="0" eaLnBrk="1" latinLnBrk="1" hangingPunct="1">
+              <a:lnSpc>
+                <a:spcPct val="90000"/>
+              </a:lnSpc>
+              <a:spcBef>
+                <a:spcPts val="500"/>
+              </a:spcBef>
+              <a:buFont typeface="Arial" panose="020B0604020202020204" pitchFamily="34" charset="0"/>
+              <a:buChar char="•"/>
+              <a:defRPr sz="1800" kern="1200">
+                <a:solidFill>
+                  <a:schemeClr val="tx1"/>
+                </a:solidFill>
+                <a:latin typeface="+mn-lt"/>
+                <a:ea typeface="+mn-ea"/>
+                <a:cs typeface="+mn-cs"/>
+              </a:defRPr>
+            </a:lvl5pPr>
+            <a:lvl6pPr marL="2514600" indent="-228600" algn="l" defTabSz="914400" rtl="0" eaLnBrk="1" latinLnBrk="1" hangingPunct="1">
+              <a:lnSpc>
+                <a:spcPct val="90000"/>
+              </a:lnSpc>
+              <a:spcBef>
+                <a:spcPts val="500"/>
+              </a:spcBef>
+              <a:buFont typeface="Arial" panose="020B0604020202020204" pitchFamily="34" charset="0"/>
+              <a:buChar char="•"/>
+              <a:defRPr sz="1800" kern="1200">
+                <a:solidFill>
+                  <a:schemeClr val="tx1"/>
+                </a:solidFill>
+                <a:latin typeface="+mn-lt"/>
+                <a:ea typeface="+mn-ea"/>
+                <a:cs typeface="+mn-cs"/>
+              </a:defRPr>
+            </a:lvl6pPr>
+            <a:lvl7pPr marL="2971800" indent="-228600" algn="l" defTabSz="914400" rtl="0" eaLnBrk="1" latinLnBrk="1" hangingPunct="1">
+              <a:lnSpc>
+                <a:spcPct val="90000"/>
+              </a:lnSpc>
+              <a:spcBef>
+                <a:spcPts val="500"/>
+              </a:spcBef>
+              <a:buFont typeface="Arial" panose="020B0604020202020204" pitchFamily="34" charset="0"/>
+              <a:buChar char="•"/>
+              <a:defRPr sz="1800" kern="1200">
+                <a:solidFill>
+                  <a:schemeClr val="tx1"/>
+                </a:solidFill>
+                <a:latin typeface="+mn-lt"/>
+                <a:ea typeface="+mn-ea"/>
+                <a:cs typeface="+mn-cs"/>
+              </a:defRPr>
+            </a:lvl7pPr>
+            <a:lvl8pPr marL="3429000" indent="-228600" algn="l" defTabSz="914400" rtl="0" eaLnBrk="1" latinLnBrk="1" hangingPunct="1">
+              <a:lnSpc>
+                <a:spcPct val="90000"/>
+              </a:lnSpc>
+              <a:spcBef>
+                <a:spcPts val="500"/>
+              </a:spcBef>
+              <a:buFont typeface="Arial" panose="020B0604020202020204" pitchFamily="34" charset="0"/>
+              <a:buChar char="•"/>
+              <a:defRPr sz="1800" kern="1200">
+                <a:solidFill>
+                  <a:schemeClr val="tx1"/>
+                </a:solidFill>
+                <a:latin typeface="+mn-lt"/>
+                <a:ea typeface="+mn-ea"/>
+                <a:cs typeface="+mn-cs"/>
+              </a:defRPr>
+            </a:lvl8pPr>
+            <a:lvl9pPr marL="3886200" indent="-228600" algn="l" defTabSz="914400" rtl="0" eaLnBrk="1" latinLnBrk="1" hangingPunct="1">
+              <a:lnSpc>
+                <a:spcPct val="90000"/>
+              </a:lnSpc>
+              <a:spcBef>
+                <a:spcPts val="500"/>
+              </a:spcBef>
+              <a:buFont typeface="Arial" panose="020B0604020202020204" pitchFamily="34" charset="0"/>
+              <a:buChar char="•"/>
+              <a:defRPr sz="1800" kern="1200">
+                <a:solidFill>
+                  <a:schemeClr val="tx1"/>
+                </a:solidFill>
+                <a:latin typeface="+mn-lt"/>
+                <a:ea typeface="+mn-ea"/>
+                <a:cs typeface="+mn-cs"/>
+              </a:defRPr>
+            </a:lvl9pPr>
+          </a:lstStyle>
+          <a:p>
+            <a:pPr marL="0" indent="0">
+              <a:lnSpc>
+                <a:spcPct val="200000"/>
+              </a:lnSpc>
+              <a:buNone/>
+            </a:pPr>
+            <a:r>
+              <a:rPr lang="ko-KR" altLang="en-US" sz="2000" b="1" dirty="0" smtClean="0">
+                <a:solidFill>
+                  <a:srgbClr val="C00000"/>
+                </a:solidFill>
+              </a:rPr>
+              <a:t>☞ 개선사항</a:t>
+            </a:r>
+            <a:endParaRPr lang="en-US" altLang="ko-KR" sz="2000" b="1" dirty="0" smtClean="0">
+              <a:solidFill>
+                <a:srgbClr val="C00000"/>
+              </a:solidFill>
+            </a:endParaRPr>
+          </a:p>
+          <a:p>
+            <a:pPr marL="800100" lvl="1" indent="-342900">
+              <a:lnSpc>
+                <a:spcPct val="200000"/>
+              </a:lnSpc>
+              <a:buFont typeface="+mj-ea"/>
+              <a:buAutoNum type="circleNumDbPlain"/>
+            </a:pPr>
+            <a:r>
+              <a:rPr lang="ko-KR" altLang="en-US" sz="1800" dirty="0" smtClean="0"/>
+              <a:t>잔액이 부족한 경우 처리</a:t>
+            </a:r>
+            <a:endParaRPr lang="en-US" altLang="ko-KR" sz="1800" dirty="0" smtClean="0"/>
+          </a:p>
+          <a:p>
+            <a:pPr marL="800100" lvl="1" indent="-342900">
+              <a:lnSpc>
+                <a:spcPct val="200000"/>
+              </a:lnSpc>
+              <a:buFont typeface="+mj-ea"/>
+              <a:buAutoNum type="circleNumDbPlain"/>
+            </a:pPr>
+            <a:r>
+              <a:rPr lang="ko-KR" altLang="en-US" sz="1800" dirty="0" smtClean="0"/>
+              <a:t>수행 후 </a:t>
+            </a:r>
+            <a:r>
+              <a:rPr lang="en-US" altLang="ko-KR" sz="1800" dirty="0" smtClean="0"/>
+              <a:t>“</a:t>
+            </a:r>
+            <a:r>
+              <a:rPr lang="ko-KR" altLang="en-US" sz="1800" dirty="0" smtClean="0"/>
+              <a:t>정상 </a:t>
+            </a:r>
+            <a:r>
+              <a:rPr lang="ko-KR" altLang="en-US" sz="1800" dirty="0" smtClean="0"/>
+              <a:t>처리 되었습니다</a:t>
+            </a:r>
+            <a:r>
+              <a:rPr lang="en-US" altLang="ko-KR" sz="1800" dirty="0" smtClean="0"/>
+              <a:t>” </a:t>
+            </a:r>
+            <a:r>
+              <a:rPr lang="ko-KR" altLang="en-US" sz="1800" dirty="0" smtClean="0"/>
+              <a:t>출력</a:t>
+            </a:r>
+            <a:endParaRPr lang="en-US" altLang="ko-KR" sz="1800" dirty="0" smtClean="0"/>
+          </a:p>
+        </p:txBody>
+      </p:sp>
+    </p:spTree>
+    <p:extLst>
+      <p:ext uri="{BB962C8B-B14F-4D97-AF65-F5344CB8AC3E}">
+        <p14:creationId xmlns:p14="http://schemas.microsoft.com/office/powerpoint/2010/main" val="2317916364"/>
+      </p:ext>
+    </p:extLst>
+  </p:cSld>
+  <p:clrMapOvr>
+    <a:masterClrMapping/>
+  </p:clrMapOvr>
+  <p:timing>
+    <p:tnLst>
+      <p:par>
+        <p:cTn id="1" dur="indefinite" restart="never" nodeType="tmRoot"/>
+      </p:par>
+    </p:tnLst>
+  </p:timing>
+</p:sld>
+</file>
+
+<file path=ppt/slides/slide32.xml><?xml version="1.0" encoding="utf-8"?>
+<p:sld xmlns:a="http://schemas.openxmlformats.org/drawingml/2006/main" xmlns:r="http://schemas.openxmlformats.org/officeDocument/2006/relationships" xmlns:p="http://schemas.openxmlformats.org/presentationml/2006/main">
+  <p:cSld>
+    <p:spTree>
+      <p:nvGrpSpPr>
+        <p:cNvPr id="1" name=""/>
+        <p:cNvGrpSpPr/>
+        <p:nvPr/>
+      </p:nvGrpSpPr>
+      <p:grpSpPr>
+        <a:xfrm>
+          <a:off x="0" y="0"/>
+          <a:ext cx="0" cy="0"/>
+          <a:chOff x="0" y="0"/>
+          <a:chExt cx="0" cy="0"/>
+        </a:xfrm>
+      </p:grpSpPr>
+      <p:sp>
+        <p:nvSpPr>
+          <p:cNvPr id="6" name="제목 5"/>
+          <p:cNvSpPr>
+            <a:spLocks noGrp="1"/>
+          </p:cNvSpPr>
+          <p:nvPr>
+            <p:ph type="title"/>
+          </p:nvPr>
+        </p:nvSpPr>
+        <p:spPr/>
+        <p:txBody>
+          <a:bodyPr/>
+          <a:lstStyle/>
+          <a:p>
+            <a:r>
+              <a:rPr lang="en-US" altLang="ko-KR" dirty="0" smtClean="0"/>
+              <a:t> </a:t>
+            </a:r>
+            <a:r>
+              <a:rPr lang="ko-KR" altLang="en-US" dirty="0" err="1" smtClean="0"/>
+              <a:t>반복문</a:t>
+            </a:r>
+            <a:r>
+              <a:rPr lang="en-US" altLang="ko-KR" dirty="0" smtClean="0"/>
+              <a:t>(for</a:t>
+            </a:r>
+            <a:r>
+              <a:rPr lang="ko-KR" altLang="en-US" dirty="0" smtClean="0"/>
+              <a:t>문</a:t>
+            </a:r>
+            <a:r>
+              <a:rPr lang="en-US" altLang="ko-KR" dirty="0" smtClean="0"/>
+              <a:t>)</a:t>
+            </a:r>
+            <a:endParaRPr lang="ko-KR" altLang="en-US" dirty="0"/>
+          </a:p>
+        </p:txBody>
+      </p:sp>
+      <p:sp>
+        <p:nvSpPr>
+          <p:cNvPr id="5" name="슬라이드 번호 개체 틀 4"/>
+          <p:cNvSpPr>
+            <a:spLocks noGrp="1"/>
+          </p:cNvSpPr>
+          <p:nvPr>
+            <p:ph type="sldNum" sz="quarter" idx="12"/>
+          </p:nvPr>
+        </p:nvSpPr>
+        <p:spPr/>
+        <p:txBody>
+          <a:bodyPr/>
+          <a:lstStyle/>
+          <a:p>
+            <a:fld id="{1BDE3FE7-3AEA-4B05-AC5A-802D1816ACF0}" type="slidenum">
+              <a:rPr lang="ko-KR" altLang="en-US" smtClean="0"/>
+              <a:t>32</a:t>
             </a:fld>
             <a:endParaRPr lang="ko-KR" altLang="en-US"/>
           </a:p>
@@ -15068,7 +15002,7 @@
 </p:sld>
 </file>
 
-<file path=ppt/slides/slide32.xml><?xml version="1.0" encoding="utf-8"?>
+<file path=ppt/slides/slide33.xml><?xml version="1.0" encoding="utf-8"?>
 <p:sld xmlns:a="http://schemas.openxmlformats.org/drawingml/2006/main" xmlns:r="http://schemas.openxmlformats.org/officeDocument/2006/relationships" xmlns:p="http://schemas.openxmlformats.org/presentationml/2006/main">
   <p:cSld>
     <p:spTree>
@@ -15141,7 +15075,7 @@
           <a:p>
             <a:fld id="{1BDE3FE7-3AEA-4B05-AC5A-802D1816ACF0}" type="slidenum">
               <a:rPr lang="ko-KR" altLang="en-US" smtClean="0"/>
-              <a:t>32</a:t>
+              <a:t>33</a:t>
             </a:fld>
             <a:endParaRPr lang="ko-KR" altLang="en-US"/>
           </a:p>
@@ -15836,7 +15770,7 @@
 </p:sld>
 </file>
 
-<file path=ppt/slides/slide33.xml><?xml version="1.0" encoding="utf-8"?>
+<file path=ppt/slides/slide34.xml><?xml version="1.0" encoding="utf-8"?>
 <p:sld xmlns:a="http://schemas.openxmlformats.org/drawingml/2006/main" xmlns:r="http://schemas.openxmlformats.org/officeDocument/2006/relationships" xmlns:p="http://schemas.openxmlformats.org/presentationml/2006/main">
   <p:cSld>
     <p:spTree>
@@ -15897,7 +15831,7 @@
           <a:p>
             <a:fld id="{1BDE3FE7-3AEA-4B05-AC5A-802D1816ACF0}" type="slidenum">
               <a:rPr lang="ko-KR" altLang="en-US" smtClean="0"/>
-              <a:t>33</a:t>
+              <a:t>34</a:t>
             </a:fld>
             <a:endParaRPr lang="ko-KR" altLang="en-US"/>
           </a:p>
@@ -16364,7 +16298,7 @@
 </p:sld>
 </file>
 
-<file path=ppt/slides/slide34.xml><?xml version="1.0" encoding="utf-8"?>
+<file path=ppt/slides/slide35.xml><?xml version="1.0" encoding="utf-8"?>
 <p:sld xmlns:a="http://schemas.openxmlformats.org/drawingml/2006/main" xmlns:r="http://schemas.openxmlformats.org/officeDocument/2006/relationships" xmlns:p="http://schemas.openxmlformats.org/presentationml/2006/main">
   <p:cSld>
     <p:spTree>
@@ -16428,7 +16362,7 @@
           <a:p>
             <a:fld id="{1BDE3FE7-3AEA-4B05-AC5A-802D1816ACF0}" type="slidenum">
               <a:rPr lang="ko-KR" altLang="en-US" smtClean="0"/>
-              <a:t>34</a:t>
+              <a:t>35</a:t>
             </a:fld>
             <a:endParaRPr lang="ko-KR" altLang="en-US"/>
           </a:p>
@@ -16738,7 +16672,7 @@
 </p:sld>
 </file>
 
-<file path=ppt/slides/slide35.xml><?xml version="1.0" encoding="utf-8"?>
+<file path=ppt/slides/slide36.xml><?xml version="1.0" encoding="utf-8"?>
 <p:sld xmlns:a="http://schemas.openxmlformats.org/drawingml/2006/main" xmlns:r="http://schemas.openxmlformats.org/officeDocument/2006/relationships" xmlns:p="http://schemas.openxmlformats.org/presentationml/2006/main">
   <p:cSld>
     <p:spTree>
@@ -16857,7 +16791,7 @@
           <a:p>
             <a:fld id="{1BDE3FE7-3AEA-4B05-AC5A-802D1816ACF0}" type="slidenum">
               <a:rPr lang="ko-KR" altLang="en-US" smtClean="0"/>
-              <a:t>35</a:t>
+              <a:t>36</a:t>
             </a:fld>
             <a:endParaRPr lang="ko-KR" altLang="en-US"/>
           </a:p>
@@ -18240,7 +18174,7 @@
 </p:sld>
 </file>
 
-<file path=ppt/slides/slide36.xml><?xml version="1.0" encoding="utf-8"?>
+<file path=ppt/slides/slide37.xml><?xml version="1.0" encoding="utf-8"?>
 <p:sld xmlns:a="http://schemas.openxmlformats.org/drawingml/2006/main" xmlns:r="http://schemas.openxmlformats.org/officeDocument/2006/relationships" xmlns:p="http://schemas.openxmlformats.org/presentationml/2006/main">
   <p:cSld>
     <p:spTree>
@@ -18321,7 +18255,7 @@
           <a:p>
             <a:fld id="{1BDE3FE7-3AEA-4B05-AC5A-802D1816ACF0}" type="slidenum">
               <a:rPr lang="ko-KR" altLang="en-US" smtClean="0"/>
-              <a:t>36</a:t>
+              <a:t>37</a:t>
             </a:fld>
             <a:endParaRPr lang="ko-KR" altLang="en-US"/>
           </a:p>
@@ -18831,7 +18765,7 @@
 </p:sld>
 </file>
 
-<file path=ppt/slides/slide37.xml><?xml version="1.0" encoding="utf-8"?>
+<file path=ppt/slides/slide38.xml><?xml version="1.0" encoding="utf-8"?>
 <p:sld xmlns:a="http://schemas.openxmlformats.org/drawingml/2006/main" xmlns:r="http://schemas.openxmlformats.org/officeDocument/2006/relationships" xmlns:p="http://schemas.openxmlformats.org/presentationml/2006/main">
   <p:cSld>
     <p:spTree>
@@ -18912,7 +18846,7 @@
           <a:p>
             <a:fld id="{1BDE3FE7-3AEA-4B05-AC5A-802D1816ACF0}" type="slidenum">
               <a:rPr lang="ko-KR" altLang="en-US" smtClean="0"/>
-              <a:t>37</a:t>
+              <a:t>38</a:t>
             </a:fld>
             <a:endParaRPr lang="ko-KR" altLang="en-US"/>
           </a:p>
@@ -19346,7 +19280,7 @@
 </p:sld>
 </file>
 
-<file path=ppt/slides/slide38.xml><?xml version="1.0" encoding="utf-8"?>
+<file path=ppt/slides/slide39.xml><?xml version="1.0" encoding="utf-8"?>
 <p:sld xmlns:a="http://schemas.openxmlformats.org/drawingml/2006/main" xmlns:r="http://schemas.openxmlformats.org/officeDocument/2006/relationships" xmlns:p="http://schemas.openxmlformats.org/presentationml/2006/main">
   <p:cSld>
     <p:spTree>
@@ -19419,7 +19353,7 @@
           <a:p>
             <a:fld id="{1BDE3FE7-3AEA-4B05-AC5A-802D1816ACF0}" type="slidenum">
               <a:rPr lang="ko-KR" altLang="en-US" smtClean="0"/>
-              <a:t>38</a:t>
+              <a:t>39</a:t>
             </a:fld>
             <a:endParaRPr lang="ko-KR" altLang="en-US"/>
           </a:p>
@@ -19996,7 +19930,7 @@
 </p:sld>
 </file>
 
-<file path=ppt/slides/slide39.xml><?xml version="1.0" encoding="utf-8"?>
+<file path=ppt/slides/slide4.xml><?xml version="1.0" encoding="utf-8"?>
 <p:sld xmlns:a="http://schemas.openxmlformats.org/drawingml/2006/main" xmlns:r="http://schemas.openxmlformats.org/officeDocument/2006/relationships" xmlns:p="http://schemas.openxmlformats.org/presentationml/2006/main">
   <p:cSld>
     <p:spTree>
@@ -20030,7 +19964,15 @@
           <a:p>
             <a:r>
               <a:rPr lang="en-US" altLang="ko-KR" dirty="0" smtClean="0"/>
-              <a:t> break</a:t>
+              <a:t> </a:t>
+            </a:r>
+            <a:r>
+              <a:rPr lang="ko-KR" altLang="en-US" dirty="0" err="1" smtClean="0"/>
+              <a:t>조건문</a:t>
+            </a:r>
+            <a:r>
+              <a:rPr lang="en-US" altLang="ko-KR" dirty="0" smtClean="0"/>
+              <a:t>(if</a:t>
             </a:r>
             <a:r>
               <a:rPr lang="ko-KR" altLang="en-US" dirty="0" smtClean="0"/>
@@ -20038,11 +19980,7 @@
             </a:r>
             <a:r>
               <a:rPr lang="en-US" altLang="ko-KR" dirty="0" smtClean="0"/>
-              <a:t> </a:t>
-            </a:r>
-            <a:r>
-              <a:rPr lang="ko-KR" altLang="en-US" dirty="0" smtClean="0"/>
-              <a:t>예제</a:t>
+              <a:t>)</a:t>
             </a:r>
             <a:endParaRPr lang="ko-KR" altLang="en-US" dirty="0"/>
           </a:p>
@@ -20065,7 +20003,139 @@
           <a:p>
             <a:fld id="{1BDE3FE7-3AEA-4B05-AC5A-802D1816ACF0}" type="slidenum">
               <a:rPr lang="ko-KR" altLang="en-US" smtClean="0"/>
-              <a:t>39</a:t>
+              <a:t>4</a:t>
+            </a:fld>
+            <a:endParaRPr lang="ko-KR" altLang="en-US"/>
+          </a:p>
+        </p:txBody>
+      </p:sp>
+      <p:pic>
+        <p:nvPicPr>
+          <p:cNvPr id="2" name="그림 1"/>
+          <p:cNvPicPr>
+            <a:picLocks noChangeAspect="1"/>
+          </p:cNvPicPr>
+          <p:nvPr/>
+        </p:nvPicPr>
+        <p:blipFill>
+          <a:blip r:embed="rId2">
+            <a:extLst>
+              <a:ext uri="{28A0092B-C50C-407E-A947-70E740481C1C}">
+                <a14:useLocalDpi xmlns:a14="http://schemas.microsoft.com/office/drawing/2010/main" val="0"/>
+              </a:ext>
+            </a:extLst>
+          </a:blip>
+          <a:stretch>
+            <a:fillRect/>
+          </a:stretch>
+        </p:blipFill>
+        <p:spPr>
+          <a:xfrm>
+            <a:off x="1371288" y="1772816"/>
+            <a:ext cx="7163421" cy="3124471"/>
+          </a:xfrm>
+          <a:prstGeom prst="rect">
+            <a:avLst/>
+          </a:prstGeom>
+          <a:ln>
+            <a:solidFill>
+              <a:schemeClr val="bg1">
+                <a:lumMod val="85000"/>
+              </a:schemeClr>
+            </a:solidFill>
+          </a:ln>
+        </p:spPr>
+      </p:pic>
+    </p:spTree>
+    <p:extLst>
+      <p:ext uri="{BB962C8B-B14F-4D97-AF65-F5344CB8AC3E}">
+        <p14:creationId xmlns:p14="http://schemas.microsoft.com/office/powerpoint/2010/main" val="67559803"/>
+      </p:ext>
+    </p:extLst>
+  </p:cSld>
+  <p:clrMapOvr>
+    <a:masterClrMapping/>
+  </p:clrMapOvr>
+  <p:timing>
+    <p:tnLst>
+      <p:par>
+        <p:cTn id="1" dur="indefinite" restart="never" nodeType="tmRoot"/>
+      </p:par>
+    </p:tnLst>
+  </p:timing>
+</p:sld>
+</file>
+
+<file path=ppt/slides/slide40.xml><?xml version="1.0" encoding="utf-8"?>
+<p:sld xmlns:a="http://schemas.openxmlformats.org/drawingml/2006/main" xmlns:r="http://schemas.openxmlformats.org/officeDocument/2006/relationships" xmlns:p="http://schemas.openxmlformats.org/presentationml/2006/main">
+  <p:cSld>
+    <p:spTree>
+      <p:nvGrpSpPr>
+        <p:cNvPr id="1" name=""/>
+        <p:cNvGrpSpPr/>
+        <p:nvPr/>
+      </p:nvGrpSpPr>
+      <p:grpSpPr>
+        <a:xfrm>
+          <a:off x="0" y="0"/>
+          <a:ext cx="0" cy="0"/>
+          <a:chOff x="0" y="0"/>
+          <a:chExt cx="0" cy="0"/>
+        </a:xfrm>
+      </p:grpSpPr>
+      <p:sp>
+        <p:nvSpPr>
+          <p:cNvPr id="6" name="제목 5"/>
+          <p:cNvSpPr>
+            <a:spLocks noGrp="1"/>
+          </p:cNvSpPr>
+          <p:nvPr>
+            <p:ph type="title"/>
+          </p:nvPr>
+        </p:nvSpPr>
+        <p:spPr/>
+        <p:txBody>
+          <a:bodyPr/>
+          <a:lstStyle/>
+          <a:p>
+            <a:r>
+              <a:rPr lang="en-US" altLang="ko-KR" dirty="0" smtClean="0"/>
+              <a:t> break</a:t>
+            </a:r>
+            <a:r>
+              <a:rPr lang="ko-KR" altLang="en-US" dirty="0" smtClean="0"/>
+              <a:t>문</a:t>
+            </a:r>
+            <a:r>
+              <a:rPr lang="en-US" altLang="ko-KR" dirty="0" smtClean="0"/>
+              <a:t> </a:t>
+            </a:r>
+            <a:r>
+              <a:rPr lang="ko-KR" altLang="en-US" dirty="0" smtClean="0"/>
+              <a:t>예제</a:t>
+            </a:r>
+            <a:endParaRPr lang="ko-KR" altLang="en-US" dirty="0"/>
+          </a:p>
+        </p:txBody>
+      </p:sp>
+      <p:sp>
+        <p:nvSpPr>
+          <p:cNvPr id="5" name="슬라이드 번호 개체 틀 4"/>
+          <p:cNvSpPr>
+            <a:spLocks noGrp="1"/>
+          </p:cNvSpPr>
+          <p:nvPr>
+            <p:ph type="sldNum" sz="quarter" idx="12"/>
+          </p:nvPr>
+        </p:nvSpPr>
+        <p:spPr/>
+        <p:txBody>
+          <a:bodyPr/>
+          <a:lstStyle/>
+          <a:p>
+            <a:fld id="{1BDE3FE7-3AEA-4B05-AC5A-802D1816ACF0}" type="slidenum">
+              <a:rPr lang="ko-KR" altLang="en-US" smtClean="0"/>
+              <a:t>40</a:t>
             </a:fld>
             <a:endParaRPr lang="ko-KR" altLang="en-US"/>
           </a:p>
@@ -20621,7 +20691,7 @@
 </p:sld>
 </file>
 
-<file path=ppt/slides/slide4.xml><?xml version="1.0" encoding="utf-8"?>
+<file path=ppt/slides/slide41.xml><?xml version="1.0" encoding="utf-8"?>
 <p:sld xmlns:a="http://schemas.openxmlformats.org/drawingml/2006/main" xmlns:r="http://schemas.openxmlformats.org/officeDocument/2006/relationships" xmlns:p="http://schemas.openxmlformats.org/presentationml/2006/main">
   <p:cSld>
     <p:spTree>
@@ -20655,15 +20725,7 @@
           <a:p>
             <a:r>
               <a:rPr lang="en-US" altLang="ko-KR" dirty="0" smtClean="0"/>
-              <a:t> </a:t>
-            </a:r>
-            <a:r>
-              <a:rPr lang="ko-KR" altLang="en-US" dirty="0" err="1" smtClean="0"/>
-              <a:t>조건문</a:t>
-            </a:r>
-            <a:r>
-              <a:rPr lang="en-US" altLang="ko-KR" dirty="0" smtClean="0"/>
-              <a:t>(if</a:t>
+              <a:t> break</a:t>
             </a:r>
             <a:r>
               <a:rPr lang="ko-KR" altLang="en-US" dirty="0" smtClean="0"/>
@@ -20671,7 +20733,11 @@
             </a:r>
             <a:r>
               <a:rPr lang="en-US" altLang="ko-KR" dirty="0" smtClean="0"/>
-              <a:t>)</a:t>
+              <a:t> </a:t>
+            </a:r>
+            <a:r>
+              <a:rPr lang="ko-KR" altLang="en-US" dirty="0" smtClean="0"/>
+              <a:t>예제</a:t>
             </a:r>
             <a:endParaRPr lang="ko-KR" altLang="en-US" dirty="0"/>
           </a:p>
@@ -20694,139 +20760,7 @@
           <a:p>
             <a:fld id="{1BDE3FE7-3AEA-4B05-AC5A-802D1816ACF0}" type="slidenum">
               <a:rPr lang="ko-KR" altLang="en-US" smtClean="0"/>
-              <a:t>4</a:t>
-            </a:fld>
-            <a:endParaRPr lang="ko-KR" altLang="en-US"/>
-          </a:p>
-        </p:txBody>
-      </p:sp>
-      <p:pic>
-        <p:nvPicPr>
-          <p:cNvPr id="2" name="그림 1"/>
-          <p:cNvPicPr>
-            <a:picLocks noChangeAspect="1"/>
-          </p:cNvPicPr>
-          <p:nvPr/>
-        </p:nvPicPr>
-        <p:blipFill>
-          <a:blip r:embed="rId2">
-            <a:extLst>
-              <a:ext uri="{28A0092B-C50C-407E-A947-70E740481C1C}">
-                <a14:useLocalDpi xmlns:a14="http://schemas.microsoft.com/office/drawing/2010/main" val="0"/>
-              </a:ext>
-            </a:extLst>
-          </a:blip>
-          <a:stretch>
-            <a:fillRect/>
-          </a:stretch>
-        </p:blipFill>
-        <p:spPr>
-          <a:xfrm>
-            <a:off x="1371288" y="1772816"/>
-            <a:ext cx="7163421" cy="3124471"/>
-          </a:xfrm>
-          <a:prstGeom prst="rect">
-            <a:avLst/>
-          </a:prstGeom>
-          <a:ln>
-            <a:solidFill>
-              <a:schemeClr val="bg1">
-                <a:lumMod val="85000"/>
-              </a:schemeClr>
-            </a:solidFill>
-          </a:ln>
-        </p:spPr>
-      </p:pic>
-    </p:spTree>
-    <p:extLst>
-      <p:ext uri="{BB962C8B-B14F-4D97-AF65-F5344CB8AC3E}">
-        <p14:creationId xmlns:p14="http://schemas.microsoft.com/office/powerpoint/2010/main" val="67559803"/>
-      </p:ext>
-    </p:extLst>
-  </p:cSld>
-  <p:clrMapOvr>
-    <a:masterClrMapping/>
-  </p:clrMapOvr>
-  <p:timing>
-    <p:tnLst>
-      <p:par>
-        <p:cTn id="1" dur="indefinite" restart="never" nodeType="tmRoot"/>
-      </p:par>
-    </p:tnLst>
-  </p:timing>
-</p:sld>
-</file>
-
-<file path=ppt/slides/slide40.xml><?xml version="1.0" encoding="utf-8"?>
-<p:sld xmlns:a="http://schemas.openxmlformats.org/drawingml/2006/main" xmlns:r="http://schemas.openxmlformats.org/officeDocument/2006/relationships" xmlns:p="http://schemas.openxmlformats.org/presentationml/2006/main">
-  <p:cSld>
-    <p:spTree>
-      <p:nvGrpSpPr>
-        <p:cNvPr id="1" name=""/>
-        <p:cNvGrpSpPr/>
-        <p:nvPr/>
-      </p:nvGrpSpPr>
-      <p:grpSpPr>
-        <a:xfrm>
-          <a:off x="0" y="0"/>
-          <a:ext cx="0" cy="0"/>
-          <a:chOff x="0" y="0"/>
-          <a:chExt cx="0" cy="0"/>
-        </a:xfrm>
-      </p:grpSpPr>
-      <p:sp>
-        <p:nvSpPr>
-          <p:cNvPr id="6" name="제목 5"/>
-          <p:cNvSpPr>
-            <a:spLocks noGrp="1"/>
-          </p:cNvSpPr>
-          <p:nvPr>
-            <p:ph type="title"/>
-          </p:nvPr>
-        </p:nvSpPr>
-        <p:spPr/>
-        <p:txBody>
-          <a:bodyPr/>
-          <a:lstStyle/>
-          <a:p>
-            <a:r>
-              <a:rPr lang="en-US" altLang="ko-KR" dirty="0" smtClean="0"/>
-              <a:t> break</a:t>
-            </a:r>
-            <a:r>
-              <a:rPr lang="ko-KR" altLang="en-US" dirty="0" smtClean="0"/>
-              <a:t>문</a:t>
-            </a:r>
-            <a:r>
-              <a:rPr lang="en-US" altLang="ko-KR" dirty="0" smtClean="0"/>
-              <a:t> </a:t>
-            </a:r>
-            <a:r>
-              <a:rPr lang="ko-KR" altLang="en-US" dirty="0" smtClean="0"/>
-              <a:t>예제</a:t>
-            </a:r>
-            <a:endParaRPr lang="ko-KR" altLang="en-US" dirty="0"/>
-          </a:p>
-        </p:txBody>
-      </p:sp>
-      <p:sp>
-        <p:nvSpPr>
-          <p:cNvPr id="5" name="슬라이드 번호 개체 틀 4"/>
-          <p:cNvSpPr>
-            <a:spLocks noGrp="1"/>
-          </p:cNvSpPr>
-          <p:nvPr>
-            <p:ph type="sldNum" sz="quarter" idx="12"/>
-          </p:nvPr>
-        </p:nvSpPr>
-        <p:spPr/>
-        <p:txBody>
-          <a:bodyPr/>
-          <a:lstStyle/>
-          <a:p>
-            <a:fld id="{1BDE3FE7-3AEA-4B05-AC5A-802D1816ACF0}" type="slidenum">
-              <a:rPr lang="ko-KR" altLang="en-US" smtClean="0"/>
-              <a:t>40</a:t>
+              <a:t>41</a:t>
             </a:fld>
             <a:endParaRPr lang="ko-KR" altLang="en-US"/>
           </a:p>
@@ -21021,7 +20955,7 @@
 </p:sld>
 </file>
 
-<file path=ppt/slides/slide41.xml><?xml version="1.0" encoding="utf-8"?>
+<file path=ppt/slides/slide42.xml><?xml version="1.0" encoding="utf-8"?>
 <p:sld xmlns:a="http://schemas.openxmlformats.org/drawingml/2006/main" xmlns:r="http://schemas.openxmlformats.org/officeDocument/2006/relationships" xmlns:p="http://schemas.openxmlformats.org/presentationml/2006/main">
   <p:cSld>
     <p:spTree>
@@ -21082,7 +21016,7 @@
           <a:p>
             <a:fld id="{1BDE3FE7-3AEA-4B05-AC5A-802D1816ACF0}" type="slidenum">
               <a:rPr lang="ko-KR" altLang="en-US" smtClean="0"/>
-              <a:t>41</a:t>
+              <a:t>42</a:t>
             </a:fld>
             <a:endParaRPr lang="ko-KR" altLang="en-US"/>
           </a:p>
@@ -21754,7 +21688,7 @@
 </p:sld>
 </file>
 
-<file path=ppt/slides/slide42.xml><?xml version="1.0" encoding="utf-8"?>
+<file path=ppt/slides/slide43.xml><?xml version="1.0" encoding="utf-8"?>
 <p:sld xmlns:a="http://schemas.openxmlformats.org/drawingml/2006/main" xmlns:r="http://schemas.openxmlformats.org/officeDocument/2006/relationships" xmlns:p="http://schemas.openxmlformats.org/presentationml/2006/main">
   <p:cSld>
     <p:spTree>
@@ -21815,7 +21749,7 @@
           <a:p>
             <a:fld id="{1BDE3FE7-3AEA-4B05-AC5A-802D1816ACF0}" type="slidenum">
               <a:rPr lang="ko-KR" altLang="en-US" smtClean="0"/>
-              <a:t>42</a:t>
+              <a:t>43</a:t>
             </a:fld>
             <a:endParaRPr lang="ko-KR" altLang="en-US"/>
           </a:p>
@@ -22268,7 +22202,7 @@
 </p:sld>
 </file>
 
-<file path=ppt/slides/slide43.xml><?xml version="1.0" encoding="utf-8"?>
+<file path=ppt/slides/slide44.xml><?xml version="1.0" encoding="utf-8"?>
 <p:sld xmlns:a="http://schemas.openxmlformats.org/drawingml/2006/main" xmlns:r="http://schemas.openxmlformats.org/officeDocument/2006/relationships" xmlns:p="http://schemas.openxmlformats.org/presentationml/2006/main">
   <p:cSld>
     <p:spTree>
@@ -22341,7 +22275,7 @@
           <a:p>
             <a:fld id="{1BDE3FE7-3AEA-4B05-AC5A-802D1816ACF0}" type="slidenum">
               <a:rPr lang="ko-KR" altLang="en-US" smtClean="0"/>
-              <a:t>43</a:t>
+              <a:t>44</a:t>
             </a:fld>
             <a:endParaRPr lang="ko-KR" altLang="en-US"/>
           </a:p>
@@ -22757,7 +22691,7 @@
 </p:sld>
 </file>
 
-<file path=ppt/slides/slide44.xml><?xml version="1.0" encoding="utf-8"?>
+<file path=ppt/slides/slide45.xml><?xml version="1.0" encoding="utf-8"?>
 <p:sld xmlns:a="http://schemas.openxmlformats.org/drawingml/2006/main" xmlns:r="http://schemas.openxmlformats.org/officeDocument/2006/relationships" xmlns:p="http://schemas.openxmlformats.org/presentationml/2006/main">
   <p:cSld>
     <p:spTree>
@@ -22961,7 +22895,7 @@
 </p:sld>
 </file>
 
-<file path=ppt/slides/slide45.xml><?xml version="1.0" encoding="utf-8"?>
+<file path=ppt/slides/slide46.xml><?xml version="1.0" encoding="utf-8"?>
 <p:sld xmlns:a="http://schemas.openxmlformats.org/drawingml/2006/main" xmlns:r="http://schemas.openxmlformats.org/officeDocument/2006/relationships" xmlns:p="http://schemas.openxmlformats.org/presentationml/2006/main">
   <p:cSld>
     <p:spTree>
